--- a/Technical documentation/Presentation/MUMSchedulerfinal.pptx
+++ b/Technical documentation/Presentation/MUMSchedulerfinal.pptx
@@ -7,25 +7,19 @@
   <p:sldIdLst>
     <p:sldId id="256" r:id="rId2"/>
     <p:sldId id="257" r:id="rId3"/>
-    <p:sldId id="259" r:id="rId4"/>
-    <p:sldId id="273" r:id="rId5"/>
-    <p:sldId id="294" r:id="rId6"/>
-    <p:sldId id="295" r:id="rId7"/>
-    <p:sldId id="296" r:id="rId8"/>
-    <p:sldId id="297" r:id="rId9"/>
+    <p:sldId id="307" r:id="rId4"/>
+    <p:sldId id="306" r:id="rId5"/>
+    <p:sldId id="259" r:id="rId6"/>
+    <p:sldId id="273" r:id="rId7"/>
+    <p:sldId id="308" r:id="rId8"/>
+    <p:sldId id="309" r:id="rId9"/>
     <p:sldId id="293" r:id="rId10"/>
     <p:sldId id="298" r:id="rId11"/>
-    <p:sldId id="299" r:id="rId12"/>
-    <p:sldId id="283" r:id="rId13"/>
-    <p:sldId id="260" r:id="rId14"/>
-    <p:sldId id="301" r:id="rId15"/>
-    <p:sldId id="302" r:id="rId16"/>
-    <p:sldId id="300" r:id="rId17"/>
-    <p:sldId id="303" r:id="rId18"/>
-    <p:sldId id="304" r:id="rId19"/>
-    <p:sldId id="261" r:id="rId20"/>
-    <p:sldId id="288" r:id="rId21"/>
-    <p:sldId id="284" r:id="rId22"/>
+    <p:sldId id="260" r:id="rId12"/>
+    <p:sldId id="301" r:id="rId13"/>
+    <p:sldId id="302" r:id="rId14"/>
+    <p:sldId id="310" r:id="rId15"/>
+    <p:sldId id="284" r:id="rId16"/>
   </p:sldIdLst>
   <p:sldSz cx="12192000" cy="6858000"/>
   <p:notesSz cx="6858000" cy="9144000"/>
@@ -925,788 +919,6 @@
 </dgm:colorsDef>
 </file>
 
-<file path=ppt/diagrams/colors2.xml><?xml version="1.0" encoding="utf-8"?>
-<dgm:colorsDef xmlns:dgm="http://schemas.openxmlformats.org/drawingml/2006/diagram" xmlns:a="http://schemas.openxmlformats.org/drawingml/2006/main" uniqueId="urn:microsoft.com/office/officeart/2005/8/colors/colorful5">
-  <dgm:title val=""/>
-  <dgm:desc val=""/>
-  <dgm:catLst>
-    <dgm:cat type="colorful" pri="10500"/>
-  </dgm:catLst>
-  <dgm:styleLbl name="node0">
-    <dgm:fillClrLst meth="repeat">
-      <a:schemeClr val="accent4"/>
-    </dgm:fillClrLst>
-    <dgm:linClrLst meth="repeat">
-      <a:schemeClr val="lt1"/>
-    </dgm:linClrLst>
-    <dgm:effectClrLst/>
-    <dgm:txLinClrLst/>
-    <dgm:txFillClrLst/>
-    <dgm:txEffectClrLst/>
-  </dgm:styleLbl>
-  <dgm:styleLbl name="node1">
-    <dgm:fillClrLst>
-      <a:schemeClr val="accent5"/>
-      <a:schemeClr val="accent6"/>
-    </dgm:fillClrLst>
-    <dgm:linClrLst meth="repeat">
-      <a:schemeClr val="lt1"/>
-    </dgm:linClrLst>
-    <dgm:effectClrLst/>
-    <dgm:txLinClrLst/>
-    <dgm:txFillClrLst/>
-    <dgm:txEffectClrLst/>
-  </dgm:styleLbl>
-  <dgm:styleLbl name="alignNode1">
-    <dgm:fillClrLst>
-      <a:schemeClr val="accent5"/>
-      <a:schemeClr val="accent6"/>
-    </dgm:fillClrLst>
-    <dgm:linClrLst>
-      <a:schemeClr val="accent5"/>
-      <a:schemeClr val="accent6"/>
-    </dgm:linClrLst>
-    <dgm:effectClrLst/>
-    <dgm:txLinClrLst/>
-    <dgm:txFillClrLst/>
-    <dgm:txEffectClrLst/>
-  </dgm:styleLbl>
-  <dgm:styleLbl name="lnNode1">
-    <dgm:fillClrLst>
-      <a:schemeClr val="accent5"/>
-      <a:schemeClr val="accent6"/>
-    </dgm:fillClrLst>
-    <dgm:linClrLst meth="repeat">
-      <a:schemeClr val="lt1"/>
-    </dgm:linClrLst>
-    <dgm:effectClrLst/>
-    <dgm:txLinClrLst/>
-    <dgm:txFillClrLst/>
-    <dgm:txEffectClrLst/>
-  </dgm:styleLbl>
-  <dgm:styleLbl name="vennNode1">
-    <dgm:fillClrLst>
-      <a:schemeClr val="accent5">
-        <a:alpha val="50000"/>
-      </a:schemeClr>
-      <a:schemeClr val="accent6">
-        <a:alpha val="50000"/>
-      </a:schemeClr>
-    </dgm:fillClrLst>
-    <dgm:linClrLst meth="repeat">
-      <a:schemeClr val="lt1"/>
-    </dgm:linClrLst>
-    <dgm:effectClrLst/>
-    <dgm:txLinClrLst/>
-    <dgm:txFillClrLst/>
-    <dgm:txEffectClrLst/>
-  </dgm:styleLbl>
-  <dgm:styleLbl name="node2">
-    <dgm:fillClrLst>
-      <a:schemeClr val="accent6"/>
-    </dgm:fillClrLst>
-    <dgm:linClrLst meth="repeat">
-      <a:schemeClr val="lt1"/>
-    </dgm:linClrLst>
-    <dgm:effectClrLst/>
-    <dgm:txLinClrLst/>
-    <dgm:txFillClrLst/>
-    <dgm:txEffectClrLst/>
-  </dgm:styleLbl>
-  <dgm:styleLbl name="node3">
-    <dgm:fillClrLst>
-      <a:schemeClr val="accent1"/>
-    </dgm:fillClrLst>
-    <dgm:linClrLst meth="repeat">
-      <a:schemeClr val="lt1"/>
-    </dgm:linClrLst>
-    <dgm:effectClrLst/>
-    <dgm:txLinClrLst/>
-    <dgm:txFillClrLst/>
-    <dgm:txEffectClrLst/>
-  </dgm:styleLbl>
-  <dgm:styleLbl name="node4">
-    <dgm:fillClrLst>
-      <a:schemeClr val="accent2"/>
-    </dgm:fillClrLst>
-    <dgm:linClrLst meth="repeat">
-      <a:schemeClr val="lt1"/>
-    </dgm:linClrLst>
-    <dgm:effectClrLst/>
-    <dgm:txLinClrLst/>
-    <dgm:txFillClrLst/>
-    <dgm:txEffectClrLst/>
-  </dgm:styleLbl>
-  <dgm:styleLbl name="fgImgPlace1">
-    <dgm:fillClrLst>
-      <a:schemeClr val="accent5">
-        <a:tint val="50000"/>
-      </a:schemeClr>
-      <a:schemeClr val="accent6">
-        <a:tint val="50000"/>
-      </a:schemeClr>
-    </dgm:fillClrLst>
-    <dgm:linClrLst meth="repeat">
-      <a:schemeClr val="lt1"/>
-    </dgm:linClrLst>
-    <dgm:effectClrLst/>
-    <dgm:txLinClrLst/>
-    <dgm:txFillClrLst meth="repeat">
-      <a:schemeClr val="lt1"/>
-    </dgm:txFillClrLst>
-    <dgm:txEffectClrLst/>
-  </dgm:styleLbl>
-  <dgm:styleLbl name="alignImgPlace1">
-    <dgm:fillClrLst>
-      <a:schemeClr val="accent5">
-        <a:tint val="50000"/>
-      </a:schemeClr>
-      <a:schemeClr val="accent6">
-        <a:tint val="20000"/>
-      </a:schemeClr>
-    </dgm:fillClrLst>
-    <dgm:linClrLst meth="repeat">
-      <a:schemeClr val="lt1"/>
-    </dgm:linClrLst>
-    <dgm:effectClrLst/>
-    <dgm:txLinClrLst/>
-    <dgm:txFillClrLst meth="repeat">
-      <a:schemeClr val="lt1"/>
-    </dgm:txFillClrLst>
-    <dgm:txEffectClrLst/>
-  </dgm:styleLbl>
-  <dgm:styleLbl name="bgImgPlace1">
-    <dgm:fillClrLst>
-      <a:schemeClr val="accent5">
-        <a:tint val="50000"/>
-      </a:schemeClr>
-      <a:schemeClr val="accent6">
-        <a:tint val="20000"/>
-      </a:schemeClr>
-    </dgm:fillClrLst>
-    <dgm:linClrLst meth="repeat">
-      <a:schemeClr val="lt1"/>
-    </dgm:linClrLst>
-    <dgm:effectClrLst/>
-    <dgm:txLinClrLst/>
-    <dgm:txFillClrLst meth="repeat">
-      <a:schemeClr val="lt1"/>
-    </dgm:txFillClrLst>
-    <dgm:txEffectClrLst/>
-  </dgm:styleLbl>
-  <dgm:styleLbl name="sibTrans2D1">
-    <dgm:fillClrLst>
-      <a:schemeClr val="accent5"/>
-      <a:schemeClr val="accent6"/>
-    </dgm:fillClrLst>
-    <dgm:linClrLst meth="repeat">
-      <a:schemeClr val="lt1"/>
-    </dgm:linClrLst>
-    <dgm:effectClrLst/>
-    <dgm:txLinClrLst/>
-    <dgm:txFillClrLst/>
-    <dgm:txEffectClrLst/>
-  </dgm:styleLbl>
-  <dgm:styleLbl name="fgSibTrans2D1">
-    <dgm:fillClrLst>
-      <a:schemeClr val="accent5"/>
-      <a:schemeClr val="accent6"/>
-    </dgm:fillClrLst>
-    <dgm:linClrLst meth="repeat">
-      <a:schemeClr val="lt1"/>
-    </dgm:linClrLst>
-    <dgm:effectClrLst/>
-    <dgm:txLinClrLst/>
-    <dgm:txFillClrLst meth="repeat">
-      <a:schemeClr val="lt1"/>
-    </dgm:txFillClrLst>
-    <dgm:txEffectClrLst/>
-  </dgm:styleLbl>
-  <dgm:styleLbl name="bgSibTrans2D1">
-    <dgm:fillClrLst>
-      <a:schemeClr val="accent5"/>
-      <a:schemeClr val="accent6"/>
-    </dgm:fillClrLst>
-    <dgm:linClrLst meth="repeat">
-      <a:schemeClr val="lt1"/>
-    </dgm:linClrLst>
-    <dgm:effectClrLst/>
-    <dgm:txLinClrLst/>
-    <dgm:txFillClrLst meth="repeat">
-      <a:schemeClr val="lt1"/>
-    </dgm:txFillClrLst>
-    <dgm:txEffectClrLst/>
-  </dgm:styleLbl>
-  <dgm:styleLbl name="sibTrans1D1">
-    <dgm:fillClrLst/>
-    <dgm:linClrLst>
-      <a:schemeClr val="accent5"/>
-      <a:schemeClr val="accent6"/>
-    </dgm:linClrLst>
-    <dgm:effectClrLst/>
-    <dgm:txLinClrLst/>
-    <dgm:txFillClrLst meth="repeat">
-      <a:schemeClr val="tx1"/>
-    </dgm:txFillClrLst>
-    <dgm:txEffectClrLst/>
-  </dgm:styleLbl>
-  <dgm:styleLbl name="callout">
-    <dgm:fillClrLst meth="repeat">
-      <a:schemeClr val="accent5"/>
-    </dgm:fillClrLst>
-    <dgm:linClrLst meth="repeat">
-      <a:schemeClr val="accent5">
-        <a:tint val="50000"/>
-      </a:schemeClr>
-    </dgm:linClrLst>
-    <dgm:effectClrLst/>
-    <dgm:txLinClrLst/>
-    <dgm:txFillClrLst meth="repeat">
-      <a:schemeClr val="tx1"/>
-    </dgm:txFillClrLst>
-    <dgm:txEffectClrLst/>
-  </dgm:styleLbl>
-  <dgm:styleLbl name="asst0">
-    <dgm:fillClrLst meth="repeat">
-      <a:schemeClr val="accent5"/>
-    </dgm:fillClrLst>
-    <dgm:linClrLst meth="repeat">
-      <a:schemeClr val="lt1">
-        <a:shade val="80000"/>
-      </a:schemeClr>
-    </dgm:linClrLst>
-    <dgm:effectClrLst/>
-    <dgm:txLinClrLst/>
-    <dgm:txFillClrLst/>
-    <dgm:txEffectClrLst/>
-  </dgm:styleLbl>
-  <dgm:styleLbl name="asst1">
-    <dgm:fillClrLst meth="repeat">
-      <a:schemeClr val="accent6"/>
-    </dgm:fillClrLst>
-    <dgm:linClrLst meth="repeat">
-      <a:schemeClr val="lt1">
-        <a:shade val="80000"/>
-      </a:schemeClr>
-    </dgm:linClrLst>
-    <dgm:effectClrLst/>
-    <dgm:txLinClrLst/>
-    <dgm:txFillClrLst/>
-    <dgm:txEffectClrLst/>
-  </dgm:styleLbl>
-  <dgm:styleLbl name="asst2">
-    <dgm:fillClrLst>
-      <a:schemeClr val="accent1"/>
-    </dgm:fillClrLst>
-    <dgm:linClrLst meth="repeat">
-      <a:schemeClr val="lt1"/>
-    </dgm:linClrLst>
-    <dgm:effectClrLst/>
-    <dgm:txLinClrLst/>
-    <dgm:txFillClrLst/>
-    <dgm:txEffectClrLst/>
-  </dgm:styleLbl>
-  <dgm:styleLbl name="asst3">
-    <dgm:fillClrLst>
-      <a:schemeClr val="accent2"/>
-    </dgm:fillClrLst>
-    <dgm:linClrLst meth="repeat">
-      <a:schemeClr val="lt1"/>
-    </dgm:linClrLst>
-    <dgm:effectClrLst/>
-    <dgm:txLinClrLst/>
-    <dgm:txFillClrLst/>
-    <dgm:txEffectClrLst/>
-  </dgm:styleLbl>
-  <dgm:styleLbl name="asst4">
-    <dgm:fillClrLst>
-      <a:schemeClr val="accent3"/>
-    </dgm:fillClrLst>
-    <dgm:linClrLst meth="repeat">
-      <a:schemeClr val="lt1"/>
-    </dgm:linClrLst>
-    <dgm:effectClrLst/>
-    <dgm:txLinClrLst/>
-    <dgm:txFillClrLst/>
-    <dgm:txEffectClrLst/>
-  </dgm:styleLbl>
-  <dgm:styleLbl name="parChTrans2D1">
-    <dgm:fillClrLst meth="repeat">
-      <a:schemeClr val="accent5"/>
-    </dgm:fillClrLst>
-    <dgm:linClrLst meth="repeat">
-      <a:schemeClr val="lt1"/>
-    </dgm:linClrLst>
-    <dgm:effectClrLst/>
-    <dgm:txLinClrLst/>
-    <dgm:txFillClrLst meth="repeat">
-      <a:schemeClr val="lt1"/>
-    </dgm:txFillClrLst>
-    <dgm:txEffectClrLst/>
-  </dgm:styleLbl>
-  <dgm:styleLbl name="parChTrans2D2">
-    <dgm:fillClrLst meth="repeat">
-      <a:schemeClr val="accent6"/>
-    </dgm:fillClrLst>
-    <dgm:linClrLst meth="repeat">
-      <a:schemeClr val="lt1"/>
-    </dgm:linClrLst>
-    <dgm:effectClrLst/>
-    <dgm:txLinClrLst/>
-    <dgm:txFillClrLst/>
-    <dgm:txEffectClrLst/>
-  </dgm:styleLbl>
-  <dgm:styleLbl name="parChTrans2D3">
-    <dgm:fillClrLst meth="repeat">
-      <a:schemeClr val="accent6"/>
-    </dgm:fillClrLst>
-    <dgm:linClrLst meth="repeat">
-      <a:schemeClr val="lt1"/>
-    </dgm:linClrLst>
-    <dgm:effectClrLst/>
-    <dgm:txLinClrLst/>
-    <dgm:txFillClrLst/>
-    <dgm:txEffectClrLst/>
-  </dgm:styleLbl>
-  <dgm:styleLbl name="parChTrans2D4">
-    <dgm:fillClrLst meth="repeat">
-      <a:schemeClr val="accent1"/>
-    </dgm:fillClrLst>
-    <dgm:linClrLst meth="repeat">
-      <a:schemeClr val="lt1"/>
-    </dgm:linClrLst>
-    <dgm:effectClrLst/>
-    <dgm:txLinClrLst/>
-    <dgm:txFillClrLst meth="repeat">
-      <a:schemeClr val="lt1"/>
-    </dgm:txFillClrLst>
-    <dgm:txEffectClrLst/>
-  </dgm:styleLbl>
-  <dgm:styleLbl name="parChTrans1D1">
-    <dgm:fillClrLst meth="repeat">
-      <a:schemeClr val="accent5"/>
-    </dgm:fillClrLst>
-    <dgm:linClrLst meth="repeat">
-      <a:schemeClr val="accent5"/>
-    </dgm:linClrLst>
-    <dgm:effectClrLst/>
-    <dgm:txLinClrLst/>
-    <dgm:txFillClrLst meth="repeat">
-      <a:schemeClr val="tx1"/>
-    </dgm:txFillClrLst>
-    <dgm:txEffectClrLst/>
-  </dgm:styleLbl>
-  <dgm:styleLbl name="parChTrans1D2">
-    <dgm:fillClrLst meth="repeat">
-      <a:schemeClr val="accent6">
-        <a:tint val="90000"/>
-      </a:schemeClr>
-    </dgm:fillClrLst>
-    <dgm:linClrLst meth="repeat">
-      <a:schemeClr val="accent6"/>
-    </dgm:linClrLst>
-    <dgm:effectClrLst/>
-    <dgm:txLinClrLst/>
-    <dgm:txFillClrLst meth="repeat">
-      <a:schemeClr val="tx1"/>
-    </dgm:txFillClrLst>
-    <dgm:txEffectClrLst/>
-  </dgm:styleLbl>
-  <dgm:styleLbl name="parChTrans1D3">
-    <dgm:fillClrLst meth="repeat">
-      <a:schemeClr val="accent6">
-        <a:tint val="70000"/>
-      </a:schemeClr>
-    </dgm:fillClrLst>
-    <dgm:linClrLst meth="repeat">
-      <a:schemeClr val="accent1"/>
-    </dgm:linClrLst>
-    <dgm:effectClrLst/>
-    <dgm:txLinClrLst/>
-    <dgm:txFillClrLst meth="repeat">
-      <a:schemeClr val="tx1"/>
-    </dgm:txFillClrLst>
-    <dgm:txEffectClrLst/>
-  </dgm:styleLbl>
-  <dgm:styleLbl name="parChTrans1D4">
-    <dgm:fillClrLst meth="repeat">
-      <a:schemeClr val="accent6">
-        <a:tint val="50000"/>
-      </a:schemeClr>
-    </dgm:fillClrLst>
-    <dgm:linClrLst meth="repeat">
-      <a:schemeClr val="accent2"/>
-    </dgm:linClrLst>
-    <dgm:effectClrLst/>
-    <dgm:txLinClrLst/>
-    <dgm:txFillClrLst meth="repeat">
-      <a:schemeClr val="tx1"/>
-    </dgm:txFillClrLst>
-    <dgm:txEffectClrLst/>
-  </dgm:styleLbl>
-  <dgm:styleLbl name="fgAcc1">
-    <dgm:fillClrLst meth="repeat">
-      <a:schemeClr val="lt1">
-        <a:alpha val="90000"/>
-      </a:schemeClr>
-    </dgm:fillClrLst>
-    <dgm:linClrLst>
-      <a:schemeClr val="accent5"/>
-      <a:schemeClr val="accent6"/>
-    </dgm:linClrLst>
-    <dgm:effectClrLst/>
-    <dgm:txLinClrLst/>
-    <dgm:txFillClrLst meth="repeat">
-      <a:schemeClr val="dk1"/>
-    </dgm:txFillClrLst>
-    <dgm:txEffectClrLst/>
-  </dgm:styleLbl>
-  <dgm:styleLbl name="conFgAcc1">
-    <dgm:fillClrLst meth="repeat">
-      <a:schemeClr val="lt1">
-        <a:alpha val="90000"/>
-      </a:schemeClr>
-    </dgm:fillClrLst>
-    <dgm:linClrLst>
-      <a:schemeClr val="accent5"/>
-      <a:schemeClr val="accent6"/>
-    </dgm:linClrLst>
-    <dgm:effectClrLst/>
-    <dgm:txLinClrLst/>
-    <dgm:txFillClrLst meth="repeat">
-      <a:schemeClr val="dk1"/>
-    </dgm:txFillClrLst>
-    <dgm:txEffectClrLst/>
-  </dgm:styleLbl>
-  <dgm:styleLbl name="alignAcc1">
-    <dgm:fillClrLst meth="repeat">
-      <a:schemeClr val="lt1">
-        <a:alpha val="90000"/>
-      </a:schemeClr>
-    </dgm:fillClrLst>
-    <dgm:linClrLst>
-      <a:schemeClr val="accent5"/>
-      <a:schemeClr val="accent6"/>
-    </dgm:linClrLst>
-    <dgm:effectClrLst/>
-    <dgm:txLinClrLst/>
-    <dgm:txFillClrLst meth="repeat">
-      <a:schemeClr val="dk1"/>
-    </dgm:txFillClrLst>
-    <dgm:txEffectClrLst/>
-  </dgm:styleLbl>
-  <dgm:styleLbl name="trAlignAcc1">
-    <dgm:fillClrLst meth="repeat">
-      <a:schemeClr val="lt1">
-        <a:alpha val="40000"/>
-      </a:schemeClr>
-    </dgm:fillClrLst>
-    <dgm:linClrLst meth="repeat">
-      <a:schemeClr val="accent5"/>
-    </dgm:linClrLst>
-    <dgm:effectClrLst/>
-    <dgm:txLinClrLst/>
-    <dgm:txFillClrLst meth="repeat">
-      <a:schemeClr val="dk1"/>
-    </dgm:txFillClrLst>
-    <dgm:txEffectClrLst/>
-  </dgm:styleLbl>
-  <dgm:styleLbl name="bgAcc1">
-    <dgm:fillClrLst meth="repeat">
-      <a:schemeClr val="lt1">
-        <a:alpha val="90000"/>
-      </a:schemeClr>
-    </dgm:fillClrLst>
-    <dgm:linClrLst>
-      <a:schemeClr val="accent5"/>
-      <a:schemeClr val="accent6"/>
-    </dgm:linClrLst>
-    <dgm:effectClrLst/>
-    <dgm:txLinClrLst/>
-    <dgm:txFillClrLst meth="repeat">
-      <a:schemeClr val="dk1"/>
-    </dgm:txFillClrLst>
-    <dgm:txEffectClrLst/>
-  </dgm:styleLbl>
-  <dgm:styleLbl name="solidFgAcc1">
-    <dgm:fillClrLst meth="repeat">
-      <a:schemeClr val="lt1"/>
-    </dgm:fillClrLst>
-    <dgm:linClrLst>
-      <a:schemeClr val="accent5"/>
-      <a:schemeClr val="accent6"/>
-    </dgm:linClrLst>
-    <dgm:effectClrLst/>
-    <dgm:txLinClrLst/>
-    <dgm:txFillClrLst meth="repeat">
-      <a:schemeClr val="dk1"/>
-    </dgm:txFillClrLst>
-    <dgm:txEffectClrLst/>
-  </dgm:styleLbl>
-  <dgm:styleLbl name="solidAlignAcc1">
-    <dgm:fillClrLst meth="repeat">
-      <a:schemeClr val="lt1"/>
-    </dgm:fillClrLst>
-    <dgm:linClrLst>
-      <a:schemeClr val="accent5"/>
-      <a:schemeClr val="accent6"/>
-    </dgm:linClrLst>
-    <dgm:effectClrLst/>
-    <dgm:txLinClrLst/>
-    <dgm:txFillClrLst meth="repeat">
-      <a:schemeClr val="dk1"/>
-    </dgm:txFillClrLst>
-    <dgm:txEffectClrLst/>
-  </dgm:styleLbl>
-  <dgm:styleLbl name="solidBgAcc1">
-    <dgm:fillClrLst meth="repeat">
-      <a:schemeClr val="lt1"/>
-    </dgm:fillClrLst>
-    <dgm:linClrLst>
-      <a:schemeClr val="accent5"/>
-      <a:schemeClr val="accent6"/>
-    </dgm:linClrLst>
-    <dgm:effectClrLst/>
-    <dgm:txLinClrLst/>
-    <dgm:txFillClrLst meth="repeat">
-      <a:schemeClr val="dk1"/>
-    </dgm:txFillClrLst>
-    <dgm:txEffectClrLst/>
-  </dgm:styleLbl>
-  <dgm:styleLbl name="fgAccFollowNode1">
-    <dgm:fillClrLst>
-      <a:schemeClr val="accent5">
-        <a:tint val="40000"/>
-        <a:alpha val="90000"/>
-      </a:schemeClr>
-      <a:schemeClr val="accent6">
-        <a:tint val="40000"/>
-        <a:alpha val="90000"/>
-      </a:schemeClr>
-    </dgm:fillClrLst>
-    <dgm:linClrLst>
-      <a:schemeClr val="accent5">
-        <a:tint val="40000"/>
-        <a:alpha val="90000"/>
-      </a:schemeClr>
-      <a:schemeClr val="accent5">
-        <a:tint val="40000"/>
-        <a:alpha val="90000"/>
-      </a:schemeClr>
-    </dgm:linClrLst>
-    <dgm:effectClrLst/>
-    <dgm:txLinClrLst/>
-    <dgm:txFillClrLst meth="repeat">
-      <a:schemeClr val="dk1"/>
-    </dgm:txFillClrLst>
-    <dgm:txEffectClrLst/>
-  </dgm:styleLbl>
-  <dgm:styleLbl name="alignAccFollowNode1">
-    <dgm:fillClrLst>
-      <a:schemeClr val="accent5">
-        <a:tint val="40000"/>
-        <a:alpha val="90000"/>
-      </a:schemeClr>
-      <a:schemeClr val="accent6">
-        <a:tint val="40000"/>
-        <a:alpha val="90000"/>
-      </a:schemeClr>
-    </dgm:fillClrLst>
-    <dgm:linClrLst>
-      <a:schemeClr val="accent5">
-        <a:tint val="40000"/>
-        <a:alpha val="90000"/>
-      </a:schemeClr>
-      <a:schemeClr val="accent6">
-        <a:tint val="40000"/>
-        <a:alpha val="90000"/>
-      </a:schemeClr>
-    </dgm:linClrLst>
-    <dgm:effectClrLst/>
-    <dgm:txLinClrLst/>
-    <dgm:txFillClrLst meth="repeat">
-      <a:schemeClr val="dk1"/>
-    </dgm:txFillClrLst>
-    <dgm:txEffectClrLst/>
-  </dgm:styleLbl>
-  <dgm:styleLbl name="bgAccFollowNode1">
-    <dgm:fillClrLst>
-      <a:schemeClr val="accent5">
-        <a:tint val="40000"/>
-        <a:alpha val="90000"/>
-      </a:schemeClr>
-      <a:schemeClr val="accent6">
-        <a:tint val="40000"/>
-        <a:alpha val="90000"/>
-      </a:schemeClr>
-    </dgm:fillClrLst>
-    <dgm:linClrLst>
-      <a:schemeClr val="accent5">
-        <a:tint val="40000"/>
-        <a:alpha val="90000"/>
-      </a:schemeClr>
-      <a:schemeClr val="accent6">
-        <a:tint val="40000"/>
-        <a:alpha val="90000"/>
-      </a:schemeClr>
-    </dgm:linClrLst>
-    <dgm:effectClrLst/>
-    <dgm:txLinClrLst/>
-    <dgm:txFillClrLst meth="repeat">
-      <a:schemeClr val="dk1"/>
-    </dgm:txFillClrLst>
-    <dgm:txEffectClrLst/>
-  </dgm:styleLbl>
-  <dgm:styleLbl name="fgAcc0">
-    <dgm:fillClrLst meth="repeat">
-      <a:schemeClr val="lt1">
-        <a:alpha val="90000"/>
-      </a:schemeClr>
-    </dgm:fillClrLst>
-    <dgm:linClrLst>
-      <a:schemeClr val="accent4"/>
-    </dgm:linClrLst>
-    <dgm:effectClrLst/>
-    <dgm:txLinClrLst/>
-    <dgm:txFillClrLst meth="repeat">
-      <a:schemeClr val="dk1"/>
-    </dgm:txFillClrLst>
-    <dgm:txEffectClrLst/>
-  </dgm:styleLbl>
-  <dgm:styleLbl name="fgAcc2">
-    <dgm:fillClrLst meth="repeat">
-      <a:schemeClr val="lt1">
-        <a:alpha val="90000"/>
-      </a:schemeClr>
-    </dgm:fillClrLst>
-    <dgm:linClrLst>
-      <a:schemeClr val="accent6"/>
-    </dgm:linClrLst>
-    <dgm:effectClrLst/>
-    <dgm:txLinClrLst/>
-    <dgm:txFillClrLst meth="repeat">
-      <a:schemeClr val="dk1"/>
-    </dgm:txFillClrLst>
-    <dgm:txEffectClrLst/>
-  </dgm:styleLbl>
-  <dgm:styleLbl name="fgAcc3">
-    <dgm:fillClrLst meth="repeat">
-      <a:schemeClr val="lt1">
-        <a:alpha val="90000"/>
-      </a:schemeClr>
-    </dgm:fillClrLst>
-    <dgm:linClrLst>
-      <a:schemeClr val="accent1"/>
-    </dgm:linClrLst>
-    <dgm:effectClrLst/>
-    <dgm:txLinClrLst/>
-    <dgm:txFillClrLst meth="repeat">
-      <a:schemeClr val="dk1"/>
-    </dgm:txFillClrLst>
-    <dgm:txEffectClrLst/>
-  </dgm:styleLbl>
-  <dgm:styleLbl name="fgAcc4">
-    <dgm:fillClrLst meth="repeat">
-      <a:schemeClr val="lt1">
-        <a:alpha val="90000"/>
-      </a:schemeClr>
-    </dgm:fillClrLst>
-    <dgm:linClrLst>
-      <a:schemeClr val="accent2"/>
-    </dgm:linClrLst>
-    <dgm:effectClrLst/>
-    <dgm:txLinClrLst/>
-    <dgm:txFillClrLst meth="repeat">
-      <a:schemeClr val="dk1"/>
-    </dgm:txFillClrLst>
-    <dgm:txEffectClrLst/>
-  </dgm:styleLbl>
-  <dgm:styleLbl name="bgShp">
-    <dgm:fillClrLst meth="repeat">
-      <a:schemeClr val="accent5">
-        <a:tint val="40000"/>
-      </a:schemeClr>
-    </dgm:fillClrLst>
-    <dgm:linClrLst meth="repeat">
-      <a:schemeClr val="dk1"/>
-    </dgm:linClrLst>
-    <dgm:effectClrLst/>
-    <dgm:txLinClrLst/>
-    <dgm:txFillClrLst meth="repeat">
-      <a:schemeClr val="dk1"/>
-    </dgm:txFillClrLst>
-    <dgm:txEffectClrLst/>
-  </dgm:styleLbl>
-  <dgm:styleLbl name="dkBgShp">
-    <dgm:fillClrLst meth="repeat">
-      <a:schemeClr val="accent5">
-        <a:shade val="90000"/>
-      </a:schemeClr>
-    </dgm:fillClrLst>
-    <dgm:linClrLst meth="repeat">
-      <a:schemeClr val="dk1"/>
-    </dgm:linClrLst>
-    <dgm:effectClrLst/>
-    <dgm:txLinClrLst/>
-    <dgm:txFillClrLst meth="repeat">
-      <a:schemeClr val="lt1"/>
-    </dgm:txFillClrLst>
-    <dgm:txEffectClrLst/>
-  </dgm:styleLbl>
-  <dgm:styleLbl name="trBgShp">
-    <dgm:fillClrLst meth="repeat">
-      <a:schemeClr val="accent5">
-        <a:tint val="50000"/>
-        <a:alpha val="40000"/>
-      </a:schemeClr>
-    </dgm:fillClrLst>
-    <dgm:linClrLst meth="repeat">
-      <a:schemeClr val="accent5"/>
-    </dgm:linClrLst>
-    <dgm:effectClrLst/>
-    <dgm:txLinClrLst/>
-    <dgm:txFillClrLst meth="repeat">
-      <a:schemeClr val="lt1"/>
-    </dgm:txFillClrLst>
-    <dgm:txEffectClrLst/>
-  </dgm:styleLbl>
-  <dgm:styleLbl name="fgShp">
-    <dgm:fillClrLst meth="repeat">
-      <a:schemeClr val="accent5">
-        <a:tint val="40000"/>
-      </a:schemeClr>
-    </dgm:fillClrLst>
-    <dgm:linClrLst meth="repeat">
-      <a:schemeClr val="lt1"/>
-    </dgm:linClrLst>
-    <dgm:effectClrLst/>
-    <dgm:txLinClrLst/>
-    <dgm:txFillClrLst meth="repeat">
-      <a:schemeClr val="dk1"/>
-    </dgm:txFillClrLst>
-    <dgm:txEffectClrLst/>
-  </dgm:styleLbl>
-  <dgm:styleLbl name="revTx">
-    <dgm:fillClrLst meth="repeat">
-      <a:schemeClr val="lt1">
-        <a:alpha val="0"/>
-      </a:schemeClr>
-    </dgm:fillClrLst>
-    <dgm:linClrLst meth="repeat">
-      <a:schemeClr val="dk1">
-        <a:alpha val="0"/>
-      </a:schemeClr>
-    </dgm:linClrLst>
-    <dgm:effectClrLst/>
-    <dgm:txLinClrLst/>
-    <dgm:txFillClrLst meth="repeat">
-      <a:schemeClr val="tx1"/>
-    </dgm:txFillClrLst>
-    <dgm:txEffectClrLst/>
-  </dgm:styleLbl>
-</dgm:colorsDef>
-</file>
-
 <file path=ppt/diagrams/data1.xml><?xml version="1.0" encoding="utf-8"?>
 <dgm:dataModel xmlns:dgm="http://schemas.openxmlformats.org/drawingml/2006/diagram" xmlns:a="http://schemas.openxmlformats.org/drawingml/2006/main">
   <dgm:ptLst>
@@ -1729,8 +941,8 @@
         <a:lstStyle/>
         <a:p>
           <a:r>
-            <a:rPr lang="fr-FR" b="1" dirty="0"/>
-            <a:t>I. Use Case Diagram</a:t>
+            <a:rPr lang="en-US" b="1" noProof="0" dirty="0"/>
+            <a:t>Problem Statement</a:t>
           </a:r>
           <a:endParaRPr lang="en-US" dirty="0"/>
         </a:p>
@@ -1767,7 +979,7 @@
         <a:p>
           <a:r>
             <a:rPr lang="fr-FR" b="1" dirty="0"/>
-            <a:t>III. System Architecture</a:t>
+            <a:t>III. Class Diagram</a:t>
           </a:r>
           <a:endParaRPr lang="en-US" dirty="0"/>
         </a:p>
@@ -1804,7 +1016,7 @@
         <a:p>
           <a:r>
             <a:rPr lang="fr-FR" b="1" dirty="0"/>
-            <a:t>IV. Key Abstraction</a:t>
+            <a:t>IV. System Architecture</a:t>
           </a:r>
           <a:endParaRPr lang="en-US" dirty="0"/>
         </a:p>
@@ -1841,7 +1053,7 @@
         <a:p>
           <a:r>
             <a:rPr lang="fr-FR" b="1" dirty="0"/>
-            <a:t>VI. VOPS Diagram</a:t>
+            <a:t>VI. DEMO</a:t>
           </a:r>
           <a:endParaRPr lang="en-US" dirty="0"/>
         </a:p>
@@ -1859,51 +1071,6 @@
       </dgm:t>
     </dgm:pt>
     <dgm:pt modelId="{CE6660A0-B2BE-4B43-886D-E2808B92AA62}" type="sibTrans" cxnId="{FED7E32B-99AD-48A4-8A10-2B58089B4F3F}">
-      <dgm:prSet/>
-      <dgm:spPr/>
-      <dgm:t>
-        <a:bodyPr/>
-        <a:lstStyle/>
-        <a:p>
-          <a:endParaRPr lang="en-US"/>
-        </a:p>
-      </dgm:t>
-    </dgm:pt>
-    <dgm:pt modelId="{FA294663-CE12-457B-AEBF-6240D835D575}">
-      <dgm:prSet/>
-      <dgm:spPr/>
-      <dgm:t>
-        <a:bodyPr/>
-        <a:lstStyle/>
-        <a:p>
-          <a:r>
-            <a:rPr lang="fr-FR" b="1" dirty="0"/>
-            <a:t>VII. M</a:t>
-          </a:r>
-          <a:r>
-            <a:rPr lang="en-US" b="1" i="0" dirty="0" err="1"/>
-            <a:t>ethod</a:t>
-          </a:r>
-          <a:r>
-            <a:rPr lang="en-US" b="1" i="0" dirty="0"/>
-            <a:t> of working</a:t>
-          </a:r>
-          <a:endParaRPr lang="en-US" dirty="0"/>
-        </a:p>
-      </dgm:t>
-    </dgm:pt>
-    <dgm:pt modelId="{56845AA5-9AF3-4A82-AA76-7DD5E21E2227}" type="parTrans" cxnId="{E97392AA-54F3-4C6C-995B-013A4BD0147B}">
-      <dgm:prSet/>
-      <dgm:spPr/>
-      <dgm:t>
-        <a:bodyPr/>
-        <a:lstStyle/>
-        <a:p>
-          <a:endParaRPr lang="en-US"/>
-        </a:p>
-      </dgm:t>
-    </dgm:pt>
-    <dgm:pt modelId="{A0AB9431-6D9C-4DF1-98F6-301853F0C5EF}" type="sibTrans" cxnId="{E97392AA-54F3-4C6C-995B-013A4BD0147B}">
       <dgm:prSet/>
       <dgm:spPr/>
       <dgm:t>
@@ -1963,7 +1130,7 @@
         <a:p>
           <a:r>
             <a:rPr lang="fr-FR" b="1" dirty="0"/>
-            <a:t>II Use Case Description</a:t>
+            <a:t>II Use Case</a:t>
           </a:r>
           <a:endParaRPr lang="en-US" dirty="0"/>
         </a:p>
@@ -2001,7 +1168,7 @@
       <dgm:spPr/>
     </dgm:pt>
     <dgm:pt modelId="{B0A1FAF7-3590-4A7D-B8EA-9E231ECE056C}" type="pres">
-      <dgm:prSet presAssocID="{C639E17D-CA0C-4A8A-9ACD-CC6EF7E890EF}" presName="parentText" presStyleLbl="node1" presStyleIdx="0" presStyleCnt="7">
+      <dgm:prSet presAssocID="{C639E17D-CA0C-4A8A-9ACD-CC6EF7E890EF}" presName="parentText" presStyleLbl="node1" presStyleIdx="0" presStyleCnt="6">
         <dgm:presLayoutVars>
           <dgm:chMax val="0"/>
           <dgm:bulletEnabled val="1"/>
@@ -2014,7 +1181,7 @@
       <dgm:spPr/>
     </dgm:pt>
     <dgm:pt modelId="{04E7E8C3-84D0-4FE6-8C6B-258B6AD9002C}" type="pres">
-      <dgm:prSet presAssocID="{F4642EA4-42BD-4B88-B132-853840F3885E}" presName="parentText" presStyleLbl="node1" presStyleIdx="1" presStyleCnt="7">
+      <dgm:prSet presAssocID="{F4642EA4-42BD-4B88-B132-853840F3885E}" presName="parentText" presStyleLbl="node1" presStyleIdx="1" presStyleCnt="6">
         <dgm:presLayoutVars>
           <dgm:chMax val="0"/>
           <dgm:bulletEnabled val="1"/>
@@ -2027,7 +1194,7 @@
       <dgm:spPr/>
     </dgm:pt>
     <dgm:pt modelId="{82CD4AF4-FA40-4F09-ABEB-0F0947031FCE}" type="pres">
-      <dgm:prSet presAssocID="{2556C963-2523-44F5-B227-63ED7F0ABCBE}" presName="parentText" presStyleLbl="node1" presStyleIdx="2" presStyleCnt="7">
+      <dgm:prSet presAssocID="{2556C963-2523-44F5-B227-63ED7F0ABCBE}" presName="parentText" presStyleLbl="node1" presStyleIdx="2" presStyleCnt="6">
         <dgm:presLayoutVars>
           <dgm:chMax val="0"/>
           <dgm:bulletEnabled val="1"/>
@@ -2040,7 +1207,7 @@
       <dgm:spPr/>
     </dgm:pt>
     <dgm:pt modelId="{61DC6C56-3CB6-4E59-A23D-F3D565666BDA}" type="pres">
-      <dgm:prSet presAssocID="{2F740643-1B03-46F6-A62F-75AAA3D4ABDE}" presName="parentText" presStyleLbl="node1" presStyleIdx="3" presStyleCnt="7">
+      <dgm:prSet presAssocID="{2F740643-1B03-46F6-A62F-75AAA3D4ABDE}" presName="parentText" presStyleLbl="node1" presStyleIdx="3" presStyleCnt="6">
         <dgm:presLayoutVars>
           <dgm:chMax val="0"/>
           <dgm:bulletEnabled val="1"/>
@@ -2053,7 +1220,7 @@
       <dgm:spPr/>
     </dgm:pt>
     <dgm:pt modelId="{489E0305-6467-456F-B5DA-20A31AE19126}" type="pres">
-      <dgm:prSet presAssocID="{1E237DB1-B31F-4D34-ABE0-09B45E794058}" presName="parentText" presStyleLbl="node1" presStyleIdx="4" presStyleCnt="7" custLinFactNeighborX="-1100" custLinFactNeighborY="-50000">
+      <dgm:prSet presAssocID="{1E237DB1-B31F-4D34-ABE0-09B45E794058}" presName="parentText" presStyleLbl="node1" presStyleIdx="4" presStyleCnt="6" custLinFactNeighborX="-1100" custLinFactNeighborY="-50000">
         <dgm:presLayoutVars>
           <dgm:chMax val="0"/>
           <dgm:bulletEnabled val="1"/>
@@ -2066,20 +1233,7 @@
       <dgm:spPr/>
     </dgm:pt>
     <dgm:pt modelId="{E23F0068-B35C-4995-B796-EF350D2C4E9D}" type="pres">
-      <dgm:prSet presAssocID="{7D9AA5B7-4199-4524-8D05-80008AA0B4B2}" presName="parentText" presStyleLbl="node1" presStyleIdx="5" presStyleCnt="7">
-        <dgm:presLayoutVars>
-          <dgm:chMax val="0"/>
-          <dgm:bulletEnabled val="1"/>
-        </dgm:presLayoutVars>
-      </dgm:prSet>
-      <dgm:spPr/>
-    </dgm:pt>
-    <dgm:pt modelId="{FC3D0555-5CB9-405C-B5D4-3F9190F75224}" type="pres">
-      <dgm:prSet presAssocID="{CE6660A0-B2BE-4B43-886D-E2808B92AA62}" presName="spacer" presStyleCnt="0"/>
-      <dgm:spPr/>
-    </dgm:pt>
-    <dgm:pt modelId="{84D7883C-C6C0-4BB3-9D29-BD13E2E1C582}" type="pres">
-      <dgm:prSet presAssocID="{FA294663-CE12-457B-AEBF-6240D835D575}" presName="parentText" presStyleLbl="node1" presStyleIdx="6" presStyleCnt="7">
+      <dgm:prSet presAssocID="{7D9AA5B7-4199-4524-8D05-80008AA0B4B2}" presName="parentText" presStyleLbl="node1" presStyleIdx="5" presStyleCnt="6">
         <dgm:presLayoutVars>
           <dgm:chMax val="0"/>
           <dgm:bulletEnabled val="1"/>
@@ -2096,11 +1250,9 @@
     <dgm:cxn modelId="{FED7E32B-99AD-48A4-8A10-2B58089B4F3F}" srcId="{433D23DA-79AB-4A17-9B70-11C62AB080DA}" destId="{7D9AA5B7-4199-4524-8D05-80008AA0B4B2}" srcOrd="5" destOrd="0" parTransId="{87DFA350-2D61-477E-9C10-3932AC68E958}" sibTransId="{CE6660A0-B2BE-4B43-886D-E2808B92AA62}"/>
     <dgm:cxn modelId="{1C394137-9B6E-4DD9-859C-8E9B6F7EF72A}" type="presOf" srcId="{1E237DB1-B31F-4D34-ABE0-09B45E794058}" destId="{489E0305-6467-456F-B5DA-20A31AE19126}" srcOrd="0" destOrd="0" presId="urn:microsoft.com/office/officeart/2005/8/layout/vList2"/>
     <dgm:cxn modelId="{5AD7865C-5729-46F8-80C3-A98BF2FD0863}" srcId="{433D23DA-79AB-4A17-9B70-11C62AB080DA}" destId="{F4642EA4-42BD-4B88-B132-853840F3885E}" srcOrd="1" destOrd="0" parTransId="{BD5BD7C3-73AA-4BEF-B377-0CBAA6254BE7}" sibTransId="{5451A6C0-B55B-470B-B268-A9A7BC356BE7}"/>
-    <dgm:cxn modelId="{568E1762-B676-4B5A-8BDB-7E8C7F00A452}" type="presOf" srcId="{FA294663-CE12-457B-AEBF-6240D835D575}" destId="{84D7883C-C6C0-4BB3-9D29-BD13E2E1C582}" srcOrd="0" destOrd="0" presId="urn:microsoft.com/office/officeart/2005/8/layout/vList2"/>
     <dgm:cxn modelId="{EBBB068A-7CE8-460B-A3B0-95DF7068B932}" type="presOf" srcId="{2556C963-2523-44F5-B227-63ED7F0ABCBE}" destId="{82CD4AF4-FA40-4F09-ABEB-0F0947031FCE}" srcOrd="0" destOrd="0" presId="urn:microsoft.com/office/officeart/2005/8/layout/vList2"/>
     <dgm:cxn modelId="{3B7DC38D-87EA-4BFC-8C96-FB71B1C34D15}" srcId="{433D23DA-79AB-4A17-9B70-11C62AB080DA}" destId="{2F740643-1B03-46F6-A62F-75AAA3D4ABDE}" srcOrd="3" destOrd="0" parTransId="{BAFCD2E2-8826-4C78-B92C-3EB204B83F9C}" sibTransId="{1C09E3DC-8154-4AD3-805C-9A2608A62053}"/>
     <dgm:cxn modelId="{CFC16195-F4DA-4C3D-9B8B-44299602CAB3}" srcId="{433D23DA-79AB-4A17-9B70-11C62AB080DA}" destId="{1E237DB1-B31F-4D34-ABE0-09B45E794058}" srcOrd="4" destOrd="0" parTransId="{7DD0AFA9-162A-4F4E-9F15-264E42A5A124}" sibTransId="{AAE64610-0BC1-4E0B-86A7-041C664CAC9B}"/>
-    <dgm:cxn modelId="{E97392AA-54F3-4C6C-995B-013A4BD0147B}" srcId="{433D23DA-79AB-4A17-9B70-11C62AB080DA}" destId="{FA294663-CE12-457B-AEBF-6240D835D575}" srcOrd="6" destOrd="0" parTransId="{56845AA5-9AF3-4A82-AA76-7DD5E21E2227}" sibTransId="{A0AB9431-6D9C-4DF1-98F6-301853F0C5EF}"/>
     <dgm:cxn modelId="{85A4E1C0-D02A-4EBE-8205-34273D4D619B}" type="presOf" srcId="{C639E17D-CA0C-4A8A-9ACD-CC6EF7E890EF}" destId="{B0A1FAF7-3590-4A7D-B8EA-9E231ECE056C}" srcOrd="0" destOrd="0" presId="urn:microsoft.com/office/officeart/2005/8/layout/vList2"/>
     <dgm:cxn modelId="{189145C7-4836-4D40-A549-0F04FC7F1518}" type="presOf" srcId="{F4642EA4-42BD-4B88-B132-853840F3885E}" destId="{04E7E8C3-84D0-4FE6-8C6B-258B6AD9002C}" srcOrd="0" destOrd="0" presId="urn:microsoft.com/office/officeart/2005/8/layout/vList2"/>
     <dgm:cxn modelId="{6D2575D5-78BD-40BA-B38B-8B34947B415F}" type="presOf" srcId="{2F740643-1B03-46F6-A62F-75AAA3D4ABDE}" destId="{61DC6C56-3CB6-4E59-A23D-F3D565666BDA}" srcOrd="0" destOrd="0" presId="urn:microsoft.com/office/officeart/2005/8/layout/vList2"/>
@@ -2115,469 +1267,6 @@
     <dgm:cxn modelId="{C8199773-9770-4BC7-8EAF-0633998D44A1}" type="presParOf" srcId="{A4D08B3B-0E62-4447-9213-70F1A74B869A}" destId="{489E0305-6467-456F-B5DA-20A31AE19126}" srcOrd="8" destOrd="0" presId="urn:microsoft.com/office/officeart/2005/8/layout/vList2"/>
     <dgm:cxn modelId="{236BADEE-F910-4804-9012-ED039334D253}" type="presParOf" srcId="{A4D08B3B-0E62-4447-9213-70F1A74B869A}" destId="{3403E36A-8DA8-48EA-836B-B1D4C67B47C1}" srcOrd="9" destOrd="0" presId="urn:microsoft.com/office/officeart/2005/8/layout/vList2"/>
     <dgm:cxn modelId="{09D38916-4F57-4C19-A1FD-1345828B83F9}" type="presParOf" srcId="{A4D08B3B-0E62-4447-9213-70F1A74B869A}" destId="{E23F0068-B35C-4995-B796-EF350D2C4E9D}" srcOrd="10" destOrd="0" presId="urn:microsoft.com/office/officeart/2005/8/layout/vList2"/>
-    <dgm:cxn modelId="{02DA0CCC-53FE-4C9C-B4B4-192C6184F8CB}" type="presParOf" srcId="{A4D08B3B-0E62-4447-9213-70F1A74B869A}" destId="{FC3D0555-5CB9-405C-B5D4-3F9190F75224}" srcOrd="11" destOrd="0" presId="urn:microsoft.com/office/officeart/2005/8/layout/vList2"/>
-    <dgm:cxn modelId="{DB481230-16A7-467A-8EF8-A18F9E3899D9}" type="presParOf" srcId="{A4D08B3B-0E62-4447-9213-70F1A74B869A}" destId="{84D7883C-C6C0-4BB3-9D29-BD13E2E1C582}" srcOrd="12" destOrd="0" presId="urn:microsoft.com/office/officeart/2005/8/layout/vList2"/>
-  </dgm:cxnLst>
-  <dgm:bg/>
-  <dgm:whole/>
-  <dgm:extLst>
-    <a:ext uri="http://schemas.microsoft.com/office/drawing/2008/diagram">
-      <dsp:dataModelExt xmlns:dsp="http://schemas.microsoft.com/office/drawing/2008/diagram" relId="rId6" minVer="http://schemas.openxmlformats.org/drawingml/2006/diagram"/>
-    </a:ext>
-  </dgm:extLst>
-</dgm:dataModel>
-</file>
-
-<file path=ppt/diagrams/data2.xml><?xml version="1.0" encoding="utf-8"?>
-<dgm:dataModel xmlns:dgm="http://schemas.openxmlformats.org/drawingml/2006/diagram" xmlns:a="http://schemas.openxmlformats.org/drawingml/2006/main">
-  <dgm:ptLst>
-    <dgm:pt modelId="{780891F9-DF78-4D74-B714-7779D95D1352}" type="doc">
-      <dgm:prSet loTypeId="urn:microsoft.com/office/officeart/2005/8/layout/vList2" loCatId="list" qsTypeId="urn:microsoft.com/office/officeart/2005/8/quickstyle/simple1" qsCatId="simple" csTypeId="urn:microsoft.com/office/officeart/2005/8/colors/colorful5" csCatId="colorful" phldr="1"/>
-      <dgm:spPr/>
-      <dgm:t>
-        <a:bodyPr/>
-        <a:lstStyle/>
-        <a:p>
-          <a:endParaRPr lang="en-US"/>
-        </a:p>
-      </dgm:t>
-    </dgm:pt>
-    <dgm:pt modelId="{D665E577-0CF1-4F40-AEEA-7FE957548956}">
-      <dgm:prSet/>
-      <dgm:spPr/>
-      <dgm:t>
-        <a:bodyPr/>
-        <a:lstStyle/>
-        <a:p>
-          <a:r>
-            <a:rPr lang="en-US" b="0" i="0" dirty="0"/>
-            <a:t>Course</a:t>
-          </a:r>
-          <a:endParaRPr lang="fr-FR" dirty="0"/>
-        </a:p>
-      </dgm:t>
-    </dgm:pt>
-    <dgm:pt modelId="{B43CAA69-89D4-4C26-8A67-849A8533FD32}" type="parTrans" cxnId="{AF8817F1-767C-49B9-9ECD-6CB4FB20A9CC}">
-      <dgm:prSet/>
-      <dgm:spPr/>
-      <dgm:t>
-        <a:bodyPr/>
-        <a:lstStyle/>
-        <a:p>
-          <a:endParaRPr lang="en-US"/>
-        </a:p>
-      </dgm:t>
-    </dgm:pt>
-    <dgm:pt modelId="{6A2D717B-4C1C-49D8-8119-B67728E158C5}" type="sibTrans" cxnId="{AF8817F1-767C-49B9-9ECD-6CB4FB20A9CC}">
-      <dgm:prSet/>
-      <dgm:spPr/>
-      <dgm:t>
-        <a:bodyPr/>
-        <a:lstStyle/>
-        <a:p>
-          <a:endParaRPr lang="en-US"/>
-        </a:p>
-      </dgm:t>
-    </dgm:pt>
-    <dgm:pt modelId="{4769BD24-8DE4-487F-BB7B-7FB9A42C1B34}">
-      <dgm:prSet/>
-      <dgm:spPr/>
-      <dgm:t>
-        <a:bodyPr/>
-        <a:lstStyle/>
-        <a:p>
-          <a:r>
-            <a:rPr lang="en-US" b="0" i="0" dirty="0"/>
-            <a:t>Professor</a:t>
-          </a:r>
-          <a:endParaRPr lang="fr-FR" dirty="0"/>
-        </a:p>
-      </dgm:t>
-    </dgm:pt>
-    <dgm:pt modelId="{0C552802-B935-4E17-A3B4-B095DEBACD50}" type="parTrans" cxnId="{8812D063-370C-4524-8BE9-AD37C7FE92E6}">
-      <dgm:prSet/>
-      <dgm:spPr/>
-      <dgm:t>
-        <a:bodyPr/>
-        <a:lstStyle/>
-        <a:p>
-          <a:endParaRPr lang="en-US"/>
-        </a:p>
-      </dgm:t>
-    </dgm:pt>
-    <dgm:pt modelId="{325247E6-542D-49AF-8FF9-9010272D4F0F}" type="sibTrans" cxnId="{8812D063-370C-4524-8BE9-AD37C7FE92E6}">
-      <dgm:prSet/>
-      <dgm:spPr/>
-      <dgm:t>
-        <a:bodyPr/>
-        <a:lstStyle/>
-        <a:p>
-          <a:endParaRPr lang="en-US"/>
-        </a:p>
-      </dgm:t>
-    </dgm:pt>
-    <dgm:pt modelId="{1814DB84-CF38-43E7-B526-699C2A3F5E15}">
-      <dgm:prSet/>
-      <dgm:spPr/>
-      <dgm:t>
-        <a:bodyPr/>
-        <a:lstStyle/>
-        <a:p>
-          <a:r>
-            <a:rPr lang="en-US" b="0" i="0" dirty="0"/>
-            <a:t>Student</a:t>
-          </a:r>
-          <a:endParaRPr lang="fr-FR" dirty="0"/>
-        </a:p>
-      </dgm:t>
-    </dgm:pt>
-    <dgm:pt modelId="{931BD7F2-8799-4AE1-A862-F55191353218}" type="parTrans" cxnId="{81318323-1A8B-4690-9CA4-E69272AB5A37}">
-      <dgm:prSet/>
-      <dgm:spPr/>
-      <dgm:t>
-        <a:bodyPr/>
-        <a:lstStyle/>
-        <a:p>
-          <a:endParaRPr lang="en-US"/>
-        </a:p>
-      </dgm:t>
-    </dgm:pt>
-    <dgm:pt modelId="{71EC8EFE-0D97-4D9F-83F7-7F443592D996}" type="sibTrans" cxnId="{81318323-1A8B-4690-9CA4-E69272AB5A37}">
-      <dgm:prSet/>
-      <dgm:spPr/>
-      <dgm:t>
-        <a:bodyPr/>
-        <a:lstStyle/>
-        <a:p>
-          <a:endParaRPr lang="en-US"/>
-        </a:p>
-      </dgm:t>
-    </dgm:pt>
-    <dgm:pt modelId="{E0A804AF-30B9-4D18-AEDB-79C4CBAD48CB}">
-      <dgm:prSet/>
-      <dgm:spPr/>
-      <dgm:t>
-        <a:bodyPr/>
-        <a:lstStyle/>
-        <a:p>
-          <a:r>
-            <a:rPr lang="en-US" b="0" i="0" dirty="0"/>
-            <a:t>Faculty</a:t>
-          </a:r>
-          <a:endParaRPr lang="fr-FR" dirty="0"/>
-        </a:p>
-      </dgm:t>
-    </dgm:pt>
-    <dgm:pt modelId="{13CDC411-5C69-4F81-9392-247DCA4D4F61}" type="parTrans" cxnId="{FA2B3BE3-A1F4-4836-A1FB-B047017B517D}">
-      <dgm:prSet/>
-      <dgm:spPr/>
-      <dgm:t>
-        <a:bodyPr/>
-        <a:lstStyle/>
-        <a:p>
-          <a:endParaRPr lang="en-US"/>
-        </a:p>
-      </dgm:t>
-    </dgm:pt>
-    <dgm:pt modelId="{4EA9630E-674C-480F-8E32-F79633C0563A}" type="sibTrans" cxnId="{FA2B3BE3-A1F4-4836-A1FB-B047017B517D}">
-      <dgm:prSet/>
-      <dgm:spPr/>
-      <dgm:t>
-        <a:bodyPr/>
-        <a:lstStyle/>
-        <a:p>
-          <a:endParaRPr lang="en-US"/>
-        </a:p>
-      </dgm:t>
-    </dgm:pt>
-    <dgm:pt modelId="{402C5F28-6156-4427-99EE-BA3112C7BE84}">
-      <dgm:prSet/>
-      <dgm:spPr/>
-      <dgm:t>
-        <a:bodyPr/>
-        <a:lstStyle/>
-        <a:p>
-          <a:r>
-            <a:rPr lang="en-US" b="0" i="0" dirty="0"/>
-            <a:t>Semester</a:t>
-          </a:r>
-          <a:endParaRPr lang="fr-FR" dirty="0"/>
-        </a:p>
-      </dgm:t>
-    </dgm:pt>
-    <dgm:pt modelId="{1EDD0FC9-A1D3-4C2C-8175-E1D77325E3E2}" type="parTrans" cxnId="{BCB111A4-806B-4E0B-89B4-7D82F2A670C5}">
-      <dgm:prSet/>
-      <dgm:spPr/>
-      <dgm:t>
-        <a:bodyPr/>
-        <a:lstStyle/>
-        <a:p>
-          <a:endParaRPr lang="en-US"/>
-        </a:p>
-      </dgm:t>
-    </dgm:pt>
-    <dgm:pt modelId="{E8E6BDC6-1465-466D-B176-85913905860C}" type="sibTrans" cxnId="{BCB111A4-806B-4E0B-89B4-7D82F2A670C5}">
-      <dgm:prSet/>
-      <dgm:spPr/>
-      <dgm:t>
-        <a:bodyPr/>
-        <a:lstStyle/>
-        <a:p>
-          <a:endParaRPr lang="en-US"/>
-        </a:p>
-      </dgm:t>
-    </dgm:pt>
-    <dgm:pt modelId="{65F7692C-2F39-479D-B91D-27920DB667F7}">
-      <dgm:prSet/>
-      <dgm:spPr/>
-      <dgm:t>
-        <a:bodyPr/>
-        <a:lstStyle/>
-        <a:p>
-          <a:r>
-            <a:rPr lang="fr-FR" dirty="0"/>
-            <a:t>Block</a:t>
-          </a:r>
-        </a:p>
-      </dgm:t>
-    </dgm:pt>
-    <dgm:pt modelId="{C689E623-1B34-40DB-B770-C6EE5244EAC8}" type="parTrans" cxnId="{B83E803F-6295-4142-A705-D594EAA6DA87}">
-      <dgm:prSet/>
-      <dgm:spPr/>
-      <dgm:t>
-        <a:bodyPr/>
-        <a:lstStyle/>
-        <a:p>
-          <a:endParaRPr lang="en-US"/>
-        </a:p>
-      </dgm:t>
-    </dgm:pt>
-    <dgm:pt modelId="{1D8C2E6B-B950-4CD8-BF7E-2B0B7395F3AD}" type="sibTrans" cxnId="{B83E803F-6295-4142-A705-D594EAA6DA87}">
-      <dgm:prSet/>
-      <dgm:spPr/>
-      <dgm:t>
-        <a:bodyPr/>
-        <a:lstStyle/>
-        <a:p>
-          <a:endParaRPr lang="en-US"/>
-        </a:p>
-      </dgm:t>
-    </dgm:pt>
-    <dgm:pt modelId="{1CDFA7E4-EE9C-4244-9AC2-9AC061ED05EE}">
-      <dgm:prSet/>
-      <dgm:spPr/>
-      <dgm:t>
-        <a:bodyPr/>
-        <a:lstStyle/>
-        <a:p>
-          <a:r>
-            <a:rPr lang="fr-FR" dirty="0"/>
-            <a:t>Entry</a:t>
-          </a:r>
-        </a:p>
-      </dgm:t>
-    </dgm:pt>
-    <dgm:pt modelId="{E58C9E0F-776B-40E9-8155-E2C9905EF19C}" type="parTrans" cxnId="{B11CD7D1-F7CB-4266-9C45-1B7FEA958A26}">
-      <dgm:prSet/>
-      <dgm:spPr/>
-      <dgm:t>
-        <a:bodyPr/>
-        <a:lstStyle/>
-        <a:p>
-          <a:endParaRPr lang="en-US"/>
-        </a:p>
-      </dgm:t>
-    </dgm:pt>
-    <dgm:pt modelId="{E5DFCEB5-B0BF-450E-B311-4536AF0BB88E}" type="sibTrans" cxnId="{B11CD7D1-F7CB-4266-9C45-1B7FEA958A26}">
-      <dgm:prSet/>
-      <dgm:spPr/>
-      <dgm:t>
-        <a:bodyPr/>
-        <a:lstStyle/>
-        <a:p>
-          <a:endParaRPr lang="en-US"/>
-        </a:p>
-      </dgm:t>
-    </dgm:pt>
-    <dgm:pt modelId="{D37FD4B3-E836-41B4-A55E-300FA82F87F9}">
-      <dgm:prSet/>
-      <dgm:spPr/>
-      <dgm:t>
-        <a:bodyPr/>
-        <a:lstStyle/>
-        <a:p>
-          <a:r>
-            <a:rPr lang="fr-FR" dirty="0"/>
-            <a:t>Schedule</a:t>
-          </a:r>
-        </a:p>
-      </dgm:t>
-    </dgm:pt>
-    <dgm:pt modelId="{5CE44FB6-6A88-4C5C-BDE5-7A6BED23057F}" type="parTrans" cxnId="{0B86177B-89F8-4DD0-BA32-496712FF9532}">
-      <dgm:prSet/>
-      <dgm:spPr/>
-      <dgm:t>
-        <a:bodyPr/>
-        <a:lstStyle/>
-        <a:p>
-          <a:endParaRPr lang="en-US"/>
-        </a:p>
-      </dgm:t>
-    </dgm:pt>
-    <dgm:pt modelId="{DABACBDB-68A6-4BCC-B3C1-83FE104CF00D}" type="sibTrans" cxnId="{0B86177B-89F8-4DD0-BA32-496712FF9532}">
-      <dgm:prSet/>
-      <dgm:spPr/>
-      <dgm:t>
-        <a:bodyPr/>
-        <a:lstStyle/>
-        <a:p>
-          <a:endParaRPr lang="en-US"/>
-        </a:p>
-      </dgm:t>
-    </dgm:pt>
-    <dgm:pt modelId="{497384B5-8793-4C16-81DF-B039E2FA9EB6}" type="pres">
-      <dgm:prSet presAssocID="{780891F9-DF78-4D74-B714-7779D95D1352}" presName="linear" presStyleCnt="0">
-        <dgm:presLayoutVars>
-          <dgm:animLvl val="lvl"/>
-          <dgm:resizeHandles val="exact"/>
-        </dgm:presLayoutVars>
-      </dgm:prSet>
-      <dgm:spPr/>
-    </dgm:pt>
-    <dgm:pt modelId="{E0B61BB2-6BCD-4E95-9559-15AF8ACB2CC9}" type="pres">
-      <dgm:prSet presAssocID="{D665E577-0CF1-4F40-AEEA-7FE957548956}" presName="parentText" presStyleLbl="node1" presStyleIdx="0" presStyleCnt="8">
-        <dgm:presLayoutVars>
-          <dgm:chMax val="0"/>
-          <dgm:bulletEnabled val="1"/>
-        </dgm:presLayoutVars>
-      </dgm:prSet>
-      <dgm:spPr/>
-    </dgm:pt>
-    <dgm:pt modelId="{A693FA8A-AA20-4DB1-A875-A2C79460742D}" type="pres">
-      <dgm:prSet presAssocID="{6A2D717B-4C1C-49D8-8119-B67728E158C5}" presName="spacer" presStyleCnt="0"/>
-      <dgm:spPr/>
-    </dgm:pt>
-    <dgm:pt modelId="{6FB5F357-5243-4893-84D4-723FB97490CB}" type="pres">
-      <dgm:prSet presAssocID="{4769BD24-8DE4-487F-BB7B-7FB9A42C1B34}" presName="parentText" presStyleLbl="node1" presStyleIdx="1" presStyleCnt="8">
-        <dgm:presLayoutVars>
-          <dgm:chMax val="0"/>
-          <dgm:bulletEnabled val="1"/>
-        </dgm:presLayoutVars>
-      </dgm:prSet>
-      <dgm:spPr/>
-    </dgm:pt>
-    <dgm:pt modelId="{9A42E8DC-4549-4429-9167-3AB3E94A44B0}" type="pres">
-      <dgm:prSet presAssocID="{325247E6-542D-49AF-8FF9-9010272D4F0F}" presName="spacer" presStyleCnt="0"/>
-      <dgm:spPr/>
-    </dgm:pt>
-    <dgm:pt modelId="{F5E9555A-4B60-4235-9B75-7AA0C33D5260}" type="pres">
-      <dgm:prSet presAssocID="{1814DB84-CF38-43E7-B526-699C2A3F5E15}" presName="parentText" presStyleLbl="node1" presStyleIdx="2" presStyleCnt="8">
-        <dgm:presLayoutVars>
-          <dgm:chMax val="0"/>
-          <dgm:bulletEnabled val="1"/>
-        </dgm:presLayoutVars>
-      </dgm:prSet>
-      <dgm:spPr/>
-    </dgm:pt>
-    <dgm:pt modelId="{404A24EE-E4DC-4110-99A8-442826BB0D05}" type="pres">
-      <dgm:prSet presAssocID="{71EC8EFE-0D97-4D9F-83F7-7F443592D996}" presName="spacer" presStyleCnt="0"/>
-      <dgm:spPr/>
-    </dgm:pt>
-    <dgm:pt modelId="{538FA3D3-A651-4E83-A4E4-E5110F49FD77}" type="pres">
-      <dgm:prSet presAssocID="{E0A804AF-30B9-4D18-AEDB-79C4CBAD48CB}" presName="parentText" presStyleLbl="node1" presStyleIdx="3" presStyleCnt="8">
-        <dgm:presLayoutVars>
-          <dgm:chMax val="0"/>
-          <dgm:bulletEnabled val="1"/>
-        </dgm:presLayoutVars>
-      </dgm:prSet>
-      <dgm:spPr/>
-    </dgm:pt>
-    <dgm:pt modelId="{E2B8F772-DAC8-48EE-88EE-0D7F9349B07F}" type="pres">
-      <dgm:prSet presAssocID="{4EA9630E-674C-480F-8E32-F79633C0563A}" presName="spacer" presStyleCnt="0"/>
-      <dgm:spPr/>
-    </dgm:pt>
-    <dgm:pt modelId="{070E1854-ABB3-450D-A6DC-1E072D6ED754}" type="pres">
-      <dgm:prSet presAssocID="{402C5F28-6156-4427-99EE-BA3112C7BE84}" presName="parentText" presStyleLbl="node1" presStyleIdx="4" presStyleCnt="8">
-        <dgm:presLayoutVars>
-          <dgm:chMax val="0"/>
-          <dgm:bulletEnabled val="1"/>
-        </dgm:presLayoutVars>
-      </dgm:prSet>
-      <dgm:spPr/>
-    </dgm:pt>
-    <dgm:pt modelId="{419BC48B-3DE3-4D17-A270-4915F8122F9C}" type="pres">
-      <dgm:prSet presAssocID="{E8E6BDC6-1465-466D-B176-85913905860C}" presName="spacer" presStyleCnt="0"/>
-      <dgm:spPr/>
-    </dgm:pt>
-    <dgm:pt modelId="{3555F9A0-F18E-48EE-BCE3-1CA985E771B0}" type="pres">
-      <dgm:prSet presAssocID="{65F7692C-2F39-479D-B91D-27920DB667F7}" presName="parentText" presStyleLbl="node1" presStyleIdx="5" presStyleCnt="8">
-        <dgm:presLayoutVars>
-          <dgm:chMax val="0"/>
-          <dgm:bulletEnabled val="1"/>
-        </dgm:presLayoutVars>
-      </dgm:prSet>
-      <dgm:spPr/>
-    </dgm:pt>
-    <dgm:pt modelId="{E26226E0-9DAD-4AC2-86D8-002716A68B8A}" type="pres">
-      <dgm:prSet presAssocID="{1D8C2E6B-B950-4CD8-BF7E-2B0B7395F3AD}" presName="spacer" presStyleCnt="0"/>
-      <dgm:spPr/>
-    </dgm:pt>
-    <dgm:pt modelId="{100DA1EA-F258-49E9-B8A4-B195737EAECA}" type="pres">
-      <dgm:prSet presAssocID="{1CDFA7E4-EE9C-4244-9AC2-9AC061ED05EE}" presName="parentText" presStyleLbl="node1" presStyleIdx="6" presStyleCnt="8">
-        <dgm:presLayoutVars>
-          <dgm:chMax val="0"/>
-          <dgm:bulletEnabled val="1"/>
-        </dgm:presLayoutVars>
-      </dgm:prSet>
-      <dgm:spPr/>
-    </dgm:pt>
-    <dgm:pt modelId="{C609FE81-0324-4547-8F8F-F9BEAD05E8E0}" type="pres">
-      <dgm:prSet presAssocID="{E5DFCEB5-B0BF-450E-B311-4536AF0BB88E}" presName="spacer" presStyleCnt="0"/>
-      <dgm:spPr/>
-    </dgm:pt>
-    <dgm:pt modelId="{9B05101D-EA79-4F05-A6E8-F6F5A641388D}" type="pres">
-      <dgm:prSet presAssocID="{D37FD4B3-E836-41B4-A55E-300FA82F87F9}" presName="parentText" presStyleLbl="node1" presStyleIdx="7" presStyleCnt="8">
-        <dgm:presLayoutVars>
-          <dgm:chMax val="0"/>
-          <dgm:bulletEnabled val="1"/>
-        </dgm:presLayoutVars>
-      </dgm:prSet>
-      <dgm:spPr/>
-    </dgm:pt>
-  </dgm:ptLst>
-  <dgm:cxnLst>
-    <dgm:cxn modelId="{292A7818-5BC2-408D-A6D7-9B1A949DFA0F}" type="presOf" srcId="{4769BD24-8DE4-487F-BB7B-7FB9A42C1B34}" destId="{6FB5F357-5243-4893-84D4-723FB97490CB}" srcOrd="0" destOrd="0" presId="urn:microsoft.com/office/officeart/2005/8/layout/vList2"/>
-    <dgm:cxn modelId="{81318323-1A8B-4690-9CA4-E69272AB5A37}" srcId="{780891F9-DF78-4D74-B714-7779D95D1352}" destId="{1814DB84-CF38-43E7-B526-699C2A3F5E15}" srcOrd="2" destOrd="0" parTransId="{931BD7F2-8799-4AE1-A862-F55191353218}" sibTransId="{71EC8EFE-0D97-4D9F-83F7-7F443592D996}"/>
-    <dgm:cxn modelId="{88FEF72B-B460-451C-83AB-DD2B0C0E82DB}" type="presOf" srcId="{65F7692C-2F39-479D-B91D-27920DB667F7}" destId="{3555F9A0-F18E-48EE-BCE3-1CA985E771B0}" srcOrd="0" destOrd="0" presId="urn:microsoft.com/office/officeart/2005/8/layout/vList2"/>
-    <dgm:cxn modelId="{B83E803F-6295-4142-A705-D594EAA6DA87}" srcId="{780891F9-DF78-4D74-B714-7779D95D1352}" destId="{65F7692C-2F39-479D-B91D-27920DB667F7}" srcOrd="5" destOrd="0" parTransId="{C689E623-1B34-40DB-B770-C6EE5244EAC8}" sibTransId="{1D8C2E6B-B950-4CD8-BF7E-2B0B7395F3AD}"/>
-    <dgm:cxn modelId="{911F1F62-5A3F-4F0F-A6A2-2F6188458EBC}" type="presOf" srcId="{D37FD4B3-E836-41B4-A55E-300FA82F87F9}" destId="{9B05101D-EA79-4F05-A6E8-F6F5A641388D}" srcOrd="0" destOrd="0" presId="urn:microsoft.com/office/officeart/2005/8/layout/vList2"/>
-    <dgm:cxn modelId="{8812D063-370C-4524-8BE9-AD37C7FE92E6}" srcId="{780891F9-DF78-4D74-B714-7779D95D1352}" destId="{4769BD24-8DE4-487F-BB7B-7FB9A42C1B34}" srcOrd="1" destOrd="0" parTransId="{0C552802-B935-4E17-A3B4-B095DEBACD50}" sibTransId="{325247E6-542D-49AF-8FF9-9010272D4F0F}"/>
-    <dgm:cxn modelId="{7DE66E49-E432-42E3-9848-F3511226DD43}" type="presOf" srcId="{E0A804AF-30B9-4D18-AEDB-79C4CBAD48CB}" destId="{538FA3D3-A651-4E83-A4E4-E5110F49FD77}" srcOrd="0" destOrd="0" presId="urn:microsoft.com/office/officeart/2005/8/layout/vList2"/>
-    <dgm:cxn modelId="{19C64170-615C-41E8-A2F1-C716269133E5}" type="presOf" srcId="{780891F9-DF78-4D74-B714-7779D95D1352}" destId="{497384B5-8793-4C16-81DF-B039E2FA9EB6}" srcOrd="0" destOrd="0" presId="urn:microsoft.com/office/officeart/2005/8/layout/vList2"/>
-    <dgm:cxn modelId="{0B86177B-89F8-4DD0-BA32-496712FF9532}" srcId="{780891F9-DF78-4D74-B714-7779D95D1352}" destId="{D37FD4B3-E836-41B4-A55E-300FA82F87F9}" srcOrd="7" destOrd="0" parTransId="{5CE44FB6-6A88-4C5C-BDE5-7A6BED23057F}" sibTransId="{DABACBDB-68A6-4BCC-B3C1-83FE104CF00D}"/>
-    <dgm:cxn modelId="{3B546180-6E9E-4C1F-B25B-43E84BAD2F93}" type="presOf" srcId="{1CDFA7E4-EE9C-4244-9AC2-9AC061ED05EE}" destId="{100DA1EA-F258-49E9-B8A4-B195737EAECA}" srcOrd="0" destOrd="0" presId="urn:microsoft.com/office/officeart/2005/8/layout/vList2"/>
-    <dgm:cxn modelId="{332AF991-7E6E-4B6B-BE49-0CB9F45328EE}" type="presOf" srcId="{402C5F28-6156-4427-99EE-BA3112C7BE84}" destId="{070E1854-ABB3-450D-A6DC-1E072D6ED754}" srcOrd="0" destOrd="0" presId="urn:microsoft.com/office/officeart/2005/8/layout/vList2"/>
-    <dgm:cxn modelId="{BCB111A4-806B-4E0B-89B4-7D82F2A670C5}" srcId="{780891F9-DF78-4D74-B714-7779D95D1352}" destId="{402C5F28-6156-4427-99EE-BA3112C7BE84}" srcOrd="4" destOrd="0" parTransId="{1EDD0FC9-A1D3-4C2C-8175-E1D77325E3E2}" sibTransId="{E8E6BDC6-1465-466D-B176-85913905860C}"/>
-    <dgm:cxn modelId="{B11CD7D1-F7CB-4266-9C45-1B7FEA958A26}" srcId="{780891F9-DF78-4D74-B714-7779D95D1352}" destId="{1CDFA7E4-EE9C-4244-9AC2-9AC061ED05EE}" srcOrd="6" destOrd="0" parTransId="{E58C9E0F-776B-40E9-8155-E2C9905EF19C}" sibTransId="{E5DFCEB5-B0BF-450E-B311-4536AF0BB88E}"/>
-    <dgm:cxn modelId="{FA2B3BE3-A1F4-4836-A1FB-B047017B517D}" srcId="{780891F9-DF78-4D74-B714-7779D95D1352}" destId="{E0A804AF-30B9-4D18-AEDB-79C4CBAD48CB}" srcOrd="3" destOrd="0" parTransId="{13CDC411-5C69-4F81-9392-247DCA4D4F61}" sibTransId="{4EA9630E-674C-480F-8E32-F79633C0563A}"/>
-    <dgm:cxn modelId="{98157CF0-6EFA-4970-964F-E6213170FF9E}" type="presOf" srcId="{1814DB84-CF38-43E7-B526-699C2A3F5E15}" destId="{F5E9555A-4B60-4235-9B75-7AA0C33D5260}" srcOrd="0" destOrd="0" presId="urn:microsoft.com/office/officeart/2005/8/layout/vList2"/>
-    <dgm:cxn modelId="{2ADE15F1-36E6-4075-A8CA-6DEB4134D927}" type="presOf" srcId="{D665E577-0CF1-4F40-AEEA-7FE957548956}" destId="{E0B61BB2-6BCD-4E95-9559-15AF8ACB2CC9}" srcOrd="0" destOrd="0" presId="urn:microsoft.com/office/officeart/2005/8/layout/vList2"/>
-    <dgm:cxn modelId="{AF8817F1-767C-49B9-9ECD-6CB4FB20A9CC}" srcId="{780891F9-DF78-4D74-B714-7779D95D1352}" destId="{D665E577-0CF1-4F40-AEEA-7FE957548956}" srcOrd="0" destOrd="0" parTransId="{B43CAA69-89D4-4C26-8A67-849A8533FD32}" sibTransId="{6A2D717B-4C1C-49D8-8119-B67728E158C5}"/>
-    <dgm:cxn modelId="{ADD9A012-CCF4-436F-9274-761B77CF1F37}" type="presParOf" srcId="{497384B5-8793-4C16-81DF-B039E2FA9EB6}" destId="{E0B61BB2-6BCD-4E95-9559-15AF8ACB2CC9}" srcOrd="0" destOrd="0" presId="urn:microsoft.com/office/officeart/2005/8/layout/vList2"/>
-    <dgm:cxn modelId="{651D9F05-3837-4074-835E-4ED2C7EA7336}" type="presParOf" srcId="{497384B5-8793-4C16-81DF-B039E2FA9EB6}" destId="{A693FA8A-AA20-4DB1-A875-A2C79460742D}" srcOrd="1" destOrd="0" presId="urn:microsoft.com/office/officeart/2005/8/layout/vList2"/>
-    <dgm:cxn modelId="{5CE0F70B-FC5B-4C0F-8D42-D44437AA1E19}" type="presParOf" srcId="{497384B5-8793-4C16-81DF-B039E2FA9EB6}" destId="{6FB5F357-5243-4893-84D4-723FB97490CB}" srcOrd="2" destOrd="0" presId="urn:microsoft.com/office/officeart/2005/8/layout/vList2"/>
-    <dgm:cxn modelId="{64BC07D8-3DA6-4BDB-9E61-51D9A2D4954F}" type="presParOf" srcId="{497384B5-8793-4C16-81DF-B039E2FA9EB6}" destId="{9A42E8DC-4549-4429-9167-3AB3E94A44B0}" srcOrd="3" destOrd="0" presId="urn:microsoft.com/office/officeart/2005/8/layout/vList2"/>
-    <dgm:cxn modelId="{9D3B80B4-2363-48FA-94FF-36779F14D989}" type="presParOf" srcId="{497384B5-8793-4C16-81DF-B039E2FA9EB6}" destId="{F5E9555A-4B60-4235-9B75-7AA0C33D5260}" srcOrd="4" destOrd="0" presId="urn:microsoft.com/office/officeart/2005/8/layout/vList2"/>
-    <dgm:cxn modelId="{83594A6A-E119-43E7-A881-9DC95275CB83}" type="presParOf" srcId="{497384B5-8793-4C16-81DF-B039E2FA9EB6}" destId="{404A24EE-E4DC-4110-99A8-442826BB0D05}" srcOrd="5" destOrd="0" presId="urn:microsoft.com/office/officeart/2005/8/layout/vList2"/>
-    <dgm:cxn modelId="{20904F9B-7B63-4762-AD58-445F256F1399}" type="presParOf" srcId="{497384B5-8793-4C16-81DF-B039E2FA9EB6}" destId="{538FA3D3-A651-4E83-A4E4-E5110F49FD77}" srcOrd="6" destOrd="0" presId="urn:microsoft.com/office/officeart/2005/8/layout/vList2"/>
-    <dgm:cxn modelId="{564E7D11-FEA5-46B9-A974-A47C5583B708}" type="presParOf" srcId="{497384B5-8793-4C16-81DF-B039E2FA9EB6}" destId="{E2B8F772-DAC8-48EE-88EE-0D7F9349B07F}" srcOrd="7" destOrd="0" presId="urn:microsoft.com/office/officeart/2005/8/layout/vList2"/>
-    <dgm:cxn modelId="{A7CBCDE4-B71E-4159-9066-2020EC0BBBA4}" type="presParOf" srcId="{497384B5-8793-4C16-81DF-B039E2FA9EB6}" destId="{070E1854-ABB3-450D-A6DC-1E072D6ED754}" srcOrd="8" destOrd="0" presId="urn:microsoft.com/office/officeart/2005/8/layout/vList2"/>
-    <dgm:cxn modelId="{31CA97D6-2B2E-4AF8-9721-CA7A706C903D}" type="presParOf" srcId="{497384B5-8793-4C16-81DF-B039E2FA9EB6}" destId="{419BC48B-3DE3-4D17-A270-4915F8122F9C}" srcOrd="9" destOrd="0" presId="urn:microsoft.com/office/officeart/2005/8/layout/vList2"/>
-    <dgm:cxn modelId="{42017B74-EAC4-4840-ADF2-1DAD1CC141D6}" type="presParOf" srcId="{497384B5-8793-4C16-81DF-B039E2FA9EB6}" destId="{3555F9A0-F18E-48EE-BCE3-1CA985E771B0}" srcOrd="10" destOrd="0" presId="urn:microsoft.com/office/officeart/2005/8/layout/vList2"/>
-    <dgm:cxn modelId="{9A2F6A16-2E61-4BE1-A641-A994AB1B524C}" type="presParOf" srcId="{497384B5-8793-4C16-81DF-B039E2FA9EB6}" destId="{E26226E0-9DAD-4AC2-86D8-002716A68B8A}" srcOrd="11" destOrd="0" presId="urn:microsoft.com/office/officeart/2005/8/layout/vList2"/>
-    <dgm:cxn modelId="{84F8954E-9F71-413B-8717-92D5D8B82DF7}" type="presParOf" srcId="{497384B5-8793-4C16-81DF-B039E2FA9EB6}" destId="{100DA1EA-F258-49E9-B8A4-B195737EAECA}" srcOrd="12" destOrd="0" presId="urn:microsoft.com/office/officeart/2005/8/layout/vList2"/>
-    <dgm:cxn modelId="{AD2D1A13-330D-4E03-9003-DDE2F8964DCC}" type="presParOf" srcId="{497384B5-8793-4C16-81DF-B039E2FA9EB6}" destId="{C609FE81-0324-4547-8F8F-F9BEAD05E8E0}" srcOrd="13" destOrd="0" presId="urn:microsoft.com/office/officeart/2005/8/layout/vList2"/>
-    <dgm:cxn modelId="{3AB34ABC-0280-4A39-AF58-66701E8EA662}" type="presParOf" srcId="{497384B5-8793-4C16-81DF-B039E2FA9EB6}" destId="{9B05101D-EA79-4F05-A6E8-F6F5A641388D}" srcOrd="14" destOrd="0" presId="urn:microsoft.com/office/officeart/2005/8/layout/vList2"/>
   </dgm:cxnLst>
   <dgm:bg/>
   <dgm:whole/>
@@ -2604,8 +1293,8 @@
       </dsp:nvSpPr>
       <dsp:spPr>
         <a:xfrm>
-          <a:off x="0" y="52837"/>
-          <a:ext cx="6492875" cy="647595"/>
+          <a:off x="0" y="19739"/>
+          <a:ext cx="6492875" cy="767520"/>
         </a:xfrm>
         <a:prstGeom prst="roundRect">
           <a:avLst/>
@@ -2646,12 +1335,12 @@
         </a:fontRef>
       </dsp:style>
       <dsp:txBody>
-        <a:bodyPr spcFirstLastPara="0" vert="horz" wrap="square" lIns="102870" tIns="102870" rIns="102870" bIns="102870" numCol="1" spcCol="1270" anchor="ctr" anchorCtr="0">
+        <a:bodyPr spcFirstLastPara="0" vert="horz" wrap="square" lIns="121920" tIns="121920" rIns="121920" bIns="121920" numCol="1" spcCol="1270" anchor="ctr" anchorCtr="0">
           <a:noAutofit/>
         </a:bodyPr>
         <a:lstStyle/>
         <a:p>
-          <a:pPr marL="0" lvl="0" indent="0" algn="l" defTabSz="1200150">
+          <a:pPr marL="0" lvl="0" indent="0" algn="l" defTabSz="1422400">
             <a:lnSpc>
               <a:spcPct val="90000"/>
             </a:lnSpc>
@@ -2664,15 +1353,15 @@
             <a:buNone/>
           </a:pPr>
           <a:r>
-            <a:rPr lang="fr-FR" sz="2700" b="1" kern="1200" dirty="0"/>
-            <a:t>I. Use Case Diagram</a:t>
+            <a:rPr lang="en-US" sz="3200" b="1" kern="1200" noProof="0" dirty="0"/>
+            <a:t>Problem Statement</a:t>
           </a:r>
-          <a:endParaRPr lang="en-US" sz="2700" kern="1200" dirty="0"/>
+          <a:endParaRPr lang="en-US" sz="3200" kern="1200" dirty="0"/>
         </a:p>
       </dsp:txBody>
       <dsp:txXfrm>
-        <a:off x="31613" y="84450"/>
-        <a:ext cx="6429649" cy="584369"/>
+        <a:off x="37467" y="57206"/>
+        <a:ext cx="6417941" cy="692586"/>
       </dsp:txXfrm>
     </dsp:sp>
     <dsp:sp modelId="{04E7E8C3-84D0-4FE6-8C6B-258B6AD9002C}">
@@ -2682,17 +1371,17 @@
       </dsp:nvSpPr>
       <dsp:spPr>
         <a:xfrm>
-          <a:off x="0" y="778192"/>
-          <a:ext cx="6492875" cy="647595"/>
+          <a:off x="0" y="879419"/>
+          <a:ext cx="6492875" cy="767520"/>
         </a:xfrm>
         <a:prstGeom prst="roundRect">
           <a:avLst/>
         </a:prstGeom>
         <a:solidFill>
           <a:schemeClr val="accent2">
-            <a:hueOff val="-598994"/>
-            <a:satOff val="4120"/>
-            <a:lumOff val="457"/>
+            <a:hueOff val="-718792"/>
+            <a:satOff val="4944"/>
+            <a:lumOff val="549"/>
             <a:alphaOff val="0"/>
           </a:schemeClr>
         </a:solidFill>
@@ -2724,12 +1413,12 @@
         </a:fontRef>
       </dsp:style>
       <dsp:txBody>
-        <a:bodyPr spcFirstLastPara="0" vert="horz" wrap="square" lIns="102870" tIns="102870" rIns="102870" bIns="102870" numCol="1" spcCol="1270" anchor="ctr" anchorCtr="0">
+        <a:bodyPr spcFirstLastPara="0" vert="horz" wrap="square" lIns="121920" tIns="121920" rIns="121920" bIns="121920" numCol="1" spcCol="1270" anchor="ctr" anchorCtr="0">
           <a:noAutofit/>
         </a:bodyPr>
         <a:lstStyle/>
         <a:p>
-          <a:pPr marL="0" lvl="0" indent="0" algn="l" defTabSz="1200150">
+          <a:pPr marL="0" lvl="0" indent="0" algn="l" defTabSz="1422400">
             <a:lnSpc>
               <a:spcPct val="90000"/>
             </a:lnSpc>
@@ -2742,15 +1431,15 @@
             <a:buNone/>
           </a:pPr>
           <a:r>
-            <a:rPr lang="fr-FR" sz="2700" b="1" kern="1200" dirty="0"/>
-            <a:t>II Use Case Description</a:t>
+            <a:rPr lang="fr-FR" sz="3200" b="1" kern="1200" dirty="0"/>
+            <a:t>II Use Case</a:t>
           </a:r>
-          <a:endParaRPr lang="en-US" sz="2700" kern="1200" dirty="0"/>
+          <a:endParaRPr lang="en-US" sz="3200" kern="1200" dirty="0"/>
         </a:p>
       </dsp:txBody>
       <dsp:txXfrm>
-        <a:off x="31613" y="809805"/>
-        <a:ext cx="6429649" cy="584369"/>
+        <a:off x="37467" y="916886"/>
+        <a:ext cx="6417941" cy="692586"/>
       </dsp:txXfrm>
     </dsp:sp>
     <dsp:sp modelId="{82CD4AF4-FA40-4F09-ABEB-0F0947031FCE}">
@@ -2760,17 +1449,17 @@
       </dsp:nvSpPr>
       <dsp:spPr>
         <a:xfrm>
-          <a:off x="0" y="1503547"/>
-          <a:ext cx="6492875" cy="647595"/>
+          <a:off x="0" y="1739099"/>
+          <a:ext cx="6492875" cy="767520"/>
         </a:xfrm>
         <a:prstGeom prst="roundRect">
           <a:avLst/>
         </a:prstGeom>
         <a:solidFill>
           <a:schemeClr val="accent2">
-            <a:hueOff val="-1197987"/>
-            <a:satOff val="8241"/>
-            <a:lumOff val="915"/>
+            <a:hueOff val="-1437584"/>
+            <a:satOff val="9889"/>
+            <a:lumOff val="1098"/>
             <a:alphaOff val="0"/>
           </a:schemeClr>
         </a:solidFill>
@@ -2802,12 +1491,12 @@
         </a:fontRef>
       </dsp:style>
       <dsp:txBody>
-        <a:bodyPr spcFirstLastPara="0" vert="horz" wrap="square" lIns="102870" tIns="102870" rIns="102870" bIns="102870" numCol="1" spcCol="1270" anchor="ctr" anchorCtr="0">
+        <a:bodyPr spcFirstLastPara="0" vert="horz" wrap="square" lIns="121920" tIns="121920" rIns="121920" bIns="121920" numCol="1" spcCol="1270" anchor="ctr" anchorCtr="0">
           <a:noAutofit/>
         </a:bodyPr>
         <a:lstStyle/>
         <a:p>
-          <a:pPr marL="0" lvl="0" indent="0" algn="l" defTabSz="1200150">
+          <a:pPr marL="0" lvl="0" indent="0" algn="l" defTabSz="1422400">
             <a:lnSpc>
               <a:spcPct val="90000"/>
             </a:lnSpc>
@@ -2820,15 +1509,15 @@
             <a:buNone/>
           </a:pPr>
           <a:r>
-            <a:rPr lang="fr-FR" sz="2700" b="1" kern="1200" dirty="0"/>
-            <a:t>III. System Architecture</a:t>
+            <a:rPr lang="fr-FR" sz="3200" b="1" kern="1200" dirty="0"/>
+            <a:t>III. Class Diagram</a:t>
           </a:r>
-          <a:endParaRPr lang="en-US" sz="2700" kern="1200" dirty="0"/>
+          <a:endParaRPr lang="en-US" sz="3200" kern="1200" dirty="0"/>
         </a:p>
       </dsp:txBody>
       <dsp:txXfrm>
-        <a:off x="31613" y="1535160"/>
-        <a:ext cx="6429649" cy="584369"/>
+        <a:off x="37467" y="1776566"/>
+        <a:ext cx="6417941" cy="692586"/>
       </dsp:txXfrm>
     </dsp:sp>
     <dsp:sp modelId="{61DC6C56-3CB6-4E59-A23D-F3D565666BDA}">
@@ -2838,17 +1527,17 @@
       </dsp:nvSpPr>
       <dsp:spPr>
         <a:xfrm>
-          <a:off x="0" y="2228902"/>
-          <a:ext cx="6492875" cy="647595"/>
+          <a:off x="0" y="2598780"/>
+          <a:ext cx="6492875" cy="767520"/>
         </a:xfrm>
         <a:prstGeom prst="roundRect">
           <a:avLst/>
         </a:prstGeom>
         <a:solidFill>
           <a:schemeClr val="accent2">
-            <a:hueOff val="-1796981"/>
-            <a:satOff val="12361"/>
-            <a:lumOff val="1372"/>
+            <a:hueOff val="-2156377"/>
+            <a:satOff val="14833"/>
+            <a:lumOff val="1646"/>
             <a:alphaOff val="0"/>
           </a:schemeClr>
         </a:solidFill>
@@ -2880,12 +1569,12 @@
         </a:fontRef>
       </dsp:style>
       <dsp:txBody>
-        <a:bodyPr spcFirstLastPara="0" vert="horz" wrap="square" lIns="102870" tIns="102870" rIns="102870" bIns="102870" numCol="1" spcCol="1270" anchor="ctr" anchorCtr="0">
+        <a:bodyPr spcFirstLastPara="0" vert="horz" wrap="square" lIns="121920" tIns="121920" rIns="121920" bIns="121920" numCol="1" spcCol="1270" anchor="ctr" anchorCtr="0">
           <a:noAutofit/>
         </a:bodyPr>
         <a:lstStyle/>
         <a:p>
-          <a:pPr marL="0" lvl="0" indent="0" algn="l" defTabSz="1200150">
+          <a:pPr marL="0" lvl="0" indent="0" algn="l" defTabSz="1422400">
             <a:lnSpc>
               <a:spcPct val="90000"/>
             </a:lnSpc>
@@ -2898,15 +1587,15 @@
             <a:buNone/>
           </a:pPr>
           <a:r>
-            <a:rPr lang="fr-FR" sz="2700" b="1" kern="1200" dirty="0"/>
-            <a:t>IV. Key Abstraction</a:t>
+            <a:rPr lang="fr-FR" sz="3200" b="1" kern="1200" dirty="0"/>
+            <a:t>IV. System Architecture</a:t>
           </a:r>
-          <a:endParaRPr lang="en-US" sz="2700" kern="1200" dirty="0"/>
+          <a:endParaRPr lang="en-US" sz="3200" kern="1200" dirty="0"/>
         </a:p>
       </dsp:txBody>
       <dsp:txXfrm>
-        <a:off x="31613" y="2260515"/>
-        <a:ext cx="6429649" cy="584369"/>
+        <a:off x="37467" y="2636247"/>
+        <a:ext cx="6417941" cy="692586"/>
       </dsp:txXfrm>
     </dsp:sp>
     <dsp:sp modelId="{489E0305-6467-456F-B5DA-20A31AE19126}">
@@ -2916,17 +1605,17 @@
       </dsp:nvSpPr>
       <dsp:spPr>
         <a:xfrm>
-          <a:off x="0" y="2915377"/>
-          <a:ext cx="6492875" cy="647595"/>
+          <a:off x="0" y="3412380"/>
+          <a:ext cx="6492875" cy="767520"/>
         </a:xfrm>
         <a:prstGeom prst="roundRect">
           <a:avLst/>
         </a:prstGeom>
         <a:solidFill>
           <a:schemeClr val="accent2">
-            <a:hueOff val="-2395974"/>
-            <a:satOff val="16481"/>
-            <a:lumOff val="1829"/>
+            <a:hueOff val="-2875169"/>
+            <a:satOff val="19778"/>
+            <a:lumOff val="2195"/>
             <a:alphaOff val="0"/>
           </a:schemeClr>
         </a:solidFill>
@@ -2958,12 +1647,12 @@
         </a:fontRef>
       </dsp:style>
       <dsp:txBody>
-        <a:bodyPr spcFirstLastPara="0" vert="horz" wrap="square" lIns="102870" tIns="102870" rIns="102870" bIns="102870" numCol="1" spcCol="1270" anchor="ctr" anchorCtr="0">
+        <a:bodyPr spcFirstLastPara="0" vert="horz" wrap="square" lIns="121920" tIns="121920" rIns="121920" bIns="121920" numCol="1" spcCol="1270" anchor="ctr" anchorCtr="0">
           <a:noAutofit/>
         </a:bodyPr>
         <a:lstStyle/>
         <a:p>
-          <a:pPr marL="0" lvl="0" indent="0" algn="l" defTabSz="1200150">
+          <a:pPr marL="0" lvl="0" indent="0" algn="l" defTabSz="1422400">
             <a:lnSpc>
               <a:spcPct val="90000"/>
             </a:lnSpc>
@@ -2976,18 +1665,18 @@
             <a:buNone/>
           </a:pPr>
           <a:r>
-            <a:rPr lang="fr-FR" sz="2700" b="1" kern="1200" dirty="0"/>
+            <a:rPr lang="fr-FR" sz="3200" b="1" kern="1200" dirty="0"/>
             <a:t>V. </a:t>
           </a:r>
           <a:r>
-            <a:rPr lang="en-US" sz="2700" b="1" kern="1200" dirty="0"/>
+            <a:rPr lang="en-US" sz="3200" b="1" kern="1200" dirty="0"/>
             <a:t>Sequence Diagram</a:t>
           </a:r>
         </a:p>
       </dsp:txBody>
       <dsp:txXfrm>
-        <a:off x="31613" y="2946990"/>
-        <a:ext cx="6429649" cy="584369"/>
+        <a:off x="37467" y="3449847"/>
+        <a:ext cx="6417941" cy="692586"/>
       </dsp:txXfrm>
     </dsp:sp>
     <dsp:sp modelId="{E23F0068-B35C-4995-B796-EF350D2C4E9D}">
@@ -2997,86 +1686,8 @@
       </dsp:nvSpPr>
       <dsp:spPr>
         <a:xfrm>
-          <a:off x="0" y="3679612"/>
-          <a:ext cx="6492875" cy="647595"/>
-        </a:xfrm>
-        <a:prstGeom prst="roundRect">
-          <a:avLst/>
-        </a:prstGeom>
-        <a:solidFill>
-          <a:schemeClr val="accent2">
-            <a:hueOff val="-2994968"/>
-            <a:satOff val="20602"/>
-            <a:lumOff val="2287"/>
-            <a:alphaOff val="0"/>
-          </a:schemeClr>
-        </a:solidFill>
-        <a:ln w="15875" cap="rnd" cmpd="sng" algn="ctr">
-          <a:solidFill>
-            <a:schemeClr val="lt1">
-              <a:hueOff val="0"/>
-              <a:satOff val="0"/>
-              <a:lumOff val="0"/>
-              <a:alphaOff val="0"/>
-            </a:schemeClr>
-          </a:solidFill>
-          <a:prstDash val="solid"/>
-        </a:ln>
-        <a:effectLst/>
-      </dsp:spPr>
-      <dsp:style>
-        <a:lnRef idx="2">
-          <a:scrgbClr r="0" g="0" b="0"/>
-        </a:lnRef>
-        <a:fillRef idx="1">
-          <a:scrgbClr r="0" g="0" b="0"/>
-        </a:fillRef>
-        <a:effectRef idx="0">
-          <a:scrgbClr r="0" g="0" b="0"/>
-        </a:effectRef>
-        <a:fontRef idx="minor">
-          <a:schemeClr val="lt1"/>
-        </a:fontRef>
-      </dsp:style>
-      <dsp:txBody>
-        <a:bodyPr spcFirstLastPara="0" vert="horz" wrap="square" lIns="102870" tIns="102870" rIns="102870" bIns="102870" numCol="1" spcCol="1270" anchor="ctr" anchorCtr="0">
-          <a:noAutofit/>
-        </a:bodyPr>
-        <a:lstStyle/>
-        <a:p>
-          <a:pPr marL="0" lvl="0" indent="0" algn="l" defTabSz="1200150">
-            <a:lnSpc>
-              <a:spcPct val="90000"/>
-            </a:lnSpc>
-            <a:spcBef>
-              <a:spcPct val="0"/>
-            </a:spcBef>
-            <a:spcAft>
-              <a:spcPct val="35000"/>
-            </a:spcAft>
-            <a:buNone/>
-          </a:pPr>
-          <a:r>
-            <a:rPr lang="fr-FR" sz="2700" b="1" kern="1200" dirty="0"/>
-            <a:t>VI. VOPS Diagram</a:t>
-          </a:r>
-          <a:endParaRPr lang="en-US" sz="2700" kern="1200" dirty="0"/>
-        </a:p>
-      </dsp:txBody>
-      <dsp:txXfrm>
-        <a:off x="31613" y="3711225"/>
-        <a:ext cx="6429649" cy="584369"/>
-      </dsp:txXfrm>
-    </dsp:sp>
-    <dsp:sp modelId="{84D7883C-C6C0-4BB3-9D29-BD13E2E1C582}">
-      <dsp:nvSpPr>
-        <dsp:cNvPr id="0" name=""/>
-        <dsp:cNvSpPr/>
-      </dsp:nvSpPr>
-      <dsp:spPr>
-        <a:xfrm>
-          <a:off x="0" y="4404967"/>
-          <a:ext cx="6492875" cy="647595"/>
+          <a:off x="0" y="4318140"/>
+          <a:ext cx="6492875" cy="767520"/>
         </a:xfrm>
         <a:prstGeom prst="roundRect">
           <a:avLst/>
@@ -3117,12 +1728,12 @@
         </a:fontRef>
       </dsp:style>
       <dsp:txBody>
-        <a:bodyPr spcFirstLastPara="0" vert="horz" wrap="square" lIns="102870" tIns="102870" rIns="102870" bIns="102870" numCol="1" spcCol="1270" anchor="ctr" anchorCtr="0">
+        <a:bodyPr spcFirstLastPara="0" vert="horz" wrap="square" lIns="121920" tIns="121920" rIns="121920" bIns="121920" numCol="1" spcCol="1270" anchor="ctr" anchorCtr="0">
           <a:noAutofit/>
         </a:bodyPr>
         <a:lstStyle/>
         <a:p>
-          <a:pPr marL="0" lvl="0" indent="0" algn="l" defTabSz="1200150">
+          <a:pPr marL="0" lvl="0" indent="0" algn="l" defTabSz="1422400">
             <a:lnSpc>
               <a:spcPct val="90000"/>
             </a:lnSpc>
@@ -3135,656 +1746,15 @@
             <a:buNone/>
           </a:pPr>
           <a:r>
-            <a:rPr lang="fr-FR" sz="2700" b="1" kern="1200" dirty="0"/>
-            <a:t>VII. M</a:t>
+            <a:rPr lang="fr-FR" sz="3200" b="1" kern="1200" dirty="0"/>
+            <a:t>VI. DEMO</a:t>
           </a:r>
-          <a:r>
-            <a:rPr lang="en-US" sz="2700" b="1" i="0" kern="1200" dirty="0" err="1"/>
-            <a:t>ethod</a:t>
-          </a:r>
-          <a:r>
-            <a:rPr lang="en-US" sz="2700" b="1" i="0" kern="1200" dirty="0"/>
-            <a:t> of working</a:t>
-          </a:r>
-          <a:endParaRPr lang="en-US" sz="2700" kern="1200" dirty="0"/>
+          <a:endParaRPr lang="en-US" sz="3200" kern="1200" dirty="0"/>
         </a:p>
       </dsp:txBody>
       <dsp:txXfrm>
-        <a:off x="31613" y="4436580"/>
-        <a:ext cx="6429649" cy="584369"/>
-      </dsp:txXfrm>
-    </dsp:sp>
-  </dsp:spTree>
-</dsp:drawing>
-</file>
-
-<file path=ppt/diagrams/drawing2.xml><?xml version="1.0" encoding="utf-8"?>
-<dsp:drawing xmlns:dgm="http://schemas.openxmlformats.org/drawingml/2006/diagram" xmlns:dsp="http://schemas.microsoft.com/office/drawing/2008/diagram" xmlns:a="http://schemas.openxmlformats.org/drawingml/2006/main">
-  <dsp:spTree>
-    <dsp:nvGrpSpPr>
-      <dsp:cNvPr id="0" name=""/>
-      <dsp:cNvGrpSpPr/>
-    </dsp:nvGrpSpPr>
-    <dsp:grpSpPr/>
-    <dsp:sp modelId="{E0B61BB2-6BCD-4E95-9559-15AF8ACB2CC9}">
-      <dsp:nvSpPr>
-        <dsp:cNvPr id="0" name=""/>
-        <dsp:cNvSpPr/>
-      </dsp:nvSpPr>
-      <dsp:spPr>
-        <a:xfrm>
-          <a:off x="0" y="8220"/>
-          <a:ext cx="6492875" cy="575639"/>
-        </a:xfrm>
-        <a:prstGeom prst="roundRect">
-          <a:avLst/>
-        </a:prstGeom>
-        <a:solidFill>
-          <a:schemeClr val="accent5">
-            <a:hueOff val="0"/>
-            <a:satOff val="0"/>
-            <a:lumOff val="0"/>
-            <a:alphaOff val="0"/>
-          </a:schemeClr>
-        </a:solidFill>
-        <a:ln w="15875" cap="rnd" cmpd="sng" algn="ctr">
-          <a:solidFill>
-            <a:schemeClr val="lt1">
-              <a:hueOff val="0"/>
-              <a:satOff val="0"/>
-              <a:lumOff val="0"/>
-              <a:alphaOff val="0"/>
-            </a:schemeClr>
-          </a:solidFill>
-          <a:prstDash val="solid"/>
-        </a:ln>
-        <a:effectLst/>
-      </dsp:spPr>
-      <dsp:style>
-        <a:lnRef idx="2">
-          <a:scrgbClr r="0" g="0" b="0"/>
-        </a:lnRef>
-        <a:fillRef idx="1">
-          <a:scrgbClr r="0" g="0" b="0"/>
-        </a:fillRef>
-        <a:effectRef idx="0">
-          <a:scrgbClr r="0" g="0" b="0"/>
-        </a:effectRef>
-        <a:fontRef idx="minor">
-          <a:schemeClr val="lt1"/>
-        </a:fontRef>
-      </dsp:style>
-      <dsp:txBody>
-        <a:bodyPr spcFirstLastPara="0" vert="horz" wrap="square" lIns="91440" tIns="91440" rIns="91440" bIns="91440" numCol="1" spcCol="1270" anchor="ctr" anchorCtr="0">
-          <a:noAutofit/>
-        </a:bodyPr>
-        <a:lstStyle/>
-        <a:p>
-          <a:pPr marL="0" lvl="0" indent="0" algn="l" defTabSz="1066800">
-            <a:lnSpc>
-              <a:spcPct val="90000"/>
-            </a:lnSpc>
-            <a:spcBef>
-              <a:spcPct val="0"/>
-            </a:spcBef>
-            <a:spcAft>
-              <a:spcPct val="35000"/>
-            </a:spcAft>
-            <a:buNone/>
-          </a:pPr>
-          <a:r>
-            <a:rPr lang="en-US" sz="2400" b="0" i="0" kern="1200" dirty="0"/>
-            <a:t>Course</a:t>
-          </a:r>
-          <a:endParaRPr lang="fr-FR" sz="2400" kern="1200" dirty="0"/>
-        </a:p>
-      </dsp:txBody>
-      <dsp:txXfrm>
-        <a:off x="28100" y="36320"/>
-        <a:ext cx="6436675" cy="519439"/>
-      </dsp:txXfrm>
-    </dsp:sp>
-    <dsp:sp modelId="{6FB5F357-5243-4893-84D4-723FB97490CB}">
-      <dsp:nvSpPr>
-        <dsp:cNvPr id="0" name=""/>
-        <dsp:cNvSpPr/>
-      </dsp:nvSpPr>
-      <dsp:spPr>
-        <a:xfrm>
-          <a:off x="0" y="652980"/>
-          <a:ext cx="6492875" cy="575639"/>
-        </a:xfrm>
-        <a:prstGeom prst="roundRect">
-          <a:avLst/>
-        </a:prstGeom>
-        <a:solidFill>
-          <a:schemeClr val="accent5">
-            <a:hueOff val="-530803"/>
-            <a:satOff val="523"/>
-            <a:lumOff val="1177"/>
-            <a:alphaOff val="0"/>
-          </a:schemeClr>
-        </a:solidFill>
-        <a:ln w="15875" cap="rnd" cmpd="sng" algn="ctr">
-          <a:solidFill>
-            <a:schemeClr val="lt1">
-              <a:hueOff val="0"/>
-              <a:satOff val="0"/>
-              <a:lumOff val="0"/>
-              <a:alphaOff val="0"/>
-            </a:schemeClr>
-          </a:solidFill>
-          <a:prstDash val="solid"/>
-        </a:ln>
-        <a:effectLst/>
-      </dsp:spPr>
-      <dsp:style>
-        <a:lnRef idx="2">
-          <a:scrgbClr r="0" g="0" b="0"/>
-        </a:lnRef>
-        <a:fillRef idx="1">
-          <a:scrgbClr r="0" g="0" b="0"/>
-        </a:fillRef>
-        <a:effectRef idx="0">
-          <a:scrgbClr r="0" g="0" b="0"/>
-        </a:effectRef>
-        <a:fontRef idx="minor">
-          <a:schemeClr val="lt1"/>
-        </a:fontRef>
-      </dsp:style>
-      <dsp:txBody>
-        <a:bodyPr spcFirstLastPara="0" vert="horz" wrap="square" lIns="91440" tIns="91440" rIns="91440" bIns="91440" numCol="1" spcCol="1270" anchor="ctr" anchorCtr="0">
-          <a:noAutofit/>
-        </a:bodyPr>
-        <a:lstStyle/>
-        <a:p>
-          <a:pPr marL="0" lvl="0" indent="0" algn="l" defTabSz="1066800">
-            <a:lnSpc>
-              <a:spcPct val="90000"/>
-            </a:lnSpc>
-            <a:spcBef>
-              <a:spcPct val="0"/>
-            </a:spcBef>
-            <a:spcAft>
-              <a:spcPct val="35000"/>
-            </a:spcAft>
-            <a:buNone/>
-          </a:pPr>
-          <a:r>
-            <a:rPr lang="en-US" sz="2400" b="0" i="0" kern="1200" dirty="0"/>
-            <a:t>Professor</a:t>
-          </a:r>
-          <a:endParaRPr lang="fr-FR" sz="2400" kern="1200" dirty="0"/>
-        </a:p>
-      </dsp:txBody>
-      <dsp:txXfrm>
-        <a:off x="28100" y="681080"/>
-        <a:ext cx="6436675" cy="519439"/>
-      </dsp:txXfrm>
-    </dsp:sp>
-    <dsp:sp modelId="{F5E9555A-4B60-4235-9B75-7AA0C33D5260}">
-      <dsp:nvSpPr>
-        <dsp:cNvPr id="0" name=""/>
-        <dsp:cNvSpPr/>
-      </dsp:nvSpPr>
-      <dsp:spPr>
-        <a:xfrm>
-          <a:off x="0" y="1297740"/>
-          <a:ext cx="6492875" cy="575639"/>
-        </a:xfrm>
-        <a:prstGeom prst="roundRect">
-          <a:avLst/>
-        </a:prstGeom>
-        <a:solidFill>
-          <a:schemeClr val="accent5">
-            <a:hueOff val="-1061606"/>
-            <a:satOff val="1045"/>
-            <a:lumOff val="2353"/>
-            <a:alphaOff val="0"/>
-          </a:schemeClr>
-        </a:solidFill>
-        <a:ln w="15875" cap="rnd" cmpd="sng" algn="ctr">
-          <a:solidFill>
-            <a:schemeClr val="lt1">
-              <a:hueOff val="0"/>
-              <a:satOff val="0"/>
-              <a:lumOff val="0"/>
-              <a:alphaOff val="0"/>
-            </a:schemeClr>
-          </a:solidFill>
-          <a:prstDash val="solid"/>
-        </a:ln>
-        <a:effectLst/>
-      </dsp:spPr>
-      <dsp:style>
-        <a:lnRef idx="2">
-          <a:scrgbClr r="0" g="0" b="0"/>
-        </a:lnRef>
-        <a:fillRef idx="1">
-          <a:scrgbClr r="0" g="0" b="0"/>
-        </a:fillRef>
-        <a:effectRef idx="0">
-          <a:scrgbClr r="0" g="0" b="0"/>
-        </a:effectRef>
-        <a:fontRef idx="minor">
-          <a:schemeClr val="lt1"/>
-        </a:fontRef>
-      </dsp:style>
-      <dsp:txBody>
-        <a:bodyPr spcFirstLastPara="0" vert="horz" wrap="square" lIns="91440" tIns="91440" rIns="91440" bIns="91440" numCol="1" spcCol="1270" anchor="ctr" anchorCtr="0">
-          <a:noAutofit/>
-        </a:bodyPr>
-        <a:lstStyle/>
-        <a:p>
-          <a:pPr marL="0" lvl="0" indent="0" algn="l" defTabSz="1066800">
-            <a:lnSpc>
-              <a:spcPct val="90000"/>
-            </a:lnSpc>
-            <a:spcBef>
-              <a:spcPct val="0"/>
-            </a:spcBef>
-            <a:spcAft>
-              <a:spcPct val="35000"/>
-            </a:spcAft>
-            <a:buNone/>
-          </a:pPr>
-          <a:r>
-            <a:rPr lang="en-US" sz="2400" b="0" i="0" kern="1200" dirty="0"/>
-            <a:t>Student</a:t>
-          </a:r>
-          <a:endParaRPr lang="fr-FR" sz="2400" kern="1200" dirty="0"/>
-        </a:p>
-      </dsp:txBody>
-      <dsp:txXfrm>
-        <a:off x="28100" y="1325840"/>
-        <a:ext cx="6436675" cy="519439"/>
-      </dsp:txXfrm>
-    </dsp:sp>
-    <dsp:sp modelId="{538FA3D3-A651-4E83-A4E4-E5110F49FD77}">
-      <dsp:nvSpPr>
-        <dsp:cNvPr id="0" name=""/>
-        <dsp:cNvSpPr/>
-      </dsp:nvSpPr>
-      <dsp:spPr>
-        <a:xfrm>
-          <a:off x="0" y="1942500"/>
-          <a:ext cx="6492875" cy="575639"/>
-        </a:xfrm>
-        <a:prstGeom prst="roundRect">
-          <a:avLst/>
-        </a:prstGeom>
-        <a:solidFill>
-          <a:schemeClr val="accent5">
-            <a:hueOff val="-1592409"/>
-            <a:satOff val="1568"/>
-            <a:lumOff val="3530"/>
-            <a:alphaOff val="0"/>
-          </a:schemeClr>
-        </a:solidFill>
-        <a:ln w="15875" cap="rnd" cmpd="sng" algn="ctr">
-          <a:solidFill>
-            <a:schemeClr val="lt1">
-              <a:hueOff val="0"/>
-              <a:satOff val="0"/>
-              <a:lumOff val="0"/>
-              <a:alphaOff val="0"/>
-            </a:schemeClr>
-          </a:solidFill>
-          <a:prstDash val="solid"/>
-        </a:ln>
-        <a:effectLst/>
-      </dsp:spPr>
-      <dsp:style>
-        <a:lnRef idx="2">
-          <a:scrgbClr r="0" g="0" b="0"/>
-        </a:lnRef>
-        <a:fillRef idx="1">
-          <a:scrgbClr r="0" g="0" b="0"/>
-        </a:fillRef>
-        <a:effectRef idx="0">
-          <a:scrgbClr r="0" g="0" b="0"/>
-        </a:effectRef>
-        <a:fontRef idx="minor">
-          <a:schemeClr val="lt1"/>
-        </a:fontRef>
-      </dsp:style>
-      <dsp:txBody>
-        <a:bodyPr spcFirstLastPara="0" vert="horz" wrap="square" lIns="91440" tIns="91440" rIns="91440" bIns="91440" numCol="1" spcCol="1270" anchor="ctr" anchorCtr="0">
-          <a:noAutofit/>
-        </a:bodyPr>
-        <a:lstStyle/>
-        <a:p>
-          <a:pPr marL="0" lvl="0" indent="0" algn="l" defTabSz="1066800">
-            <a:lnSpc>
-              <a:spcPct val="90000"/>
-            </a:lnSpc>
-            <a:spcBef>
-              <a:spcPct val="0"/>
-            </a:spcBef>
-            <a:spcAft>
-              <a:spcPct val="35000"/>
-            </a:spcAft>
-            <a:buNone/>
-          </a:pPr>
-          <a:r>
-            <a:rPr lang="en-US" sz="2400" b="0" i="0" kern="1200" dirty="0"/>
-            <a:t>Faculty</a:t>
-          </a:r>
-          <a:endParaRPr lang="fr-FR" sz="2400" kern="1200" dirty="0"/>
-        </a:p>
-      </dsp:txBody>
-      <dsp:txXfrm>
-        <a:off x="28100" y="1970600"/>
-        <a:ext cx="6436675" cy="519439"/>
-      </dsp:txXfrm>
-    </dsp:sp>
-    <dsp:sp modelId="{070E1854-ABB3-450D-A6DC-1E072D6ED754}">
-      <dsp:nvSpPr>
-        <dsp:cNvPr id="0" name=""/>
-        <dsp:cNvSpPr/>
-      </dsp:nvSpPr>
-      <dsp:spPr>
-        <a:xfrm>
-          <a:off x="0" y="2587260"/>
-          <a:ext cx="6492875" cy="575639"/>
-        </a:xfrm>
-        <a:prstGeom prst="roundRect">
-          <a:avLst/>
-        </a:prstGeom>
-        <a:solidFill>
-          <a:schemeClr val="accent5">
-            <a:hueOff val="-2123213"/>
-            <a:satOff val="2090"/>
-            <a:lumOff val="4706"/>
-            <a:alphaOff val="0"/>
-          </a:schemeClr>
-        </a:solidFill>
-        <a:ln w="15875" cap="rnd" cmpd="sng" algn="ctr">
-          <a:solidFill>
-            <a:schemeClr val="lt1">
-              <a:hueOff val="0"/>
-              <a:satOff val="0"/>
-              <a:lumOff val="0"/>
-              <a:alphaOff val="0"/>
-            </a:schemeClr>
-          </a:solidFill>
-          <a:prstDash val="solid"/>
-        </a:ln>
-        <a:effectLst/>
-      </dsp:spPr>
-      <dsp:style>
-        <a:lnRef idx="2">
-          <a:scrgbClr r="0" g="0" b="0"/>
-        </a:lnRef>
-        <a:fillRef idx="1">
-          <a:scrgbClr r="0" g="0" b="0"/>
-        </a:fillRef>
-        <a:effectRef idx="0">
-          <a:scrgbClr r="0" g="0" b="0"/>
-        </a:effectRef>
-        <a:fontRef idx="minor">
-          <a:schemeClr val="lt1"/>
-        </a:fontRef>
-      </dsp:style>
-      <dsp:txBody>
-        <a:bodyPr spcFirstLastPara="0" vert="horz" wrap="square" lIns="91440" tIns="91440" rIns="91440" bIns="91440" numCol="1" spcCol="1270" anchor="ctr" anchorCtr="0">
-          <a:noAutofit/>
-        </a:bodyPr>
-        <a:lstStyle/>
-        <a:p>
-          <a:pPr marL="0" lvl="0" indent="0" algn="l" defTabSz="1066800">
-            <a:lnSpc>
-              <a:spcPct val="90000"/>
-            </a:lnSpc>
-            <a:spcBef>
-              <a:spcPct val="0"/>
-            </a:spcBef>
-            <a:spcAft>
-              <a:spcPct val="35000"/>
-            </a:spcAft>
-            <a:buNone/>
-          </a:pPr>
-          <a:r>
-            <a:rPr lang="en-US" sz="2400" b="0" i="0" kern="1200" dirty="0"/>
-            <a:t>Semester</a:t>
-          </a:r>
-          <a:endParaRPr lang="fr-FR" sz="2400" kern="1200" dirty="0"/>
-        </a:p>
-      </dsp:txBody>
-      <dsp:txXfrm>
-        <a:off x="28100" y="2615360"/>
-        <a:ext cx="6436675" cy="519439"/>
-      </dsp:txXfrm>
-    </dsp:sp>
-    <dsp:sp modelId="{3555F9A0-F18E-48EE-BCE3-1CA985E771B0}">
-      <dsp:nvSpPr>
-        <dsp:cNvPr id="0" name=""/>
-        <dsp:cNvSpPr/>
-      </dsp:nvSpPr>
-      <dsp:spPr>
-        <a:xfrm>
-          <a:off x="0" y="3232020"/>
-          <a:ext cx="6492875" cy="575639"/>
-        </a:xfrm>
-        <a:prstGeom prst="roundRect">
-          <a:avLst/>
-        </a:prstGeom>
-        <a:solidFill>
-          <a:schemeClr val="accent5">
-            <a:hueOff val="-2654016"/>
-            <a:satOff val="2613"/>
-            <a:lumOff val="5883"/>
-            <a:alphaOff val="0"/>
-          </a:schemeClr>
-        </a:solidFill>
-        <a:ln w="15875" cap="rnd" cmpd="sng" algn="ctr">
-          <a:solidFill>
-            <a:schemeClr val="lt1">
-              <a:hueOff val="0"/>
-              <a:satOff val="0"/>
-              <a:lumOff val="0"/>
-              <a:alphaOff val="0"/>
-            </a:schemeClr>
-          </a:solidFill>
-          <a:prstDash val="solid"/>
-        </a:ln>
-        <a:effectLst/>
-      </dsp:spPr>
-      <dsp:style>
-        <a:lnRef idx="2">
-          <a:scrgbClr r="0" g="0" b="0"/>
-        </a:lnRef>
-        <a:fillRef idx="1">
-          <a:scrgbClr r="0" g="0" b="0"/>
-        </a:fillRef>
-        <a:effectRef idx="0">
-          <a:scrgbClr r="0" g="0" b="0"/>
-        </a:effectRef>
-        <a:fontRef idx="minor">
-          <a:schemeClr val="lt1"/>
-        </a:fontRef>
-      </dsp:style>
-      <dsp:txBody>
-        <a:bodyPr spcFirstLastPara="0" vert="horz" wrap="square" lIns="91440" tIns="91440" rIns="91440" bIns="91440" numCol="1" spcCol="1270" anchor="ctr" anchorCtr="0">
-          <a:noAutofit/>
-        </a:bodyPr>
-        <a:lstStyle/>
-        <a:p>
-          <a:pPr marL="0" lvl="0" indent="0" algn="l" defTabSz="1066800">
-            <a:lnSpc>
-              <a:spcPct val="90000"/>
-            </a:lnSpc>
-            <a:spcBef>
-              <a:spcPct val="0"/>
-            </a:spcBef>
-            <a:spcAft>
-              <a:spcPct val="35000"/>
-            </a:spcAft>
-            <a:buNone/>
-          </a:pPr>
-          <a:r>
-            <a:rPr lang="fr-FR" sz="2400" kern="1200" dirty="0"/>
-            <a:t>Block</a:t>
-          </a:r>
-        </a:p>
-      </dsp:txBody>
-      <dsp:txXfrm>
-        <a:off x="28100" y="3260120"/>
-        <a:ext cx="6436675" cy="519439"/>
-      </dsp:txXfrm>
-    </dsp:sp>
-    <dsp:sp modelId="{100DA1EA-F258-49E9-B8A4-B195737EAECA}">
-      <dsp:nvSpPr>
-        <dsp:cNvPr id="0" name=""/>
-        <dsp:cNvSpPr/>
-      </dsp:nvSpPr>
-      <dsp:spPr>
-        <a:xfrm>
-          <a:off x="0" y="3876780"/>
-          <a:ext cx="6492875" cy="575639"/>
-        </a:xfrm>
-        <a:prstGeom prst="roundRect">
-          <a:avLst/>
-        </a:prstGeom>
-        <a:solidFill>
-          <a:schemeClr val="accent5">
-            <a:hueOff val="-3184819"/>
-            <a:satOff val="3135"/>
-            <a:lumOff val="7059"/>
-            <a:alphaOff val="0"/>
-          </a:schemeClr>
-        </a:solidFill>
-        <a:ln w="15875" cap="rnd" cmpd="sng" algn="ctr">
-          <a:solidFill>
-            <a:schemeClr val="lt1">
-              <a:hueOff val="0"/>
-              <a:satOff val="0"/>
-              <a:lumOff val="0"/>
-              <a:alphaOff val="0"/>
-            </a:schemeClr>
-          </a:solidFill>
-          <a:prstDash val="solid"/>
-        </a:ln>
-        <a:effectLst/>
-      </dsp:spPr>
-      <dsp:style>
-        <a:lnRef idx="2">
-          <a:scrgbClr r="0" g="0" b="0"/>
-        </a:lnRef>
-        <a:fillRef idx="1">
-          <a:scrgbClr r="0" g="0" b="0"/>
-        </a:fillRef>
-        <a:effectRef idx="0">
-          <a:scrgbClr r="0" g="0" b="0"/>
-        </a:effectRef>
-        <a:fontRef idx="minor">
-          <a:schemeClr val="lt1"/>
-        </a:fontRef>
-      </dsp:style>
-      <dsp:txBody>
-        <a:bodyPr spcFirstLastPara="0" vert="horz" wrap="square" lIns="91440" tIns="91440" rIns="91440" bIns="91440" numCol="1" spcCol="1270" anchor="ctr" anchorCtr="0">
-          <a:noAutofit/>
-        </a:bodyPr>
-        <a:lstStyle/>
-        <a:p>
-          <a:pPr marL="0" lvl="0" indent="0" algn="l" defTabSz="1066800">
-            <a:lnSpc>
-              <a:spcPct val="90000"/>
-            </a:lnSpc>
-            <a:spcBef>
-              <a:spcPct val="0"/>
-            </a:spcBef>
-            <a:spcAft>
-              <a:spcPct val="35000"/>
-            </a:spcAft>
-            <a:buNone/>
-          </a:pPr>
-          <a:r>
-            <a:rPr lang="fr-FR" sz="2400" kern="1200" dirty="0"/>
-            <a:t>Entry</a:t>
-          </a:r>
-        </a:p>
-      </dsp:txBody>
-      <dsp:txXfrm>
-        <a:off x="28100" y="3904880"/>
-        <a:ext cx="6436675" cy="519439"/>
-      </dsp:txXfrm>
-    </dsp:sp>
-    <dsp:sp modelId="{9B05101D-EA79-4F05-A6E8-F6F5A641388D}">
-      <dsp:nvSpPr>
-        <dsp:cNvPr id="0" name=""/>
-        <dsp:cNvSpPr/>
-      </dsp:nvSpPr>
-      <dsp:spPr>
-        <a:xfrm>
-          <a:off x="0" y="4521540"/>
-          <a:ext cx="6492875" cy="575639"/>
-        </a:xfrm>
-        <a:prstGeom prst="roundRect">
-          <a:avLst/>
-        </a:prstGeom>
-        <a:solidFill>
-          <a:schemeClr val="accent5">
-            <a:hueOff val="-3715622"/>
-            <a:satOff val="3658"/>
-            <a:lumOff val="8236"/>
-            <a:alphaOff val="0"/>
-          </a:schemeClr>
-        </a:solidFill>
-        <a:ln w="15875" cap="rnd" cmpd="sng" algn="ctr">
-          <a:solidFill>
-            <a:schemeClr val="lt1">
-              <a:hueOff val="0"/>
-              <a:satOff val="0"/>
-              <a:lumOff val="0"/>
-              <a:alphaOff val="0"/>
-            </a:schemeClr>
-          </a:solidFill>
-          <a:prstDash val="solid"/>
-        </a:ln>
-        <a:effectLst/>
-      </dsp:spPr>
-      <dsp:style>
-        <a:lnRef idx="2">
-          <a:scrgbClr r="0" g="0" b="0"/>
-        </a:lnRef>
-        <a:fillRef idx="1">
-          <a:scrgbClr r="0" g="0" b="0"/>
-        </a:fillRef>
-        <a:effectRef idx="0">
-          <a:scrgbClr r="0" g="0" b="0"/>
-        </a:effectRef>
-        <a:fontRef idx="minor">
-          <a:schemeClr val="lt1"/>
-        </a:fontRef>
-      </dsp:style>
-      <dsp:txBody>
-        <a:bodyPr spcFirstLastPara="0" vert="horz" wrap="square" lIns="91440" tIns="91440" rIns="91440" bIns="91440" numCol="1" spcCol="1270" anchor="ctr" anchorCtr="0">
-          <a:noAutofit/>
-        </a:bodyPr>
-        <a:lstStyle/>
-        <a:p>
-          <a:pPr marL="0" lvl="0" indent="0" algn="l" defTabSz="1066800">
-            <a:lnSpc>
-              <a:spcPct val="90000"/>
-            </a:lnSpc>
-            <a:spcBef>
-              <a:spcPct val="0"/>
-            </a:spcBef>
-            <a:spcAft>
-              <a:spcPct val="35000"/>
-            </a:spcAft>
-            <a:buNone/>
-          </a:pPr>
-          <a:r>
-            <a:rPr lang="fr-FR" sz="2400" kern="1200" dirty="0"/>
-            <a:t>Schedule</a:t>
-          </a:r>
-        </a:p>
-      </dsp:txBody>
-      <dsp:txXfrm>
-        <a:off x="28100" y="4549640"/>
-        <a:ext cx="6436675" cy="519439"/>
+        <a:off x="37467" y="4355607"/>
+        <a:ext cx="6417941" cy="692586"/>
       </dsp:txXfrm>
     </dsp:sp>
   </dsp:spTree>
@@ -3792,173 +1762,6 @@
 </file>
 
 <file path=ppt/diagrams/layout1.xml><?xml version="1.0" encoding="utf-8"?>
-<dgm:layoutDef xmlns:dgm="http://schemas.openxmlformats.org/drawingml/2006/diagram" xmlns:a="http://schemas.openxmlformats.org/drawingml/2006/main" uniqueId="urn:microsoft.com/office/officeart/2005/8/layout/vList2">
-  <dgm:title val=""/>
-  <dgm:desc val=""/>
-  <dgm:catLst>
-    <dgm:cat type="list" pri="3000"/>
-    <dgm:cat type="convert" pri="1000"/>
-  </dgm:catLst>
-  <dgm:sampData>
-    <dgm:dataModel>
-      <dgm:ptLst>
-        <dgm:pt modelId="0" type="doc"/>
-        <dgm:pt modelId="1">
-          <dgm:prSet phldr="1"/>
-        </dgm:pt>
-        <dgm:pt modelId="11">
-          <dgm:prSet phldr="1"/>
-        </dgm:pt>
-        <dgm:pt modelId="2">
-          <dgm:prSet phldr="1"/>
-        </dgm:pt>
-        <dgm:pt modelId="21">
-          <dgm:prSet phldr="1"/>
-        </dgm:pt>
-      </dgm:ptLst>
-      <dgm:cxnLst>
-        <dgm:cxn modelId="4" srcId="0" destId="1" srcOrd="0" destOrd="0"/>
-        <dgm:cxn modelId="5" srcId="0" destId="2" srcOrd="1" destOrd="0"/>
-        <dgm:cxn modelId="12" srcId="1" destId="11" srcOrd="0" destOrd="0"/>
-        <dgm:cxn modelId="23" srcId="2" destId="21" srcOrd="0" destOrd="0"/>
-      </dgm:cxnLst>
-      <dgm:bg/>
-      <dgm:whole/>
-    </dgm:dataModel>
-  </dgm:sampData>
-  <dgm:styleData>
-    <dgm:dataModel>
-      <dgm:ptLst>
-        <dgm:pt modelId="0" type="doc"/>
-        <dgm:pt modelId="1"/>
-        <dgm:pt modelId="2"/>
-      </dgm:ptLst>
-      <dgm:cxnLst>
-        <dgm:cxn modelId="3" srcId="0" destId="1" srcOrd="0" destOrd="0"/>
-        <dgm:cxn modelId="4" srcId="0" destId="2" srcOrd="1" destOrd="0"/>
-      </dgm:cxnLst>
-      <dgm:bg/>
-      <dgm:whole/>
-    </dgm:dataModel>
-  </dgm:styleData>
-  <dgm:clrData>
-    <dgm:dataModel>
-      <dgm:ptLst>
-        <dgm:pt modelId="0" type="doc"/>
-        <dgm:pt modelId="1"/>
-        <dgm:pt modelId="2"/>
-        <dgm:pt modelId="3"/>
-        <dgm:pt modelId="4"/>
-      </dgm:ptLst>
-      <dgm:cxnLst>
-        <dgm:cxn modelId="5" srcId="0" destId="1" srcOrd="0" destOrd="0"/>
-        <dgm:cxn modelId="6" srcId="0" destId="2" srcOrd="1" destOrd="0"/>
-        <dgm:cxn modelId="7" srcId="0" destId="3" srcOrd="2" destOrd="0"/>
-        <dgm:cxn modelId="8" srcId="0" destId="4" srcOrd="3" destOrd="0"/>
-      </dgm:cxnLst>
-      <dgm:bg/>
-      <dgm:whole/>
-    </dgm:dataModel>
-  </dgm:clrData>
-  <dgm:layoutNode name="linear">
-    <dgm:varLst>
-      <dgm:animLvl val="lvl"/>
-      <dgm:resizeHandles val="exact"/>
-    </dgm:varLst>
-    <dgm:alg type="lin">
-      <dgm:param type="linDir" val="fromT"/>
-      <dgm:param type="vertAlign" val="mid"/>
-    </dgm:alg>
-    <dgm:shape xmlns:r="http://schemas.openxmlformats.org/officeDocument/2006/relationships" r:blip="">
-      <dgm:adjLst/>
-    </dgm:shape>
-    <dgm:presOf/>
-    <dgm:constrLst>
-      <dgm:constr type="w" for="ch" forName="parentText" refType="w"/>
-      <dgm:constr type="h" for="ch" forName="parentText" refType="primFontSz" refFor="ch" refForName="parentText" fact="0.52"/>
-      <dgm:constr type="w" for="ch" forName="childText" refType="w"/>
-      <dgm:constr type="h" for="ch" forName="childText" refType="primFontSz" refFor="ch" refForName="parentText" fact="0.46"/>
-      <dgm:constr type="h" for="ch" forName="parentText" op="equ"/>
-      <dgm:constr type="primFontSz" for="ch" forName="parentText" op="equ" val="65"/>
-      <dgm:constr type="primFontSz" for="ch" forName="childText" refType="primFontSz" refFor="ch" refForName="parentText" op="equ"/>
-      <dgm:constr type="h" for="ch" forName="spacer" refType="primFontSz" refFor="ch" refForName="parentText" fact="0.08"/>
-    </dgm:constrLst>
-    <dgm:ruleLst>
-      <dgm:rule type="primFontSz" for="ch" forName="parentText" val="5" fact="NaN" max="NaN"/>
-    </dgm:ruleLst>
-    <dgm:forEach name="Name0" axis="ch" ptType="node">
-      <dgm:layoutNode name="parentText" styleLbl="node1">
-        <dgm:varLst>
-          <dgm:chMax val="0"/>
-          <dgm:bulletEnabled val="1"/>
-        </dgm:varLst>
-        <dgm:alg type="tx">
-          <dgm:param type="parTxLTRAlign" val="l"/>
-          <dgm:param type="parTxRTLAlign" val="r"/>
-        </dgm:alg>
-        <dgm:shape xmlns:r="http://schemas.openxmlformats.org/officeDocument/2006/relationships" type="roundRect" r:blip="">
-          <dgm:adjLst/>
-        </dgm:shape>
-        <dgm:presOf axis="self"/>
-        <dgm:constrLst>
-          <dgm:constr type="tMarg" refType="primFontSz" fact="0.3"/>
-          <dgm:constr type="bMarg" refType="primFontSz" fact="0.3"/>
-          <dgm:constr type="lMarg" refType="primFontSz" fact="0.3"/>
-          <dgm:constr type="rMarg" refType="primFontSz" fact="0.3"/>
-        </dgm:constrLst>
-        <dgm:ruleLst>
-          <dgm:rule type="h" val="INF" fact="NaN" max="NaN"/>
-        </dgm:ruleLst>
-      </dgm:layoutNode>
-      <dgm:choose name="Name1">
-        <dgm:if name="Name2" axis="ch" ptType="node" func="cnt" op="gte" val="1">
-          <dgm:layoutNode name="childText" styleLbl="revTx">
-            <dgm:varLst>
-              <dgm:bulletEnabled val="1"/>
-            </dgm:varLst>
-            <dgm:alg type="tx">
-              <dgm:param type="stBulletLvl" val="1"/>
-              <dgm:param type="lnSpAfChP" val="20"/>
-            </dgm:alg>
-            <dgm:shape xmlns:r="http://schemas.openxmlformats.org/officeDocument/2006/relationships" type="rect" r:blip="">
-              <dgm:adjLst/>
-            </dgm:shape>
-            <dgm:presOf axis="des" ptType="node"/>
-            <dgm:constrLst>
-              <dgm:constr type="tMarg" refType="primFontSz" fact="0.1"/>
-              <dgm:constr type="bMarg" refType="primFontSz" fact="0.1"/>
-              <dgm:constr type="lMarg" refType="w" fact="0.09"/>
-            </dgm:constrLst>
-            <dgm:ruleLst>
-              <dgm:rule type="h" val="INF" fact="NaN" max="NaN"/>
-            </dgm:ruleLst>
-          </dgm:layoutNode>
-        </dgm:if>
-        <dgm:else name="Name3">
-          <dgm:choose name="Name4">
-            <dgm:if name="Name5" axis="par ch" ptType="doc node" func="cnt" op="gte" val="2">
-              <dgm:forEach name="Name6" axis="followSib" ptType="sibTrans" cnt="1">
-                <dgm:layoutNode name="spacer">
-                  <dgm:alg type="sp"/>
-                  <dgm:shape xmlns:r="http://schemas.openxmlformats.org/officeDocument/2006/relationships" r:blip="">
-                    <dgm:adjLst/>
-                  </dgm:shape>
-                  <dgm:presOf/>
-                  <dgm:constrLst/>
-                  <dgm:ruleLst/>
-                </dgm:layoutNode>
-              </dgm:forEach>
-            </dgm:if>
-            <dgm:else name="Name7"/>
-          </dgm:choose>
-        </dgm:else>
-      </dgm:choose>
-    </dgm:forEach>
-  </dgm:layoutNode>
-</dgm:layoutDef>
-</file>
-
-<file path=ppt/diagrams/layout2.xml><?xml version="1.0" encoding="utf-8"?>
 <dgm:layoutDef xmlns:dgm="http://schemas.openxmlformats.org/drawingml/2006/diagram" xmlns:a="http://schemas.openxmlformats.org/drawingml/2006/main" uniqueId="urn:microsoft.com/office/officeart/2005/8/layout/vList2">
   <dgm:title val=""/>
   <dgm:desc val=""/>
@@ -5159,1040 +2962,6 @@
 </dgm:styleDef>
 </file>
 
-<file path=ppt/diagrams/quickStyle2.xml><?xml version="1.0" encoding="utf-8"?>
-<dgm:styleDef xmlns:dgm="http://schemas.openxmlformats.org/drawingml/2006/diagram" xmlns:a="http://schemas.openxmlformats.org/drawingml/2006/main" uniqueId="urn:microsoft.com/office/officeart/2005/8/quickstyle/simple1">
-  <dgm:title val=""/>
-  <dgm:desc val=""/>
-  <dgm:catLst>
-    <dgm:cat type="simple" pri="10100"/>
-  </dgm:catLst>
-  <dgm:scene3d>
-    <a:camera prst="orthographicFront"/>
-    <a:lightRig rig="threePt" dir="t"/>
-  </dgm:scene3d>
-  <dgm:styleLbl name="node0">
-    <dgm:scene3d>
-      <a:camera prst="orthographicFront"/>
-      <a:lightRig rig="threePt" dir="t"/>
-    </dgm:scene3d>
-    <dgm:sp3d/>
-    <dgm:txPr/>
-    <dgm:style>
-      <a:lnRef idx="2">
-        <a:scrgbClr r="0" g="0" b="0"/>
-      </a:lnRef>
-      <a:fillRef idx="1">
-        <a:scrgbClr r="0" g="0" b="0"/>
-      </a:fillRef>
-      <a:effectRef idx="0">
-        <a:scrgbClr r="0" g="0" b="0"/>
-      </a:effectRef>
-      <a:fontRef idx="minor">
-        <a:schemeClr val="lt1"/>
-      </a:fontRef>
-    </dgm:style>
-  </dgm:styleLbl>
-  <dgm:styleLbl name="lnNode1">
-    <dgm:scene3d>
-      <a:camera prst="orthographicFront"/>
-      <a:lightRig rig="threePt" dir="t"/>
-    </dgm:scene3d>
-    <dgm:sp3d/>
-    <dgm:txPr/>
-    <dgm:style>
-      <a:lnRef idx="2">
-        <a:scrgbClr r="0" g="0" b="0"/>
-      </a:lnRef>
-      <a:fillRef idx="1">
-        <a:scrgbClr r="0" g="0" b="0"/>
-      </a:fillRef>
-      <a:effectRef idx="0">
-        <a:scrgbClr r="0" g="0" b="0"/>
-      </a:effectRef>
-      <a:fontRef idx="minor">
-        <a:schemeClr val="lt1"/>
-      </a:fontRef>
-    </dgm:style>
-  </dgm:styleLbl>
-  <dgm:styleLbl name="vennNode1">
-    <dgm:scene3d>
-      <a:camera prst="orthographicFront"/>
-      <a:lightRig rig="threePt" dir="t"/>
-    </dgm:scene3d>
-    <dgm:sp3d/>
-    <dgm:txPr/>
-    <dgm:style>
-      <a:lnRef idx="2">
-        <a:scrgbClr r="0" g="0" b="0"/>
-      </a:lnRef>
-      <a:fillRef idx="1">
-        <a:scrgbClr r="0" g="0" b="0"/>
-      </a:fillRef>
-      <a:effectRef idx="0">
-        <a:scrgbClr r="0" g="0" b="0"/>
-      </a:effectRef>
-      <a:fontRef idx="minor">
-        <a:schemeClr val="tx1"/>
-      </a:fontRef>
-    </dgm:style>
-  </dgm:styleLbl>
-  <dgm:styleLbl name="alignNode1">
-    <dgm:scene3d>
-      <a:camera prst="orthographicFront"/>
-      <a:lightRig rig="threePt" dir="t"/>
-    </dgm:scene3d>
-    <dgm:sp3d/>
-    <dgm:txPr/>
-    <dgm:style>
-      <a:lnRef idx="2">
-        <a:scrgbClr r="0" g="0" b="0"/>
-      </a:lnRef>
-      <a:fillRef idx="1">
-        <a:scrgbClr r="0" g="0" b="0"/>
-      </a:fillRef>
-      <a:effectRef idx="0">
-        <a:scrgbClr r="0" g="0" b="0"/>
-      </a:effectRef>
-      <a:fontRef idx="minor">
-        <a:schemeClr val="lt1"/>
-      </a:fontRef>
-    </dgm:style>
-  </dgm:styleLbl>
-  <dgm:styleLbl name="node1">
-    <dgm:scene3d>
-      <a:camera prst="orthographicFront"/>
-      <a:lightRig rig="threePt" dir="t"/>
-    </dgm:scene3d>
-    <dgm:sp3d/>
-    <dgm:txPr/>
-    <dgm:style>
-      <a:lnRef idx="2">
-        <a:scrgbClr r="0" g="0" b="0"/>
-      </a:lnRef>
-      <a:fillRef idx="1">
-        <a:scrgbClr r="0" g="0" b="0"/>
-      </a:fillRef>
-      <a:effectRef idx="0">
-        <a:scrgbClr r="0" g="0" b="0"/>
-      </a:effectRef>
-      <a:fontRef idx="minor">
-        <a:schemeClr val="lt1"/>
-      </a:fontRef>
-    </dgm:style>
-  </dgm:styleLbl>
-  <dgm:styleLbl name="node2">
-    <dgm:scene3d>
-      <a:camera prst="orthographicFront"/>
-      <a:lightRig rig="threePt" dir="t"/>
-    </dgm:scene3d>
-    <dgm:sp3d/>
-    <dgm:txPr/>
-    <dgm:style>
-      <a:lnRef idx="2">
-        <a:scrgbClr r="0" g="0" b="0"/>
-      </a:lnRef>
-      <a:fillRef idx="1">
-        <a:scrgbClr r="0" g="0" b="0"/>
-      </a:fillRef>
-      <a:effectRef idx="0">
-        <a:scrgbClr r="0" g="0" b="0"/>
-      </a:effectRef>
-      <a:fontRef idx="minor">
-        <a:schemeClr val="lt1"/>
-      </a:fontRef>
-    </dgm:style>
-  </dgm:styleLbl>
-  <dgm:styleLbl name="node3">
-    <dgm:scene3d>
-      <a:camera prst="orthographicFront"/>
-      <a:lightRig rig="threePt" dir="t"/>
-    </dgm:scene3d>
-    <dgm:sp3d/>
-    <dgm:txPr/>
-    <dgm:style>
-      <a:lnRef idx="2">
-        <a:scrgbClr r="0" g="0" b="0"/>
-      </a:lnRef>
-      <a:fillRef idx="1">
-        <a:scrgbClr r="0" g="0" b="0"/>
-      </a:fillRef>
-      <a:effectRef idx="0">
-        <a:scrgbClr r="0" g="0" b="0"/>
-      </a:effectRef>
-      <a:fontRef idx="minor">
-        <a:schemeClr val="lt1"/>
-      </a:fontRef>
-    </dgm:style>
-  </dgm:styleLbl>
-  <dgm:styleLbl name="node4">
-    <dgm:scene3d>
-      <a:camera prst="orthographicFront"/>
-      <a:lightRig rig="threePt" dir="t"/>
-    </dgm:scene3d>
-    <dgm:sp3d/>
-    <dgm:txPr/>
-    <dgm:style>
-      <a:lnRef idx="2">
-        <a:scrgbClr r="0" g="0" b="0"/>
-      </a:lnRef>
-      <a:fillRef idx="1">
-        <a:scrgbClr r="0" g="0" b="0"/>
-      </a:fillRef>
-      <a:effectRef idx="0">
-        <a:scrgbClr r="0" g="0" b="0"/>
-      </a:effectRef>
-      <a:fontRef idx="minor">
-        <a:schemeClr val="lt1"/>
-      </a:fontRef>
-    </dgm:style>
-  </dgm:styleLbl>
-  <dgm:styleLbl name="fgImgPlace1">
-    <dgm:scene3d>
-      <a:camera prst="orthographicFront"/>
-      <a:lightRig rig="threePt" dir="t"/>
-    </dgm:scene3d>
-    <dgm:sp3d/>
-    <dgm:txPr/>
-    <dgm:style>
-      <a:lnRef idx="2">
-        <a:scrgbClr r="0" g="0" b="0"/>
-      </a:lnRef>
-      <a:fillRef idx="1">
-        <a:scrgbClr r="0" g="0" b="0"/>
-      </a:fillRef>
-      <a:effectRef idx="0">
-        <a:scrgbClr r="0" g="0" b="0"/>
-      </a:effectRef>
-      <a:fontRef idx="minor"/>
-    </dgm:style>
-  </dgm:styleLbl>
-  <dgm:styleLbl name="alignImgPlace1">
-    <dgm:scene3d>
-      <a:camera prst="orthographicFront"/>
-      <a:lightRig rig="threePt" dir="t"/>
-    </dgm:scene3d>
-    <dgm:sp3d/>
-    <dgm:txPr/>
-    <dgm:style>
-      <a:lnRef idx="2">
-        <a:scrgbClr r="0" g="0" b="0"/>
-      </a:lnRef>
-      <a:fillRef idx="1">
-        <a:scrgbClr r="0" g="0" b="0"/>
-      </a:fillRef>
-      <a:effectRef idx="0">
-        <a:scrgbClr r="0" g="0" b="0"/>
-      </a:effectRef>
-      <a:fontRef idx="minor"/>
-    </dgm:style>
-  </dgm:styleLbl>
-  <dgm:styleLbl name="bgImgPlace1">
-    <dgm:scene3d>
-      <a:camera prst="orthographicFront"/>
-      <a:lightRig rig="threePt" dir="t"/>
-    </dgm:scene3d>
-    <dgm:sp3d/>
-    <dgm:txPr/>
-    <dgm:style>
-      <a:lnRef idx="2">
-        <a:scrgbClr r="0" g="0" b="0"/>
-      </a:lnRef>
-      <a:fillRef idx="1">
-        <a:scrgbClr r="0" g="0" b="0"/>
-      </a:fillRef>
-      <a:effectRef idx="0">
-        <a:scrgbClr r="0" g="0" b="0"/>
-      </a:effectRef>
-      <a:fontRef idx="minor"/>
-    </dgm:style>
-  </dgm:styleLbl>
-  <dgm:styleLbl name="sibTrans2D1">
-    <dgm:scene3d>
-      <a:camera prst="orthographicFront"/>
-      <a:lightRig rig="threePt" dir="t"/>
-    </dgm:scene3d>
-    <dgm:sp3d/>
-    <dgm:txPr/>
-    <dgm:style>
-      <a:lnRef idx="0">
-        <a:scrgbClr r="0" g="0" b="0"/>
-      </a:lnRef>
-      <a:fillRef idx="1">
-        <a:scrgbClr r="0" g="0" b="0"/>
-      </a:fillRef>
-      <a:effectRef idx="0">
-        <a:scrgbClr r="0" g="0" b="0"/>
-      </a:effectRef>
-      <a:fontRef idx="minor">
-        <a:schemeClr val="lt1"/>
-      </a:fontRef>
-    </dgm:style>
-  </dgm:styleLbl>
-  <dgm:styleLbl name="fgSibTrans2D1">
-    <dgm:scene3d>
-      <a:camera prst="orthographicFront"/>
-      <a:lightRig rig="threePt" dir="t"/>
-    </dgm:scene3d>
-    <dgm:sp3d/>
-    <dgm:txPr/>
-    <dgm:style>
-      <a:lnRef idx="0">
-        <a:scrgbClr r="0" g="0" b="0"/>
-      </a:lnRef>
-      <a:fillRef idx="1">
-        <a:scrgbClr r="0" g="0" b="0"/>
-      </a:fillRef>
-      <a:effectRef idx="0">
-        <a:scrgbClr r="0" g="0" b="0"/>
-      </a:effectRef>
-      <a:fontRef idx="minor">
-        <a:schemeClr val="lt1"/>
-      </a:fontRef>
-    </dgm:style>
-  </dgm:styleLbl>
-  <dgm:styleLbl name="bgSibTrans2D1">
-    <dgm:scene3d>
-      <a:camera prst="orthographicFront"/>
-      <a:lightRig rig="threePt" dir="t"/>
-    </dgm:scene3d>
-    <dgm:sp3d/>
-    <dgm:txPr/>
-    <dgm:style>
-      <a:lnRef idx="0">
-        <a:scrgbClr r="0" g="0" b="0"/>
-      </a:lnRef>
-      <a:fillRef idx="1">
-        <a:scrgbClr r="0" g="0" b="0"/>
-      </a:fillRef>
-      <a:effectRef idx="0">
-        <a:scrgbClr r="0" g="0" b="0"/>
-      </a:effectRef>
-      <a:fontRef idx="minor">
-        <a:schemeClr val="lt1"/>
-      </a:fontRef>
-    </dgm:style>
-  </dgm:styleLbl>
-  <dgm:styleLbl name="sibTrans1D1">
-    <dgm:scene3d>
-      <a:camera prst="orthographicFront"/>
-      <a:lightRig rig="threePt" dir="t"/>
-    </dgm:scene3d>
-    <dgm:sp3d/>
-    <dgm:txPr/>
-    <dgm:style>
-      <a:lnRef idx="1">
-        <a:scrgbClr r="0" g="0" b="0"/>
-      </a:lnRef>
-      <a:fillRef idx="0">
-        <a:scrgbClr r="0" g="0" b="0"/>
-      </a:fillRef>
-      <a:effectRef idx="0">
-        <a:scrgbClr r="0" g="0" b="0"/>
-      </a:effectRef>
-      <a:fontRef idx="minor"/>
-    </dgm:style>
-  </dgm:styleLbl>
-  <dgm:styleLbl name="callout">
-    <dgm:scene3d>
-      <a:camera prst="orthographicFront"/>
-      <a:lightRig rig="threePt" dir="t"/>
-    </dgm:scene3d>
-    <dgm:sp3d/>
-    <dgm:txPr/>
-    <dgm:style>
-      <a:lnRef idx="2">
-        <a:scrgbClr r="0" g="0" b="0"/>
-      </a:lnRef>
-      <a:fillRef idx="1">
-        <a:scrgbClr r="0" g="0" b="0"/>
-      </a:fillRef>
-      <a:effectRef idx="0">
-        <a:scrgbClr r="0" g="0" b="0"/>
-      </a:effectRef>
-      <a:fontRef idx="minor"/>
-    </dgm:style>
-  </dgm:styleLbl>
-  <dgm:styleLbl name="asst0">
-    <dgm:scene3d>
-      <a:camera prst="orthographicFront"/>
-      <a:lightRig rig="threePt" dir="t"/>
-    </dgm:scene3d>
-    <dgm:sp3d/>
-    <dgm:txPr/>
-    <dgm:style>
-      <a:lnRef idx="2">
-        <a:scrgbClr r="0" g="0" b="0"/>
-      </a:lnRef>
-      <a:fillRef idx="1">
-        <a:scrgbClr r="0" g="0" b="0"/>
-      </a:fillRef>
-      <a:effectRef idx="0">
-        <a:scrgbClr r="0" g="0" b="0"/>
-      </a:effectRef>
-      <a:fontRef idx="minor">
-        <a:schemeClr val="lt1"/>
-      </a:fontRef>
-    </dgm:style>
-  </dgm:styleLbl>
-  <dgm:styleLbl name="asst1">
-    <dgm:scene3d>
-      <a:camera prst="orthographicFront"/>
-      <a:lightRig rig="threePt" dir="t"/>
-    </dgm:scene3d>
-    <dgm:sp3d/>
-    <dgm:txPr/>
-    <dgm:style>
-      <a:lnRef idx="2">
-        <a:scrgbClr r="0" g="0" b="0"/>
-      </a:lnRef>
-      <a:fillRef idx="1">
-        <a:scrgbClr r="0" g="0" b="0"/>
-      </a:fillRef>
-      <a:effectRef idx="0">
-        <a:scrgbClr r="0" g="0" b="0"/>
-      </a:effectRef>
-      <a:fontRef idx="minor">
-        <a:schemeClr val="lt1"/>
-      </a:fontRef>
-    </dgm:style>
-  </dgm:styleLbl>
-  <dgm:styleLbl name="asst2">
-    <dgm:scene3d>
-      <a:camera prst="orthographicFront"/>
-      <a:lightRig rig="threePt" dir="t"/>
-    </dgm:scene3d>
-    <dgm:sp3d/>
-    <dgm:txPr/>
-    <dgm:style>
-      <a:lnRef idx="2">
-        <a:scrgbClr r="0" g="0" b="0"/>
-      </a:lnRef>
-      <a:fillRef idx="1">
-        <a:scrgbClr r="0" g="0" b="0"/>
-      </a:fillRef>
-      <a:effectRef idx="0">
-        <a:scrgbClr r="0" g="0" b="0"/>
-      </a:effectRef>
-      <a:fontRef idx="minor">
-        <a:schemeClr val="lt1"/>
-      </a:fontRef>
-    </dgm:style>
-  </dgm:styleLbl>
-  <dgm:styleLbl name="asst3">
-    <dgm:scene3d>
-      <a:camera prst="orthographicFront"/>
-      <a:lightRig rig="threePt" dir="t"/>
-    </dgm:scene3d>
-    <dgm:sp3d/>
-    <dgm:txPr/>
-    <dgm:style>
-      <a:lnRef idx="2">
-        <a:scrgbClr r="0" g="0" b="0"/>
-      </a:lnRef>
-      <a:fillRef idx="1">
-        <a:scrgbClr r="0" g="0" b="0"/>
-      </a:fillRef>
-      <a:effectRef idx="0">
-        <a:scrgbClr r="0" g="0" b="0"/>
-      </a:effectRef>
-      <a:fontRef idx="minor">
-        <a:schemeClr val="lt1"/>
-      </a:fontRef>
-    </dgm:style>
-  </dgm:styleLbl>
-  <dgm:styleLbl name="asst4">
-    <dgm:scene3d>
-      <a:camera prst="orthographicFront"/>
-      <a:lightRig rig="threePt" dir="t"/>
-    </dgm:scene3d>
-    <dgm:sp3d/>
-    <dgm:txPr/>
-    <dgm:style>
-      <a:lnRef idx="2">
-        <a:scrgbClr r="0" g="0" b="0"/>
-      </a:lnRef>
-      <a:fillRef idx="1">
-        <a:scrgbClr r="0" g="0" b="0"/>
-      </a:fillRef>
-      <a:effectRef idx="0">
-        <a:scrgbClr r="0" g="0" b="0"/>
-      </a:effectRef>
-      <a:fontRef idx="minor">
-        <a:schemeClr val="lt1"/>
-      </a:fontRef>
-    </dgm:style>
-  </dgm:styleLbl>
-  <dgm:styleLbl name="parChTrans2D1">
-    <dgm:scene3d>
-      <a:camera prst="orthographicFront"/>
-      <a:lightRig rig="threePt" dir="t"/>
-    </dgm:scene3d>
-    <dgm:sp3d/>
-    <dgm:txPr/>
-    <dgm:style>
-      <a:lnRef idx="2">
-        <a:scrgbClr r="0" g="0" b="0"/>
-      </a:lnRef>
-      <a:fillRef idx="1">
-        <a:scrgbClr r="0" g="0" b="0"/>
-      </a:fillRef>
-      <a:effectRef idx="0">
-        <a:scrgbClr r="0" g="0" b="0"/>
-      </a:effectRef>
-      <a:fontRef idx="minor">
-        <a:schemeClr val="lt1"/>
-      </a:fontRef>
-    </dgm:style>
-  </dgm:styleLbl>
-  <dgm:styleLbl name="parChTrans2D2">
-    <dgm:scene3d>
-      <a:camera prst="orthographicFront"/>
-      <a:lightRig rig="threePt" dir="t"/>
-    </dgm:scene3d>
-    <dgm:sp3d/>
-    <dgm:txPr/>
-    <dgm:style>
-      <a:lnRef idx="2">
-        <a:scrgbClr r="0" g="0" b="0"/>
-      </a:lnRef>
-      <a:fillRef idx="1">
-        <a:scrgbClr r="0" g="0" b="0"/>
-      </a:fillRef>
-      <a:effectRef idx="0">
-        <a:scrgbClr r="0" g="0" b="0"/>
-      </a:effectRef>
-      <a:fontRef idx="minor">
-        <a:schemeClr val="lt1"/>
-      </a:fontRef>
-    </dgm:style>
-  </dgm:styleLbl>
-  <dgm:styleLbl name="parChTrans2D3">
-    <dgm:scene3d>
-      <a:camera prst="orthographicFront"/>
-      <a:lightRig rig="threePt" dir="t"/>
-    </dgm:scene3d>
-    <dgm:sp3d/>
-    <dgm:txPr/>
-    <dgm:style>
-      <a:lnRef idx="2">
-        <a:scrgbClr r="0" g="0" b="0"/>
-      </a:lnRef>
-      <a:fillRef idx="1">
-        <a:scrgbClr r="0" g="0" b="0"/>
-      </a:fillRef>
-      <a:effectRef idx="0">
-        <a:scrgbClr r="0" g="0" b="0"/>
-      </a:effectRef>
-      <a:fontRef idx="minor">
-        <a:schemeClr val="lt1"/>
-      </a:fontRef>
-    </dgm:style>
-  </dgm:styleLbl>
-  <dgm:styleLbl name="parChTrans2D4">
-    <dgm:scene3d>
-      <a:camera prst="orthographicFront"/>
-      <a:lightRig rig="threePt" dir="t"/>
-    </dgm:scene3d>
-    <dgm:sp3d/>
-    <dgm:txPr/>
-    <dgm:style>
-      <a:lnRef idx="2">
-        <a:scrgbClr r="0" g="0" b="0"/>
-      </a:lnRef>
-      <a:fillRef idx="1">
-        <a:scrgbClr r="0" g="0" b="0"/>
-      </a:fillRef>
-      <a:effectRef idx="0">
-        <a:scrgbClr r="0" g="0" b="0"/>
-      </a:effectRef>
-      <a:fontRef idx="minor">
-        <a:schemeClr val="lt1"/>
-      </a:fontRef>
-    </dgm:style>
-  </dgm:styleLbl>
-  <dgm:styleLbl name="parChTrans1D1">
-    <dgm:scene3d>
-      <a:camera prst="orthographicFront"/>
-      <a:lightRig rig="threePt" dir="t"/>
-    </dgm:scene3d>
-    <dgm:sp3d/>
-    <dgm:txPr/>
-    <dgm:style>
-      <a:lnRef idx="2">
-        <a:scrgbClr r="0" g="0" b="0"/>
-      </a:lnRef>
-      <a:fillRef idx="0">
-        <a:scrgbClr r="0" g="0" b="0"/>
-      </a:fillRef>
-      <a:effectRef idx="0">
-        <a:scrgbClr r="0" g="0" b="0"/>
-      </a:effectRef>
-      <a:fontRef idx="minor"/>
-    </dgm:style>
-  </dgm:styleLbl>
-  <dgm:styleLbl name="parChTrans1D2">
-    <dgm:scene3d>
-      <a:camera prst="orthographicFront"/>
-      <a:lightRig rig="threePt" dir="t"/>
-    </dgm:scene3d>
-    <dgm:sp3d/>
-    <dgm:txPr/>
-    <dgm:style>
-      <a:lnRef idx="2">
-        <a:scrgbClr r="0" g="0" b="0"/>
-      </a:lnRef>
-      <a:fillRef idx="0">
-        <a:scrgbClr r="0" g="0" b="0"/>
-      </a:fillRef>
-      <a:effectRef idx="0">
-        <a:scrgbClr r="0" g="0" b="0"/>
-      </a:effectRef>
-      <a:fontRef idx="minor"/>
-    </dgm:style>
-  </dgm:styleLbl>
-  <dgm:styleLbl name="parChTrans1D3">
-    <dgm:scene3d>
-      <a:camera prst="orthographicFront"/>
-      <a:lightRig rig="threePt" dir="t"/>
-    </dgm:scene3d>
-    <dgm:sp3d/>
-    <dgm:txPr/>
-    <dgm:style>
-      <a:lnRef idx="2">
-        <a:scrgbClr r="0" g="0" b="0"/>
-      </a:lnRef>
-      <a:fillRef idx="0">
-        <a:scrgbClr r="0" g="0" b="0"/>
-      </a:fillRef>
-      <a:effectRef idx="0">
-        <a:scrgbClr r="0" g="0" b="0"/>
-      </a:effectRef>
-      <a:fontRef idx="minor"/>
-    </dgm:style>
-  </dgm:styleLbl>
-  <dgm:styleLbl name="parChTrans1D4">
-    <dgm:scene3d>
-      <a:camera prst="orthographicFront"/>
-      <a:lightRig rig="threePt" dir="t"/>
-    </dgm:scene3d>
-    <dgm:sp3d/>
-    <dgm:txPr/>
-    <dgm:style>
-      <a:lnRef idx="2">
-        <a:scrgbClr r="0" g="0" b="0"/>
-      </a:lnRef>
-      <a:fillRef idx="0">
-        <a:scrgbClr r="0" g="0" b="0"/>
-      </a:fillRef>
-      <a:effectRef idx="0">
-        <a:scrgbClr r="0" g="0" b="0"/>
-      </a:effectRef>
-      <a:fontRef idx="minor"/>
-    </dgm:style>
-  </dgm:styleLbl>
-  <dgm:styleLbl name="fgAcc1">
-    <dgm:scene3d>
-      <a:camera prst="orthographicFront"/>
-      <a:lightRig rig="threePt" dir="t"/>
-    </dgm:scene3d>
-    <dgm:sp3d/>
-    <dgm:txPr/>
-    <dgm:style>
-      <a:lnRef idx="2">
-        <a:scrgbClr r="0" g="0" b="0"/>
-      </a:lnRef>
-      <a:fillRef idx="1">
-        <a:scrgbClr r="0" g="0" b="0"/>
-      </a:fillRef>
-      <a:effectRef idx="0">
-        <a:scrgbClr r="0" g="0" b="0"/>
-      </a:effectRef>
-      <a:fontRef idx="minor"/>
-    </dgm:style>
-  </dgm:styleLbl>
-  <dgm:styleLbl name="conFgAcc1">
-    <dgm:scene3d>
-      <a:camera prst="orthographicFront"/>
-      <a:lightRig rig="threePt" dir="t"/>
-    </dgm:scene3d>
-    <dgm:sp3d/>
-    <dgm:txPr/>
-    <dgm:style>
-      <a:lnRef idx="2">
-        <a:scrgbClr r="0" g="0" b="0"/>
-      </a:lnRef>
-      <a:fillRef idx="1">
-        <a:scrgbClr r="0" g="0" b="0"/>
-      </a:fillRef>
-      <a:effectRef idx="0">
-        <a:scrgbClr r="0" g="0" b="0"/>
-      </a:effectRef>
-      <a:fontRef idx="minor"/>
-    </dgm:style>
-  </dgm:styleLbl>
-  <dgm:styleLbl name="alignAcc1">
-    <dgm:scene3d>
-      <a:camera prst="orthographicFront"/>
-      <a:lightRig rig="threePt" dir="t"/>
-    </dgm:scene3d>
-    <dgm:sp3d/>
-    <dgm:txPr/>
-    <dgm:style>
-      <a:lnRef idx="2">
-        <a:scrgbClr r="0" g="0" b="0"/>
-      </a:lnRef>
-      <a:fillRef idx="1">
-        <a:scrgbClr r="0" g="0" b="0"/>
-      </a:fillRef>
-      <a:effectRef idx="0">
-        <a:scrgbClr r="0" g="0" b="0"/>
-      </a:effectRef>
-      <a:fontRef idx="minor"/>
-    </dgm:style>
-  </dgm:styleLbl>
-  <dgm:styleLbl name="trAlignAcc1">
-    <dgm:scene3d>
-      <a:camera prst="orthographicFront"/>
-      <a:lightRig rig="threePt" dir="t"/>
-    </dgm:scene3d>
-    <dgm:sp3d/>
-    <dgm:txPr/>
-    <dgm:style>
-      <a:lnRef idx="1">
-        <a:scrgbClr r="0" g="0" b="0"/>
-      </a:lnRef>
-      <a:fillRef idx="1">
-        <a:scrgbClr r="0" g="0" b="0"/>
-      </a:fillRef>
-      <a:effectRef idx="0">
-        <a:scrgbClr r="0" g="0" b="0"/>
-      </a:effectRef>
-      <a:fontRef idx="minor"/>
-    </dgm:style>
-  </dgm:styleLbl>
-  <dgm:styleLbl name="bgAcc1">
-    <dgm:scene3d>
-      <a:camera prst="orthographicFront"/>
-      <a:lightRig rig="threePt" dir="t"/>
-    </dgm:scene3d>
-    <dgm:sp3d/>
-    <dgm:txPr/>
-    <dgm:style>
-      <a:lnRef idx="2">
-        <a:scrgbClr r="0" g="0" b="0"/>
-      </a:lnRef>
-      <a:fillRef idx="1">
-        <a:scrgbClr r="0" g="0" b="0"/>
-      </a:fillRef>
-      <a:effectRef idx="0">
-        <a:scrgbClr r="0" g="0" b="0"/>
-      </a:effectRef>
-      <a:fontRef idx="minor"/>
-    </dgm:style>
-  </dgm:styleLbl>
-  <dgm:styleLbl name="solidFgAcc1">
-    <dgm:scene3d>
-      <a:camera prst="orthographicFront"/>
-      <a:lightRig rig="threePt" dir="t"/>
-    </dgm:scene3d>
-    <dgm:sp3d/>
-    <dgm:txPr/>
-    <dgm:style>
-      <a:lnRef idx="2">
-        <a:scrgbClr r="0" g="0" b="0"/>
-      </a:lnRef>
-      <a:fillRef idx="1">
-        <a:scrgbClr r="0" g="0" b="0"/>
-      </a:fillRef>
-      <a:effectRef idx="0">
-        <a:scrgbClr r="0" g="0" b="0"/>
-      </a:effectRef>
-      <a:fontRef idx="minor"/>
-    </dgm:style>
-  </dgm:styleLbl>
-  <dgm:styleLbl name="solidAlignAcc1">
-    <dgm:scene3d>
-      <a:camera prst="orthographicFront"/>
-      <a:lightRig rig="threePt" dir="t"/>
-    </dgm:scene3d>
-    <dgm:sp3d/>
-    <dgm:txPr/>
-    <dgm:style>
-      <a:lnRef idx="2">
-        <a:scrgbClr r="0" g="0" b="0"/>
-      </a:lnRef>
-      <a:fillRef idx="1">
-        <a:scrgbClr r="0" g="0" b="0"/>
-      </a:fillRef>
-      <a:effectRef idx="0">
-        <a:scrgbClr r="0" g="0" b="0"/>
-      </a:effectRef>
-      <a:fontRef idx="minor"/>
-    </dgm:style>
-  </dgm:styleLbl>
-  <dgm:styleLbl name="solidBgAcc1">
-    <dgm:scene3d>
-      <a:camera prst="orthographicFront"/>
-      <a:lightRig rig="threePt" dir="t"/>
-    </dgm:scene3d>
-    <dgm:sp3d/>
-    <dgm:txPr/>
-    <dgm:style>
-      <a:lnRef idx="2">
-        <a:scrgbClr r="0" g="0" b="0"/>
-      </a:lnRef>
-      <a:fillRef idx="1">
-        <a:scrgbClr r="0" g="0" b="0"/>
-      </a:fillRef>
-      <a:effectRef idx="0">
-        <a:scrgbClr r="0" g="0" b="0"/>
-      </a:effectRef>
-      <a:fontRef idx="minor"/>
-    </dgm:style>
-  </dgm:styleLbl>
-  <dgm:styleLbl name="fgAccFollowNode1">
-    <dgm:scene3d>
-      <a:camera prst="orthographicFront"/>
-      <a:lightRig rig="threePt" dir="t"/>
-    </dgm:scene3d>
-    <dgm:sp3d/>
-    <dgm:txPr/>
-    <dgm:style>
-      <a:lnRef idx="2">
-        <a:scrgbClr r="0" g="0" b="0"/>
-      </a:lnRef>
-      <a:fillRef idx="1">
-        <a:scrgbClr r="0" g="0" b="0"/>
-      </a:fillRef>
-      <a:effectRef idx="0">
-        <a:scrgbClr r="0" g="0" b="0"/>
-      </a:effectRef>
-      <a:fontRef idx="minor"/>
-    </dgm:style>
-  </dgm:styleLbl>
-  <dgm:styleLbl name="alignAccFollowNode1">
-    <dgm:scene3d>
-      <a:camera prst="orthographicFront"/>
-      <a:lightRig rig="threePt" dir="t"/>
-    </dgm:scene3d>
-    <dgm:sp3d/>
-    <dgm:txPr/>
-    <dgm:style>
-      <a:lnRef idx="2">
-        <a:scrgbClr r="0" g="0" b="0"/>
-      </a:lnRef>
-      <a:fillRef idx="1">
-        <a:scrgbClr r="0" g="0" b="0"/>
-      </a:fillRef>
-      <a:effectRef idx="0">
-        <a:scrgbClr r="0" g="0" b="0"/>
-      </a:effectRef>
-      <a:fontRef idx="minor"/>
-    </dgm:style>
-  </dgm:styleLbl>
-  <dgm:styleLbl name="bgAccFollowNode1">
-    <dgm:scene3d>
-      <a:camera prst="orthographicFront"/>
-      <a:lightRig rig="threePt" dir="t"/>
-    </dgm:scene3d>
-    <dgm:sp3d/>
-    <dgm:txPr/>
-    <dgm:style>
-      <a:lnRef idx="2">
-        <a:scrgbClr r="0" g="0" b="0"/>
-      </a:lnRef>
-      <a:fillRef idx="1">
-        <a:scrgbClr r="0" g="0" b="0"/>
-      </a:fillRef>
-      <a:effectRef idx="0">
-        <a:scrgbClr r="0" g="0" b="0"/>
-      </a:effectRef>
-      <a:fontRef idx="minor"/>
-    </dgm:style>
-  </dgm:styleLbl>
-  <dgm:styleLbl name="fgAcc0">
-    <dgm:scene3d>
-      <a:camera prst="orthographicFront"/>
-      <a:lightRig rig="threePt" dir="t"/>
-    </dgm:scene3d>
-    <dgm:sp3d/>
-    <dgm:txPr/>
-    <dgm:style>
-      <a:lnRef idx="2">
-        <a:scrgbClr r="0" g="0" b="0"/>
-      </a:lnRef>
-      <a:fillRef idx="1">
-        <a:scrgbClr r="0" g="0" b="0"/>
-      </a:fillRef>
-      <a:effectRef idx="0">
-        <a:scrgbClr r="0" g="0" b="0"/>
-      </a:effectRef>
-      <a:fontRef idx="minor"/>
-    </dgm:style>
-  </dgm:styleLbl>
-  <dgm:styleLbl name="fgAcc2">
-    <dgm:scene3d>
-      <a:camera prst="orthographicFront"/>
-      <a:lightRig rig="threePt" dir="t"/>
-    </dgm:scene3d>
-    <dgm:sp3d/>
-    <dgm:txPr/>
-    <dgm:style>
-      <a:lnRef idx="2">
-        <a:scrgbClr r="0" g="0" b="0"/>
-      </a:lnRef>
-      <a:fillRef idx="1">
-        <a:scrgbClr r="0" g="0" b="0"/>
-      </a:fillRef>
-      <a:effectRef idx="0">
-        <a:scrgbClr r="0" g="0" b="0"/>
-      </a:effectRef>
-      <a:fontRef idx="minor"/>
-    </dgm:style>
-  </dgm:styleLbl>
-  <dgm:styleLbl name="fgAcc3">
-    <dgm:scene3d>
-      <a:camera prst="orthographicFront"/>
-      <a:lightRig rig="threePt" dir="t"/>
-    </dgm:scene3d>
-    <dgm:sp3d/>
-    <dgm:txPr/>
-    <dgm:style>
-      <a:lnRef idx="2">
-        <a:scrgbClr r="0" g="0" b="0"/>
-      </a:lnRef>
-      <a:fillRef idx="1">
-        <a:scrgbClr r="0" g="0" b="0"/>
-      </a:fillRef>
-      <a:effectRef idx="0">
-        <a:scrgbClr r="0" g="0" b="0"/>
-      </a:effectRef>
-      <a:fontRef idx="minor"/>
-    </dgm:style>
-  </dgm:styleLbl>
-  <dgm:styleLbl name="fgAcc4">
-    <dgm:scene3d>
-      <a:camera prst="orthographicFront"/>
-      <a:lightRig rig="threePt" dir="t"/>
-    </dgm:scene3d>
-    <dgm:sp3d/>
-    <dgm:txPr/>
-    <dgm:style>
-      <a:lnRef idx="2">
-        <a:scrgbClr r="0" g="0" b="0"/>
-      </a:lnRef>
-      <a:fillRef idx="1">
-        <a:scrgbClr r="0" g="0" b="0"/>
-      </a:fillRef>
-      <a:effectRef idx="0">
-        <a:scrgbClr r="0" g="0" b="0"/>
-      </a:effectRef>
-      <a:fontRef idx="minor"/>
-    </dgm:style>
-  </dgm:styleLbl>
-  <dgm:styleLbl name="bgShp">
-    <dgm:scene3d>
-      <a:camera prst="orthographicFront"/>
-      <a:lightRig rig="threePt" dir="t"/>
-    </dgm:scene3d>
-    <dgm:sp3d/>
-    <dgm:txPr/>
-    <dgm:style>
-      <a:lnRef idx="0">
-        <a:scrgbClr r="0" g="0" b="0"/>
-      </a:lnRef>
-      <a:fillRef idx="1">
-        <a:scrgbClr r="0" g="0" b="0"/>
-      </a:fillRef>
-      <a:effectRef idx="0">
-        <a:scrgbClr r="0" g="0" b="0"/>
-      </a:effectRef>
-      <a:fontRef idx="minor"/>
-    </dgm:style>
-  </dgm:styleLbl>
-  <dgm:styleLbl name="dkBgShp">
-    <dgm:scene3d>
-      <a:camera prst="orthographicFront"/>
-      <a:lightRig rig="threePt" dir="t"/>
-    </dgm:scene3d>
-    <dgm:sp3d/>
-    <dgm:txPr/>
-    <dgm:style>
-      <a:lnRef idx="0">
-        <a:scrgbClr r="0" g="0" b="0"/>
-      </a:lnRef>
-      <a:fillRef idx="1">
-        <a:scrgbClr r="0" g="0" b="0"/>
-      </a:fillRef>
-      <a:effectRef idx="0">
-        <a:scrgbClr r="0" g="0" b="0"/>
-      </a:effectRef>
-      <a:fontRef idx="minor"/>
-    </dgm:style>
-  </dgm:styleLbl>
-  <dgm:styleLbl name="trBgShp">
-    <dgm:scene3d>
-      <a:camera prst="orthographicFront"/>
-      <a:lightRig rig="threePt" dir="t"/>
-    </dgm:scene3d>
-    <dgm:sp3d/>
-    <dgm:txPr/>
-    <dgm:style>
-      <a:lnRef idx="0">
-        <a:scrgbClr r="0" g="0" b="0"/>
-      </a:lnRef>
-      <a:fillRef idx="1">
-        <a:scrgbClr r="0" g="0" b="0"/>
-      </a:fillRef>
-      <a:effectRef idx="0">
-        <a:scrgbClr r="0" g="0" b="0"/>
-      </a:effectRef>
-      <a:fontRef idx="minor"/>
-    </dgm:style>
-  </dgm:styleLbl>
-  <dgm:styleLbl name="fgShp">
-    <dgm:scene3d>
-      <a:camera prst="orthographicFront"/>
-      <a:lightRig rig="threePt" dir="t"/>
-    </dgm:scene3d>
-    <dgm:sp3d/>
-    <dgm:txPr/>
-    <dgm:style>
-      <a:lnRef idx="2">
-        <a:scrgbClr r="0" g="0" b="0"/>
-      </a:lnRef>
-      <a:fillRef idx="1">
-        <a:scrgbClr r="0" g="0" b="0"/>
-      </a:fillRef>
-      <a:effectRef idx="0">
-        <a:scrgbClr r="0" g="0" b="0"/>
-      </a:effectRef>
-      <a:fontRef idx="minor"/>
-    </dgm:style>
-  </dgm:styleLbl>
-  <dgm:styleLbl name="revTx">
-    <dgm:scene3d>
-      <a:camera prst="orthographicFront"/>
-      <a:lightRig rig="threePt" dir="t"/>
-    </dgm:scene3d>
-    <dgm:sp3d/>
-    <dgm:txPr/>
-    <dgm:style>
-      <a:lnRef idx="0">
-        <a:scrgbClr r="0" g="0" b="0"/>
-      </a:lnRef>
-      <a:fillRef idx="0">
-        <a:scrgbClr r="0" g="0" b="0"/>
-      </a:fillRef>
-      <a:effectRef idx="0">
-        <a:scrgbClr r="0" g="0" b="0"/>
-      </a:effectRef>
-      <a:fontRef idx="minor"/>
-    </dgm:style>
-  </dgm:styleLbl>
-</dgm:styleDef>
-</file>
-
 <file path=ppt/slideLayouts/slideLayout1.xml><?xml version="1.0" encoding="utf-8"?>
 <p:sldLayout xmlns:a="http://schemas.openxmlformats.org/drawingml/2006/main" xmlns:r="http://schemas.openxmlformats.org/officeDocument/2006/relationships" xmlns:p="http://schemas.openxmlformats.org/presentationml/2006/main" showMasterSp="0" type="title" preserve="1">
   <p:cSld name="Diapositive de titre">
@@ -6696,7 +3465,7 @@
             <a:fld id="{C306022E-A01C-4C29-9A63-C81246E74EE4}" type="datetimeFigureOut">
               <a:rPr lang="fr-FR" smtClean="0"/>
               <a:pPr/>
-              <a:t>03/07/2021</a:t>
+              <a:t>14/07/2021</a:t>
             </a:fld>
             <a:endParaRPr lang="fr-FR"/>
           </a:p>
@@ -6994,7 +3763,7 @@
             <a:fld id="{C306022E-A01C-4C29-9A63-C81246E74EE4}" type="datetimeFigureOut">
               <a:rPr lang="fr-FR" smtClean="0"/>
               <a:pPr/>
-              <a:t>03/07/2021</a:t>
+              <a:t>14/07/2021</a:t>
             </a:fld>
             <a:endParaRPr lang="fr-FR"/>
           </a:p>
@@ -7244,7 +4013,7 @@
             <a:fld id="{C306022E-A01C-4C29-9A63-C81246E74EE4}" type="datetimeFigureOut">
               <a:rPr lang="fr-FR" smtClean="0"/>
               <a:pPr/>
-              <a:t>03/07/2021</a:t>
+              <a:t>14/07/2021</a:t>
             </a:fld>
             <a:endParaRPr lang="fr-FR"/>
           </a:p>
@@ -7786,7 +4555,7 @@
             <a:fld id="{C306022E-A01C-4C29-9A63-C81246E74EE4}" type="datetimeFigureOut">
               <a:rPr lang="fr-FR" smtClean="0"/>
               <a:pPr/>
-              <a:t>03/07/2021</a:t>
+              <a:t>14/07/2021</a:t>
             </a:fld>
             <a:endParaRPr lang="fr-FR"/>
           </a:p>
@@ -8036,7 +4805,7 @@
             <a:fld id="{C306022E-A01C-4C29-9A63-C81246E74EE4}" type="datetimeFigureOut">
               <a:rPr lang="fr-FR" smtClean="0"/>
               <a:pPr/>
-              <a:t>03/07/2021</a:t>
+              <a:t>14/07/2021</a:t>
             </a:fld>
             <a:endParaRPr lang="fr-FR"/>
           </a:p>
@@ -8570,7 +5339,7 @@
             <a:fld id="{C306022E-A01C-4C29-9A63-C81246E74EE4}" type="datetimeFigureOut">
               <a:rPr lang="fr-FR" smtClean="0"/>
               <a:pPr/>
-              <a:t>03/07/2021</a:t>
+              <a:t>14/07/2021</a:t>
             </a:fld>
             <a:endParaRPr lang="fr-FR"/>
           </a:p>
@@ -8869,7 +5638,7 @@
             <a:fld id="{C306022E-A01C-4C29-9A63-C81246E74EE4}" type="datetimeFigureOut">
               <a:rPr lang="fr-FR" smtClean="0"/>
               <a:pPr/>
-              <a:t>03/07/2021</a:t>
+              <a:t>14/07/2021</a:t>
             </a:fld>
             <a:endParaRPr lang="fr-FR"/>
           </a:p>
@@ -9045,7 +5814,7 @@
             <a:fld id="{C306022E-A01C-4C29-9A63-C81246E74EE4}" type="datetimeFigureOut">
               <a:rPr lang="fr-FR" smtClean="0"/>
               <a:pPr/>
-              <a:t>03/07/2021</a:t>
+              <a:t>14/07/2021</a:t>
             </a:fld>
             <a:endParaRPr lang="fr-FR"/>
           </a:p>
@@ -9227,7 +5996,7 @@
             <a:fld id="{C306022E-A01C-4C29-9A63-C81246E74EE4}" type="datetimeFigureOut">
               <a:rPr lang="fr-FR" smtClean="0"/>
               <a:pPr/>
-              <a:t>03/07/2021</a:t>
+              <a:t>14/07/2021</a:t>
             </a:fld>
             <a:endParaRPr lang="fr-FR"/>
           </a:p>
@@ -9399,7 +6168,7 @@
             <a:fld id="{C306022E-A01C-4C29-9A63-C81246E74EE4}" type="datetimeFigureOut">
               <a:rPr lang="fr-FR" smtClean="0"/>
               <a:pPr/>
-              <a:t>03/07/2021</a:t>
+              <a:t>14/07/2021</a:t>
             </a:fld>
             <a:endParaRPr lang="fr-FR"/>
           </a:p>
@@ -9652,7 +6421,7 @@
             <a:fld id="{C306022E-A01C-4C29-9A63-C81246E74EE4}" type="datetimeFigureOut">
               <a:rPr lang="fr-FR" smtClean="0"/>
               <a:pPr/>
-              <a:t>03/07/2021</a:t>
+              <a:t>14/07/2021</a:t>
             </a:fld>
             <a:endParaRPr lang="fr-FR"/>
           </a:p>
@@ -9951,7 +6720,7 @@
             <a:fld id="{C306022E-A01C-4C29-9A63-C81246E74EE4}" type="datetimeFigureOut">
               <a:rPr lang="fr-FR" smtClean="0"/>
               <a:pPr/>
-              <a:t>03/07/2021</a:t>
+              <a:t>14/07/2021</a:t>
             </a:fld>
             <a:endParaRPr lang="fr-FR"/>
           </a:p>
@@ -10395,7 +7164,7 @@
             <a:fld id="{C306022E-A01C-4C29-9A63-C81246E74EE4}" type="datetimeFigureOut">
               <a:rPr lang="fr-FR" smtClean="0"/>
               <a:pPr/>
-              <a:t>03/07/2021</a:t>
+              <a:t>14/07/2021</a:t>
             </a:fld>
             <a:endParaRPr lang="fr-FR"/>
           </a:p>
@@ -10515,7 +7284,7 @@
             <a:fld id="{C306022E-A01C-4C29-9A63-C81246E74EE4}" type="datetimeFigureOut">
               <a:rPr lang="fr-FR" smtClean="0"/>
               <a:pPr/>
-              <a:t>03/07/2021</a:t>
+              <a:t>14/07/2021</a:t>
             </a:fld>
             <a:endParaRPr lang="fr-FR"/>
           </a:p>
@@ -10612,7 +7381,7 @@
             <a:fld id="{C306022E-A01C-4C29-9A63-C81246E74EE4}" type="datetimeFigureOut">
               <a:rPr lang="fr-FR" smtClean="0"/>
               <a:pPr/>
-              <a:t>03/07/2021</a:t>
+              <a:t>14/07/2021</a:t>
             </a:fld>
             <a:endParaRPr lang="fr-FR"/>
           </a:p>
@@ -10897,7 +7666,7 @@
             <a:fld id="{C306022E-A01C-4C29-9A63-C81246E74EE4}" type="datetimeFigureOut">
               <a:rPr lang="fr-FR" smtClean="0"/>
               <a:pPr/>
-              <a:t>03/07/2021</a:t>
+              <a:t>14/07/2021</a:t>
             </a:fld>
             <a:endParaRPr lang="fr-FR"/>
           </a:p>
@@ -11190,7 +7959,7 @@
             <a:fld id="{C306022E-A01C-4C29-9A63-C81246E74EE4}" type="datetimeFigureOut">
               <a:rPr lang="fr-FR" smtClean="0"/>
               <a:pPr/>
-              <a:t>03/07/2021</a:t>
+              <a:t>14/07/2021</a:t>
             </a:fld>
             <a:endParaRPr lang="fr-FR"/>
           </a:p>
@@ -11722,7 +8491,7 @@
             <a:fld id="{C306022E-A01C-4C29-9A63-C81246E74EE4}" type="datetimeFigureOut">
               <a:rPr lang="fr-FR" smtClean="0"/>
               <a:pPr/>
-              <a:t>03/07/2021</a:t>
+              <a:t>14/07/2021</a:t>
             </a:fld>
             <a:endParaRPr lang="fr-FR"/>
           </a:p>
@@ -12716,820 +9485,6 @@
       </p:grpSpPr>
       <p:sp>
         <p:nvSpPr>
-          <p:cNvPr id="5" name="Rectangle 4"/>
-          <p:cNvSpPr/>
-          <p:nvPr/>
-        </p:nvSpPr>
-        <p:spPr>
-          <a:xfrm>
-            <a:off x="2288158" y="3051366"/>
-            <a:ext cx="9000605" cy="1323439"/>
-          </a:xfrm>
-          <a:prstGeom prst="rect">
-            <a:avLst/>
-          </a:prstGeom>
-          <a:noFill/>
-        </p:spPr>
-        <p:txBody>
-          <a:bodyPr wrap="none" lIns="91440" tIns="45720" rIns="91440" bIns="45720">
-            <a:spAutoFit/>
-          </a:bodyPr>
-          <a:lstStyle/>
-          <a:p>
-            <a:pPr algn="ctr"/>
-            <a:r>
-              <a:rPr lang="fr-FR" sz="8000" b="1" cap="all" spc="0" dirty="0">
-                <a:ln w="9000" cmpd="sng">
-                  <a:solidFill>
-                    <a:schemeClr val="accent4">
-                      <a:shade val="50000"/>
-                      <a:satMod val="120000"/>
-                    </a:schemeClr>
-                  </a:solidFill>
-                  <a:prstDash val="solid"/>
-                </a:ln>
-                <a:gradFill>
-                  <a:gsLst>
-                    <a:gs pos="0">
-                      <a:schemeClr val="accent4">
-                        <a:shade val="20000"/>
-                        <a:satMod val="245000"/>
-                      </a:schemeClr>
-                    </a:gs>
-                    <a:gs pos="43000">
-                      <a:schemeClr val="accent4">
-                        <a:satMod val="255000"/>
-                      </a:schemeClr>
-                    </a:gs>
-                    <a:gs pos="48000">
-                      <a:schemeClr val="accent4">
-                        <a:shade val="85000"/>
-                        <a:satMod val="255000"/>
-                      </a:schemeClr>
-                    </a:gs>
-                    <a:gs pos="100000">
-                      <a:schemeClr val="accent4">
-                        <a:shade val="20000"/>
-                        <a:satMod val="245000"/>
-                      </a:schemeClr>
-                    </a:gs>
-                  </a:gsLst>
-                  <a:lin ang="5400000"/>
-                </a:gradFill>
-                <a:effectLst>
-                  <a:reflection blurRad="12700" stA="28000" endPos="45000" dist="1000" dir="5400000" sy="-100000" algn="bl" rotWithShape="0"/>
-                </a:effectLst>
-              </a:rPr>
-              <a:t>Key Abstraction</a:t>
-            </a:r>
-          </a:p>
-        </p:txBody>
-      </p:sp>
-    </p:spTree>
-    <p:extLst>
-      <p:ext uri="{BB962C8B-B14F-4D97-AF65-F5344CB8AC3E}">
-        <p14:creationId xmlns:p14="http://schemas.microsoft.com/office/powerpoint/2010/main" val="1695600877"/>
-      </p:ext>
-    </p:extLst>
-  </p:cSld>
-  <p:clrMapOvr>
-    <a:masterClrMapping/>
-  </p:clrMapOvr>
-</p:sld>
-</file>
-
-<file path=ppt/slides/slide12.xml><?xml version="1.0" encoding="utf-8"?>
-<p:sld xmlns:a="http://schemas.openxmlformats.org/drawingml/2006/main" xmlns:r="http://schemas.openxmlformats.org/officeDocument/2006/relationships" xmlns:p="http://schemas.openxmlformats.org/presentationml/2006/main">
-  <p:cSld>
-    <p:bg>
-      <p:bgPr>
-        <a:gradFill rotWithShape="1">
-          <a:gsLst>
-            <a:gs pos="0">
-              <a:schemeClr val="bg2">
-                <a:tint val="90000"/>
-                <a:lumMod val="110000"/>
-              </a:schemeClr>
-            </a:gs>
-            <a:gs pos="100000">
-              <a:schemeClr val="bg2">
-                <a:shade val="64000"/>
-                <a:lumMod val="98000"/>
-              </a:schemeClr>
-            </a:gs>
-          </a:gsLst>
-          <a:lin ang="5400000" scaled="0"/>
-        </a:gradFill>
-        <a:effectLst/>
-      </p:bgPr>
-    </p:bg>
-    <p:spTree>
-      <p:nvGrpSpPr>
-        <p:cNvPr id="1" name=""/>
-        <p:cNvGrpSpPr/>
-        <p:nvPr/>
-      </p:nvGrpSpPr>
-      <p:grpSpPr>
-        <a:xfrm>
-          <a:off x="0" y="0"/>
-          <a:ext cx="0" cy="0"/>
-          <a:chOff x="0" y="0"/>
-          <a:chExt cx="0" cy="0"/>
-        </a:xfrm>
-      </p:grpSpPr>
-      <p:sp useBgFill="1">
-        <p:nvSpPr>
-          <p:cNvPr id="14" name="Rectangle 13">
-            <a:extLst>
-              <a:ext uri="{FF2B5EF4-FFF2-40B4-BE49-F238E27FC236}">
-                <a16:creationId xmlns:a16="http://schemas.microsoft.com/office/drawing/2014/main" id="{94C52C56-BEF2-4E22-8C8E-A7AC96B03A72}"/>
-              </a:ext>
-              <a:ext uri="{C183D7F6-B498-43B3-948B-1728B52AA6E4}">
-                <adec:decorative xmlns:adec="http://schemas.microsoft.com/office/drawing/2017/decorative" val="1"/>
-              </a:ext>
-            </a:extLst>
-          </p:cNvPr>
-          <p:cNvSpPr>
-            <a:spLocks noGrp="1" noRot="1" noChangeAspect="1" noMove="1" noResize="1" noEditPoints="1" noAdjustHandles="1" noChangeArrowheads="1" noChangeShapeType="1" noTextEdit="1"/>
-          </p:cNvSpPr>
-          <p:nvPr>
-            <p:extLst>
-              <p:ext uri="{386F3935-93C4-4BCD-93E2-E3B085C9AB24}">
-                <p16:designElem xmlns:p16="http://schemas.microsoft.com/office/powerpoint/2015/main" val="1"/>
-              </p:ext>
-            </p:extLst>
-          </p:nvPr>
-        </p:nvSpPr>
-        <p:spPr>
-          <a:xfrm>
-            <a:off x="0" y="0"/>
-            <a:ext cx="12192000" cy="6858000"/>
-          </a:xfrm>
-          <a:prstGeom prst="rect">
-            <a:avLst/>
-          </a:prstGeom>
-          <a:ln>
-            <a:noFill/>
-          </a:ln>
-        </p:spPr>
-        <p:style>
-          <a:lnRef idx="2">
-            <a:schemeClr val="accent1">
-              <a:shade val="50000"/>
-            </a:schemeClr>
-          </a:lnRef>
-          <a:fillRef idx="1">
-            <a:schemeClr val="accent1"/>
-          </a:fillRef>
-          <a:effectRef idx="0">
-            <a:schemeClr val="accent1"/>
-          </a:effectRef>
-          <a:fontRef idx="minor">
-            <a:schemeClr val="lt1"/>
-          </a:fontRef>
-        </p:style>
-        <p:txBody>
-          <a:bodyPr rtlCol="0" anchor="ctr"/>
-          <a:lstStyle/>
-          <a:p>
-            <a:pPr algn="ctr"/>
-            <a:endParaRPr lang="en-US"/>
-          </a:p>
-        </p:txBody>
-      </p:sp>
-      <p:sp>
-        <p:nvSpPr>
-          <p:cNvPr id="16" name="Freeform: Shape 15">
-            <a:extLst>
-              <a:ext uri="{FF2B5EF4-FFF2-40B4-BE49-F238E27FC236}">
-                <a16:creationId xmlns:a16="http://schemas.microsoft.com/office/drawing/2014/main" id="{42285737-90EE-47DC-AC80-8AE156B11969}"/>
-              </a:ext>
-              <a:ext uri="{C183D7F6-B498-43B3-948B-1728B52AA6E4}">
-                <adec:decorative xmlns:adec="http://schemas.microsoft.com/office/drawing/2017/decorative" val="1"/>
-              </a:ext>
-            </a:extLst>
-          </p:cNvPr>
-          <p:cNvSpPr>
-            <a:spLocks noGrp="1" noRot="1" noChangeAspect="1" noMove="1" noResize="1" noEditPoints="1" noAdjustHandles="1" noChangeArrowheads="1" noChangeShapeType="1" noTextEdit="1"/>
-          </p:cNvSpPr>
-          <p:nvPr>
-            <p:extLst>
-              <p:ext uri="{386F3935-93C4-4BCD-93E2-E3B085C9AB24}">
-                <p16:designElem xmlns:p16="http://schemas.microsoft.com/office/powerpoint/2015/main" val="1"/>
-              </p:ext>
-            </p:extLst>
-          </p:nvPr>
-        </p:nvSpPr>
-        <p:spPr>
-          <a:xfrm flipV="1">
-            <a:off x="-1" y="-1"/>
-            <a:ext cx="4403709" cy="6858001"/>
-          </a:xfrm>
-          <a:custGeom>
-            <a:avLst/>
-            <a:gdLst>
-              <a:gd name="connsiteX0" fmla="*/ 3223890 w 4403709"/>
-              <a:gd name="connsiteY0" fmla="*/ 6858001 h 6858001"/>
-              <a:gd name="connsiteX1" fmla="*/ 4101908 w 4403709"/>
-              <a:gd name="connsiteY1" fmla="*/ 6858001 h 6858001"/>
-              <a:gd name="connsiteX2" fmla="*/ 3254950 w 4403709"/>
-              <a:gd name="connsiteY2" fmla="*/ 1599356 h 6858001"/>
-              <a:gd name="connsiteX3" fmla="*/ 3254950 w 4403709"/>
-              <a:gd name="connsiteY3" fmla="*/ 1594062 h 6858001"/>
-              <a:gd name="connsiteX4" fmla="*/ 4403709 w 4403709"/>
-              <a:gd name="connsiteY4" fmla="*/ 0 h 6858001"/>
-              <a:gd name="connsiteX5" fmla="*/ 3254950 w 4403709"/>
-              <a:gd name="connsiteY5" fmla="*/ 0 h 6858001"/>
-              <a:gd name="connsiteX6" fmla="*/ 2903520 w 4403709"/>
-              <a:gd name="connsiteY6" fmla="*/ 0 h 6858001"/>
-              <a:gd name="connsiteX7" fmla="*/ 0 w 4403709"/>
-              <a:gd name="connsiteY7" fmla="*/ 0 h 6858001"/>
-              <a:gd name="connsiteX8" fmla="*/ 0 w 4403709"/>
-              <a:gd name="connsiteY8" fmla="*/ 6858000 h 6858001"/>
-              <a:gd name="connsiteX9" fmla="*/ 3223890 w 4403709"/>
-              <a:gd name="connsiteY9" fmla="*/ 6858000 h 6858001"/>
-            </a:gdLst>
-            <a:ahLst/>
-            <a:cxnLst>
-              <a:cxn ang="0">
-                <a:pos x="connsiteX0" y="connsiteY0"/>
-              </a:cxn>
-              <a:cxn ang="0">
-                <a:pos x="connsiteX1" y="connsiteY1"/>
-              </a:cxn>
-              <a:cxn ang="0">
-                <a:pos x="connsiteX2" y="connsiteY2"/>
-              </a:cxn>
-              <a:cxn ang="0">
-                <a:pos x="connsiteX3" y="connsiteY3"/>
-              </a:cxn>
-              <a:cxn ang="0">
-                <a:pos x="connsiteX4" y="connsiteY4"/>
-              </a:cxn>
-              <a:cxn ang="0">
-                <a:pos x="connsiteX5" y="connsiteY5"/>
-              </a:cxn>
-              <a:cxn ang="0">
-                <a:pos x="connsiteX6" y="connsiteY6"/>
-              </a:cxn>
-              <a:cxn ang="0">
-                <a:pos x="connsiteX7" y="connsiteY7"/>
-              </a:cxn>
-              <a:cxn ang="0">
-                <a:pos x="connsiteX8" y="connsiteY8"/>
-              </a:cxn>
-              <a:cxn ang="0">
-                <a:pos x="connsiteX9" y="connsiteY9"/>
-              </a:cxn>
-            </a:cxnLst>
-            <a:rect l="l" t="t" r="r" b="b"/>
-            <a:pathLst>
-              <a:path w="4403709" h="6858001">
-                <a:moveTo>
-                  <a:pt x="3223890" y="6858001"/>
-                </a:moveTo>
-                <a:lnTo>
-                  <a:pt x="4101908" y="6858001"/>
-                </a:lnTo>
-                <a:lnTo>
-                  <a:pt x="3254950" y="1599356"/>
-                </a:lnTo>
-                <a:lnTo>
-                  <a:pt x="3254950" y="1594062"/>
-                </a:lnTo>
-                <a:lnTo>
-                  <a:pt x="4403709" y="0"/>
-                </a:lnTo>
-                <a:lnTo>
-                  <a:pt x="3254950" y="0"/>
-                </a:lnTo>
-                <a:lnTo>
-                  <a:pt x="2903520" y="0"/>
-                </a:lnTo>
-                <a:lnTo>
-                  <a:pt x="0" y="0"/>
-                </a:lnTo>
-                <a:lnTo>
-                  <a:pt x="0" y="6858000"/>
-                </a:lnTo>
-                <a:lnTo>
-                  <a:pt x="3223890" y="6858000"/>
-                </a:lnTo>
-                <a:close/>
-              </a:path>
-            </a:pathLst>
-          </a:custGeom>
-          <a:ln>
-            <a:noFill/>
-          </a:ln>
-        </p:spPr>
-        <p:style>
-          <a:lnRef idx="2">
-            <a:schemeClr val="accent1">
-              <a:shade val="50000"/>
-            </a:schemeClr>
-          </a:lnRef>
-          <a:fillRef idx="1002">
-            <a:schemeClr val="dk1"/>
-          </a:fillRef>
-          <a:effectRef idx="0">
-            <a:schemeClr val="accent1"/>
-          </a:effectRef>
-          <a:fontRef idx="minor">
-            <a:schemeClr val="lt1"/>
-          </a:fontRef>
-        </p:style>
-        <p:txBody>
-          <a:bodyPr rtlCol="0" anchor="ctr"/>
-          <a:lstStyle/>
-          <a:p>
-            <a:pPr algn="ctr"/>
-            <a:endParaRPr lang="en-US">
-              <a:solidFill>
-                <a:schemeClr val="tx1"/>
-              </a:solidFill>
-            </a:endParaRPr>
-          </a:p>
-        </p:txBody>
-      </p:sp>
-      <p:grpSp>
-        <p:nvGrpSpPr>
-          <p:cNvPr id="18" name="Group 17">
-            <a:extLst>
-              <a:ext uri="{FF2B5EF4-FFF2-40B4-BE49-F238E27FC236}">
-                <a16:creationId xmlns:a16="http://schemas.microsoft.com/office/drawing/2014/main" id="{B57BDC17-F1B3-455F-BBF1-680AA1F25C06}"/>
-              </a:ext>
-              <a:ext uri="{C183D7F6-B498-43B3-948B-1728B52AA6E4}">
-                <adec:decorative xmlns:adec="http://schemas.microsoft.com/office/drawing/2017/decorative" val="1"/>
-              </a:ext>
-            </a:extLst>
-          </p:cNvPr>
-          <p:cNvGrpSpPr>
-            <a:grpSpLocks noGrp="1" noUngrp="1" noRot="1" noChangeAspect="1" noMove="1" noResize="1"/>
-          </p:cNvGrpSpPr>
-          <p:nvPr>
-            <p:extLst>
-              <p:ext uri="{386F3935-93C4-4BCD-93E2-E3B085C9AB24}">
-                <p16:designElem xmlns:p16="http://schemas.microsoft.com/office/powerpoint/2015/main" val="1"/>
-              </p:ext>
-            </p:extLst>
-          </p:nvPr>
-        </p:nvGrpSpPr>
-        <p:grpSpPr>
-          <a:xfrm>
-            <a:off x="3315292" y="0"/>
-            <a:ext cx="2436813" cy="6858001"/>
-            <a:chOff x="1320800" y="0"/>
-            <a:chExt cx="2436813" cy="6858001"/>
-          </a:xfrm>
-        </p:grpSpPr>
-        <p:sp>
-          <p:nvSpPr>
-            <p:cNvPr id="19" name="Freeform 6">
-              <a:extLst>
-                <a:ext uri="{FF2B5EF4-FFF2-40B4-BE49-F238E27FC236}">
-                  <a16:creationId xmlns:a16="http://schemas.microsoft.com/office/drawing/2014/main" id="{64E2FA9A-FEF7-4501-B0EB-5E45EDD2177A}"/>
-                </a:ext>
-                <a:ext uri="{C183D7F6-B498-43B3-948B-1728B52AA6E4}">
-                  <adec:decorative xmlns:adec="http://schemas.microsoft.com/office/drawing/2017/decorative" val="1"/>
-                </a:ext>
-              </a:extLst>
-            </p:cNvPr>
-            <p:cNvSpPr/>
-            <p:nvPr>
-              <p:extLst>
-                <p:ext uri="{386F3935-93C4-4BCD-93E2-E3B085C9AB24}">
-                  <p16:designElem xmlns:p16="http://schemas.microsoft.com/office/powerpoint/2015/main" val="1"/>
-                </p:ext>
-              </p:extLst>
-            </p:nvPr>
-          </p:nvSpPr>
-          <p:spPr bwMode="auto">
-            <a:xfrm>
-              <a:off x="1627188" y="0"/>
-              <a:ext cx="1122363" cy="5329238"/>
-            </a:xfrm>
-            <a:custGeom>
-              <a:avLst/>
-              <a:gdLst/>
-              <a:ahLst/>
-              <a:cxnLst/>
-              <a:rect l="0" t="0" r="r" b="b"/>
-              <a:pathLst>
-                <a:path w="707" h="3357">
-                  <a:moveTo>
-                    <a:pt x="0" y="3330"/>
-                  </a:moveTo>
-                  <a:lnTo>
-                    <a:pt x="156" y="3357"/>
-                  </a:lnTo>
-                  <a:lnTo>
-                    <a:pt x="707" y="0"/>
-                  </a:lnTo>
-                  <a:lnTo>
-                    <a:pt x="547" y="0"/>
-                  </a:lnTo>
-                  <a:lnTo>
-                    <a:pt x="0" y="3330"/>
-                  </a:lnTo>
-                  <a:close/>
-                </a:path>
-              </a:pathLst>
-            </a:custGeom>
-            <a:solidFill>
-              <a:schemeClr val="accent1"/>
-            </a:solidFill>
-            <a:ln>
-              <a:noFill/>
-            </a:ln>
-          </p:spPr>
-        </p:sp>
-        <p:sp>
-          <p:nvSpPr>
-            <p:cNvPr id="20" name="Freeform 7">
-              <a:extLst>
-                <a:ext uri="{FF2B5EF4-FFF2-40B4-BE49-F238E27FC236}">
-                  <a16:creationId xmlns:a16="http://schemas.microsoft.com/office/drawing/2014/main" id="{BC38192B-B4CB-47D4-A3B1-10010247F158}"/>
-                </a:ext>
-                <a:ext uri="{C183D7F6-B498-43B3-948B-1728B52AA6E4}">
-                  <adec:decorative xmlns:adec="http://schemas.microsoft.com/office/drawing/2017/decorative" val="1"/>
-                </a:ext>
-              </a:extLst>
-            </p:cNvPr>
-            <p:cNvSpPr/>
-            <p:nvPr>
-              <p:extLst>
-                <p:ext uri="{386F3935-93C4-4BCD-93E2-E3B085C9AB24}">
-                  <p16:designElem xmlns:p16="http://schemas.microsoft.com/office/powerpoint/2015/main" val="1"/>
-                </p:ext>
-              </p:extLst>
-            </p:nvPr>
-          </p:nvSpPr>
-          <p:spPr bwMode="auto">
-            <a:xfrm>
-              <a:off x="1320800" y="0"/>
-              <a:ext cx="1117600" cy="5276850"/>
-            </a:xfrm>
-            <a:custGeom>
-              <a:avLst/>
-              <a:gdLst/>
-              <a:ahLst/>
-              <a:cxnLst/>
-              <a:rect l="0" t="0" r="r" b="b"/>
-              <a:pathLst>
-                <a:path w="704" h="3324">
-                  <a:moveTo>
-                    <a:pt x="704" y="0"/>
-                  </a:moveTo>
-                  <a:lnTo>
-                    <a:pt x="545" y="0"/>
-                  </a:lnTo>
-                  <a:lnTo>
-                    <a:pt x="0" y="3300"/>
-                  </a:lnTo>
-                  <a:lnTo>
-                    <a:pt x="157" y="3324"/>
-                  </a:lnTo>
-                  <a:lnTo>
-                    <a:pt x="704" y="0"/>
-                  </a:lnTo>
-                  <a:close/>
-                </a:path>
-              </a:pathLst>
-            </a:custGeom>
-            <a:solidFill>
-              <a:schemeClr val="tx1">
-                <a:lumMod val="65000"/>
-                <a:lumOff val="35000"/>
-              </a:schemeClr>
-            </a:solidFill>
-            <a:ln>
-              <a:noFill/>
-            </a:ln>
-          </p:spPr>
-        </p:sp>
-        <p:sp>
-          <p:nvSpPr>
-            <p:cNvPr id="21" name="Freeform 8">
-              <a:extLst>
-                <a:ext uri="{FF2B5EF4-FFF2-40B4-BE49-F238E27FC236}">
-                  <a16:creationId xmlns:a16="http://schemas.microsoft.com/office/drawing/2014/main" id="{96330E33-E171-4B0F-82B5-AF7230399B5C}"/>
-                </a:ext>
-                <a:ext uri="{C183D7F6-B498-43B3-948B-1728B52AA6E4}">
-                  <adec:decorative xmlns:adec="http://schemas.microsoft.com/office/drawing/2017/decorative" val="1"/>
-                </a:ext>
-              </a:extLst>
-            </p:cNvPr>
-            <p:cNvSpPr/>
-            <p:nvPr>
-              <p:extLst>
-                <p:ext uri="{386F3935-93C4-4BCD-93E2-E3B085C9AB24}">
-                  <p16:designElem xmlns:p16="http://schemas.microsoft.com/office/powerpoint/2015/main" val="1"/>
-                </p:ext>
-              </p:extLst>
-            </p:nvPr>
-          </p:nvSpPr>
-          <p:spPr bwMode="auto">
-            <a:xfrm>
-              <a:off x="1320800" y="5238750"/>
-              <a:ext cx="1228725" cy="1619250"/>
-            </a:xfrm>
-            <a:custGeom>
-              <a:avLst/>
-              <a:gdLst/>
-              <a:ahLst/>
-              <a:cxnLst/>
-              <a:rect l="0" t="0" r="r" b="b"/>
-              <a:pathLst>
-                <a:path w="774" h="1020">
-                  <a:moveTo>
-                    <a:pt x="0" y="0"/>
-                  </a:moveTo>
-                  <a:lnTo>
-                    <a:pt x="740" y="1020"/>
-                  </a:lnTo>
-                  <a:lnTo>
-                    <a:pt x="774" y="1020"/>
-                  </a:lnTo>
-                  <a:lnTo>
-                    <a:pt x="0" y="0"/>
-                  </a:lnTo>
-                  <a:close/>
-                </a:path>
-              </a:pathLst>
-            </a:custGeom>
-            <a:solidFill>
-              <a:schemeClr val="tx1">
-                <a:lumMod val="85000"/>
-                <a:lumOff val="15000"/>
-              </a:schemeClr>
-            </a:solidFill>
-            <a:ln>
-              <a:noFill/>
-            </a:ln>
-          </p:spPr>
-        </p:sp>
-        <p:sp>
-          <p:nvSpPr>
-            <p:cNvPr id="22" name="Freeform 9">
-              <a:extLst>
-                <a:ext uri="{FF2B5EF4-FFF2-40B4-BE49-F238E27FC236}">
-                  <a16:creationId xmlns:a16="http://schemas.microsoft.com/office/drawing/2014/main" id="{332B1723-69BF-42D7-B757-0FA059E15256}"/>
-                </a:ext>
-                <a:ext uri="{C183D7F6-B498-43B3-948B-1728B52AA6E4}">
-                  <adec:decorative xmlns:adec="http://schemas.microsoft.com/office/drawing/2017/decorative" val="1"/>
-                </a:ext>
-              </a:extLst>
-            </p:cNvPr>
-            <p:cNvSpPr/>
-            <p:nvPr>
-              <p:extLst>
-                <p:ext uri="{386F3935-93C4-4BCD-93E2-E3B085C9AB24}">
-                  <p16:designElem xmlns:p16="http://schemas.microsoft.com/office/powerpoint/2015/main" val="1"/>
-                </p:ext>
-              </p:extLst>
-            </p:nvPr>
-          </p:nvSpPr>
-          <p:spPr bwMode="auto">
-            <a:xfrm>
-              <a:off x="1627188" y="5291138"/>
-              <a:ext cx="1495425" cy="1566863"/>
-            </a:xfrm>
-            <a:custGeom>
-              <a:avLst/>
-              <a:gdLst/>
-              <a:ahLst/>
-              <a:cxnLst/>
-              <a:rect l="0" t="0" r="r" b="b"/>
-              <a:pathLst>
-                <a:path w="942" h="987">
-                  <a:moveTo>
-                    <a:pt x="0" y="0"/>
-                  </a:moveTo>
-                  <a:lnTo>
-                    <a:pt x="909" y="987"/>
-                  </a:lnTo>
-                  <a:lnTo>
-                    <a:pt x="942" y="987"/>
-                  </a:lnTo>
-                  <a:lnTo>
-                    <a:pt x="0" y="0"/>
-                  </a:lnTo>
-                  <a:close/>
-                </a:path>
-              </a:pathLst>
-            </a:custGeom>
-            <a:solidFill>
-              <a:schemeClr val="accent1">
-                <a:lumMod val="50000"/>
-              </a:schemeClr>
-            </a:solidFill>
-            <a:ln>
-              <a:noFill/>
-            </a:ln>
-          </p:spPr>
-        </p:sp>
-        <p:sp>
-          <p:nvSpPr>
-            <p:cNvPr id="23" name="Freeform 10">
-              <a:extLst>
-                <a:ext uri="{FF2B5EF4-FFF2-40B4-BE49-F238E27FC236}">
-                  <a16:creationId xmlns:a16="http://schemas.microsoft.com/office/drawing/2014/main" id="{F115D62D-1E96-48D1-A78D-D370A0BFB9B5}"/>
-                </a:ext>
-                <a:ext uri="{C183D7F6-B498-43B3-948B-1728B52AA6E4}">
-                  <adec:decorative xmlns:adec="http://schemas.microsoft.com/office/drawing/2017/decorative" val="1"/>
-                </a:ext>
-              </a:extLst>
-            </p:cNvPr>
-            <p:cNvSpPr/>
-            <p:nvPr>
-              <p:extLst>
-                <p:ext uri="{386F3935-93C4-4BCD-93E2-E3B085C9AB24}">
-                  <p16:designElem xmlns:p16="http://schemas.microsoft.com/office/powerpoint/2015/main" val="1"/>
-                </p:ext>
-              </p:extLst>
-            </p:nvPr>
-          </p:nvSpPr>
-          <p:spPr bwMode="auto">
-            <a:xfrm>
-              <a:off x="1627188" y="5286375"/>
-              <a:ext cx="2130425" cy="1571625"/>
-            </a:xfrm>
-            <a:custGeom>
-              <a:avLst/>
-              <a:gdLst/>
-              <a:ahLst/>
-              <a:cxnLst/>
-              <a:rect l="0" t="0" r="r" b="b"/>
-              <a:pathLst>
-                <a:path w="1342" h="990">
-                  <a:moveTo>
-                    <a:pt x="0" y="3"/>
-                  </a:moveTo>
-                  <a:lnTo>
-                    <a:pt x="942" y="990"/>
-                  </a:lnTo>
-                  <a:lnTo>
-                    <a:pt x="1342" y="990"/>
-                  </a:lnTo>
-                  <a:lnTo>
-                    <a:pt x="156" y="27"/>
-                  </a:lnTo>
-                  <a:lnTo>
-                    <a:pt x="0" y="0"/>
-                  </a:lnTo>
-                  <a:lnTo>
-                    <a:pt x="0" y="3"/>
-                  </a:lnTo>
-                  <a:close/>
-                </a:path>
-              </a:pathLst>
-            </a:custGeom>
-            <a:solidFill>
-              <a:schemeClr val="accent1">
-                <a:lumMod val="75000"/>
-              </a:schemeClr>
-            </a:solidFill>
-            <a:ln>
-              <a:noFill/>
-            </a:ln>
-          </p:spPr>
-        </p:sp>
-        <p:sp>
-          <p:nvSpPr>
-            <p:cNvPr id="24" name="Freeform 11">
-              <a:extLst>
-                <a:ext uri="{FF2B5EF4-FFF2-40B4-BE49-F238E27FC236}">
-                  <a16:creationId xmlns:a16="http://schemas.microsoft.com/office/drawing/2014/main" id="{91C2876A-169D-4822-A766-C00578C88B4B}"/>
-                </a:ext>
-                <a:ext uri="{C183D7F6-B498-43B3-948B-1728B52AA6E4}">
-                  <adec:decorative xmlns:adec="http://schemas.microsoft.com/office/drawing/2017/decorative" val="1"/>
-                </a:ext>
-              </a:extLst>
-            </p:cNvPr>
-            <p:cNvSpPr/>
-            <p:nvPr>
-              <p:extLst>
-                <p:ext uri="{386F3935-93C4-4BCD-93E2-E3B085C9AB24}">
-                  <p16:designElem xmlns:p16="http://schemas.microsoft.com/office/powerpoint/2015/main" val="1"/>
-                </p:ext>
-              </p:extLst>
-            </p:nvPr>
-          </p:nvSpPr>
-          <p:spPr bwMode="auto">
-            <a:xfrm>
-              <a:off x="1320800" y="5238750"/>
-              <a:ext cx="1695450" cy="1619250"/>
-            </a:xfrm>
-            <a:custGeom>
-              <a:avLst/>
-              <a:gdLst/>
-              <a:ahLst/>
-              <a:cxnLst/>
-              <a:rect l="0" t="0" r="r" b="b"/>
-              <a:pathLst>
-                <a:path w="1068" h="1020">
-                  <a:moveTo>
-                    <a:pt x="1068" y="1020"/>
-                  </a:moveTo>
-                  <a:lnTo>
-                    <a:pt x="184" y="60"/>
-                  </a:lnTo>
-                  <a:lnTo>
-                    <a:pt x="154" y="27"/>
-                  </a:lnTo>
-                  <a:lnTo>
-                    <a:pt x="157" y="27"/>
-                  </a:lnTo>
-                  <a:lnTo>
-                    <a:pt x="157" y="24"/>
-                  </a:lnTo>
-                  <a:lnTo>
-                    <a:pt x="154" y="24"/>
-                  </a:lnTo>
-                  <a:lnTo>
-                    <a:pt x="0" y="0"/>
-                  </a:lnTo>
-                  <a:lnTo>
-                    <a:pt x="0" y="0"/>
-                  </a:lnTo>
-                  <a:lnTo>
-                    <a:pt x="774" y="1020"/>
-                  </a:lnTo>
-                  <a:lnTo>
-                    <a:pt x="1068" y="1020"/>
-                  </a:lnTo>
-                  <a:close/>
-                </a:path>
-              </a:pathLst>
-            </a:custGeom>
-            <a:solidFill>
-              <a:schemeClr val="tx1">
-                <a:lumMod val="75000"/>
-                <a:lumOff val="25000"/>
-              </a:schemeClr>
-            </a:solidFill>
-            <a:ln>
-              <a:noFill/>
-            </a:ln>
-          </p:spPr>
-        </p:sp>
-      </p:grpSp>
-      <p:graphicFrame>
-        <p:nvGraphicFramePr>
-          <p:cNvPr id="10" name="TextBox 7">
-            <a:extLst>
-              <a:ext uri="{FF2B5EF4-FFF2-40B4-BE49-F238E27FC236}">
-                <a16:creationId xmlns:a16="http://schemas.microsoft.com/office/drawing/2014/main" id="{F8DC1CB6-E65A-41FF-856A-33A303C1214F}"/>
-              </a:ext>
-            </a:extLst>
-          </p:cNvPr>
-          <p:cNvGraphicFramePr/>
-          <p:nvPr>
-            <p:extLst>
-              <p:ext uri="{D42A27DB-BD31-4B8C-83A1-F6EECF244321}">
-                <p14:modId xmlns:p14="http://schemas.microsoft.com/office/powerpoint/2010/main" val="3739860108"/>
-              </p:ext>
-            </p:extLst>
-          </p:nvPr>
-        </p:nvGraphicFramePr>
-        <p:xfrm>
-          <a:off x="5010150" y="685800"/>
-          <a:ext cx="6492875" cy="5105400"/>
-        </p:xfrm>
-        <a:graphic>
-          <a:graphicData uri="http://schemas.openxmlformats.org/drawingml/2006/diagram">
-            <dgm:relIds xmlns:dgm="http://schemas.openxmlformats.org/drawingml/2006/diagram" xmlns:r="http://schemas.openxmlformats.org/officeDocument/2006/relationships" r:dm="rId2" r:lo="rId3" r:qs="rId4" r:cs="rId5"/>
-          </a:graphicData>
-        </a:graphic>
-      </p:graphicFrame>
-    </p:spTree>
-  </p:cSld>
-  <p:clrMapOvr>
-    <a:overrideClrMapping bg1="lt1" tx1="dk1" bg2="lt2" tx2="dk2" accent1="accent1" accent2="accent2" accent3="accent3" accent4="accent4" accent5="accent5" accent6="accent6" hlink="hlink" folHlink="folHlink"/>
-  </p:clrMapOvr>
-</p:sld>
-</file>
-
-<file path=ppt/slides/slide13.xml><?xml version="1.0" encoding="utf-8"?>
-<p:sld xmlns:a="http://schemas.openxmlformats.org/drawingml/2006/main" xmlns:r="http://schemas.openxmlformats.org/officeDocument/2006/relationships" xmlns:p="http://schemas.openxmlformats.org/presentationml/2006/main">
-  <p:cSld>
-    <p:spTree>
-      <p:nvGrpSpPr>
-        <p:cNvPr id="1" name=""/>
-        <p:cNvGrpSpPr/>
-        <p:nvPr/>
-      </p:nvGrpSpPr>
-      <p:grpSpPr>
-        <a:xfrm>
-          <a:off x="0" y="0"/>
-          <a:ext cx="0" cy="0"/>
-          <a:chOff x="0" y="0"/>
-          <a:chExt cx="0" cy="0"/>
-        </a:xfrm>
-      </p:grpSpPr>
-      <p:sp>
-        <p:nvSpPr>
           <p:cNvPr id="8" name="Rectangle 7"/>
           <p:cNvSpPr/>
           <p:nvPr/>
@@ -13739,7 +9694,7 @@
 </p:sld>
 </file>
 
-<file path=ppt/slides/slide14.xml><?xml version="1.0" encoding="utf-8"?>
+<file path=ppt/slides/slide12.xml><?xml version="1.0" encoding="utf-8"?>
 <p:sld xmlns:a="http://schemas.openxmlformats.org/drawingml/2006/main" xmlns:r="http://schemas.openxmlformats.org/officeDocument/2006/relationships" xmlns:p="http://schemas.openxmlformats.org/presentationml/2006/main">
   <p:cSld>
     <p:spTree>
@@ -13829,7 +9784,7 @@
 </p:sld>
 </file>
 
-<file path=ppt/slides/slide15.xml><?xml version="1.0" encoding="utf-8"?>
+<file path=ppt/slides/slide13.xml><?xml version="1.0" encoding="utf-8"?>
 <p:sld xmlns:a="http://schemas.openxmlformats.org/drawingml/2006/main" xmlns:r="http://schemas.openxmlformats.org/officeDocument/2006/relationships" xmlns:p="http://schemas.openxmlformats.org/presentationml/2006/main">
   <p:cSld>
     <p:spTree>
@@ -13919,7 +9874,7 @@
 </p:sld>
 </file>
 
-<file path=ppt/slides/slide16.xml><?xml version="1.0" encoding="utf-8"?>
+<file path=ppt/slides/slide14.xml><?xml version="1.0" encoding="utf-8"?>
 <p:sld xmlns:a="http://schemas.openxmlformats.org/drawingml/2006/main" xmlns:r="http://schemas.openxmlformats.org/officeDocument/2006/relationships" xmlns:p="http://schemas.openxmlformats.org/presentationml/2006/main">
   <p:cSld>
     <p:spTree>
@@ -13945,7 +9900,7 @@
         <p:spPr>
           <a:xfrm>
             <a:off x="2511188" y="2415652"/>
-            <a:ext cx="7569273" cy="2554545"/>
+            <a:ext cx="7569273" cy="1323439"/>
           </a:xfrm>
           <a:prstGeom prst="rect">
             <a:avLst/>
@@ -13960,7 +9915,7 @@
           <a:p>
             <a:pPr algn="ctr"/>
             <a:r>
-              <a:rPr lang="fr-FR" sz="8000" b="1" cap="all" dirty="0">
+              <a:rPr lang="fr-FR" sz="8000" b="1" cap="all" dirty="0" err="1">
                 <a:ln w="9000" cmpd="sng">
                   <a:solidFill>
                     <a:schemeClr val="accent4">
@@ -14002,97 +9957,7 @@
                   <a:reflection blurRad="12700" stA="28000" endPos="45000" dist="1000" dir="5400000" sy="-100000" algn="bl" rotWithShape="0"/>
                 </a:effectLst>
               </a:rPr>
-              <a:t>VOPS</a:t>
-            </a:r>
-            <a:r>
-              <a:rPr lang="fr-FR" sz="8000" b="1" cap="all" spc="0" dirty="0">
-                <a:ln w="9000" cmpd="sng">
-                  <a:solidFill>
-                    <a:schemeClr val="accent4">
-                      <a:shade val="50000"/>
-                      <a:satMod val="120000"/>
-                    </a:schemeClr>
-                  </a:solidFill>
-                  <a:prstDash val="solid"/>
-                </a:ln>
-                <a:gradFill>
-                  <a:gsLst>
-                    <a:gs pos="0">
-                      <a:schemeClr val="accent4">
-                        <a:shade val="20000"/>
-                        <a:satMod val="245000"/>
-                      </a:schemeClr>
-                    </a:gs>
-                    <a:gs pos="43000">
-                      <a:schemeClr val="accent4">
-                        <a:satMod val="255000"/>
-                      </a:schemeClr>
-                    </a:gs>
-                    <a:gs pos="48000">
-                      <a:schemeClr val="accent4">
-                        <a:shade val="85000"/>
-                        <a:satMod val="255000"/>
-                      </a:schemeClr>
-                    </a:gs>
-                    <a:gs pos="100000">
-                      <a:schemeClr val="accent4">
-                        <a:shade val="20000"/>
-                        <a:satMod val="245000"/>
-                      </a:schemeClr>
-                    </a:gs>
-                  </a:gsLst>
-                  <a:lin ang="5400000"/>
-                </a:gradFill>
-                <a:effectLst>
-                  <a:reflection blurRad="12700" stA="28000" endPos="45000" dist="1000" dir="5400000" sy="-100000" algn="bl" rotWithShape="0"/>
-                </a:effectLst>
-              </a:rPr>
-              <a:t> </a:t>
-            </a:r>
-            <a:r>
-              <a:rPr lang="fr-FR" sz="8000" b="1" cap="all" spc="0" dirty="0" err="1">
-                <a:ln w="9000" cmpd="sng">
-                  <a:solidFill>
-                    <a:schemeClr val="accent4">
-                      <a:shade val="50000"/>
-                      <a:satMod val="120000"/>
-                    </a:schemeClr>
-                  </a:solidFill>
-                  <a:prstDash val="solid"/>
-                </a:ln>
-                <a:gradFill>
-                  <a:gsLst>
-                    <a:gs pos="0">
-                      <a:schemeClr val="accent4">
-                        <a:shade val="20000"/>
-                        <a:satMod val="245000"/>
-                      </a:schemeClr>
-                    </a:gs>
-                    <a:gs pos="43000">
-                      <a:schemeClr val="accent4">
-                        <a:satMod val="255000"/>
-                      </a:schemeClr>
-                    </a:gs>
-                    <a:gs pos="48000">
-                      <a:schemeClr val="accent4">
-                        <a:shade val="85000"/>
-                        <a:satMod val="255000"/>
-                      </a:schemeClr>
-                    </a:gs>
-                    <a:gs pos="100000">
-                      <a:schemeClr val="accent4">
-                        <a:shade val="20000"/>
-                        <a:satMod val="245000"/>
-                      </a:schemeClr>
-                    </a:gs>
-                  </a:gsLst>
-                  <a:lin ang="5400000"/>
-                </a:gradFill>
-                <a:effectLst>
-                  <a:reflection blurRad="12700" stA="28000" endPos="45000" dist="1000" dir="5400000" sy="-100000" algn="bl" rotWithShape="0"/>
-                </a:effectLst>
-              </a:rPr>
-              <a:t>Diagrams</a:t>
+              <a:t>Demo</a:t>
             </a:r>
             <a:endParaRPr lang="fr-FR" sz="8000" b="1" cap="all" spc="0" dirty="0">
               <a:ln w="9000" cmpd="sng">
@@ -14142,7 +10007,7 @@
     </p:spTree>
     <p:extLst>
       <p:ext uri="{BB962C8B-B14F-4D97-AF65-F5344CB8AC3E}">
-        <p14:creationId xmlns:p14="http://schemas.microsoft.com/office/powerpoint/2010/main" val="2724177992"/>
+        <p14:creationId xmlns:p14="http://schemas.microsoft.com/office/powerpoint/2010/main" val="1387714057"/>
       </p:ext>
     </p:extLst>
   </p:cSld>
@@ -14152,187 +10017,7 @@
 </p:sld>
 </file>
 
-<file path=ppt/slides/slide17.xml><?xml version="1.0" encoding="utf-8"?>
-<p:sld xmlns:a="http://schemas.openxmlformats.org/drawingml/2006/main" xmlns:r="http://schemas.openxmlformats.org/officeDocument/2006/relationships" xmlns:p="http://schemas.openxmlformats.org/presentationml/2006/main">
-  <p:cSld>
-    <p:spTree>
-      <p:nvGrpSpPr>
-        <p:cNvPr id="1" name=""/>
-        <p:cNvGrpSpPr/>
-        <p:nvPr/>
-      </p:nvGrpSpPr>
-      <p:grpSpPr>
-        <a:xfrm>
-          <a:off x="0" y="0"/>
-          <a:ext cx="0" cy="0"/>
-          <a:chOff x="0" y="0"/>
-          <a:chExt cx="0" cy="0"/>
-        </a:xfrm>
-      </p:grpSpPr>
-      <p:sp>
-        <p:nvSpPr>
-          <p:cNvPr id="2" name="Title 1">
-            <a:extLst>
-              <a:ext uri="{FF2B5EF4-FFF2-40B4-BE49-F238E27FC236}">
-                <a16:creationId xmlns:a16="http://schemas.microsoft.com/office/drawing/2014/main" id="{A8A789DD-AB1F-4577-83AE-77E03D3F22FD}"/>
-              </a:ext>
-            </a:extLst>
-          </p:cNvPr>
-          <p:cNvSpPr>
-            <a:spLocks noGrp="1"/>
-          </p:cNvSpPr>
-          <p:nvPr>
-            <p:ph type="title"/>
-          </p:nvPr>
-        </p:nvSpPr>
-        <p:spPr/>
-        <p:txBody>
-          <a:bodyPr/>
-          <a:lstStyle/>
-          <a:p>
-            <a:endParaRPr lang="en-US"/>
-          </a:p>
-        </p:txBody>
-      </p:sp>
-      <p:pic>
-        <p:nvPicPr>
-          <p:cNvPr id="5" name="Content Placeholder 4">
-            <a:extLst>
-              <a:ext uri="{FF2B5EF4-FFF2-40B4-BE49-F238E27FC236}">
-                <a16:creationId xmlns:a16="http://schemas.microsoft.com/office/drawing/2014/main" id="{DC5E276D-1C2F-40B7-A0C9-89FCFDEF0CF4}"/>
-              </a:ext>
-            </a:extLst>
-          </p:cNvPr>
-          <p:cNvPicPr>
-            <a:picLocks noGrp="1" noChangeAspect="1"/>
-          </p:cNvPicPr>
-          <p:nvPr>
-            <p:ph idx="1"/>
-          </p:nvPr>
-        </p:nvPicPr>
-        <p:blipFill>
-          <a:blip r:embed="rId2">
-            <a:extLst>
-              <a:ext uri="{28A0092B-C50C-407E-A947-70E740481C1C}">
-                <a14:useLocalDpi xmlns:a14="http://schemas.microsoft.com/office/drawing/2010/main" val="0"/>
-              </a:ext>
-            </a:extLst>
-          </a:blip>
-          <a:stretch>
-            <a:fillRect/>
-          </a:stretch>
-        </p:blipFill>
-        <p:spPr>
-          <a:xfrm>
-            <a:off x="-1" y="-2"/>
-            <a:ext cx="12249379" cy="6858001"/>
-          </a:xfrm>
-        </p:spPr>
-      </p:pic>
-    </p:spTree>
-    <p:extLst>
-      <p:ext uri="{BB962C8B-B14F-4D97-AF65-F5344CB8AC3E}">
-        <p14:creationId xmlns:p14="http://schemas.microsoft.com/office/powerpoint/2010/main" val="1887631949"/>
-      </p:ext>
-    </p:extLst>
-  </p:cSld>
-  <p:clrMapOvr>
-    <a:masterClrMapping/>
-  </p:clrMapOvr>
-</p:sld>
-</file>
-
-<file path=ppt/slides/slide18.xml><?xml version="1.0" encoding="utf-8"?>
-<p:sld xmlns:a="http://schemas.openxmlformats.org/drawingml/2006/main" xmlns:r="http://schemas.openxmlformats.org/officeDocument/2006/relationships" xmlns:p="http://schemas.openxmlformats.org/presentationml/2006/main">
-  <p:cSld>
-    <p:spTree>
-      <p:nvGrpSpPr>
-        <p:cNvPr id="1" name=""/>
-        <p:cNvGrpSpPr/>
-        <p:nvPr/>
-      </p:nvGrpSpPr>
-      <p:grpSpPr>
-        <a:xfrm>
-          <a:off x="0" y="0"/>
-          <a:ext cx="0" cy="0"/>
-          <a:chOff x="0" y="0"/>
-          <a:chExt cx="0" cy="0"/>
-        </a:xfrm>
-      </p:grpSpPr>
-      <p:sp>
-        <p:nvSpPr>
-          <p:cNvPr id="2" name="Title 1">
-            <a:extLst>
-              <a:ext uri="{FF2B5EF4-FFF2-40B4-BE49-F238E27FC236}">
-                <a16:creationId xmlns:a16="http://schemas.microsoft.com/office/drawing/2014/main" id="{53035937-BD90-4F52-9CC8-11FC3508FDE8}"/>
-              </a:ext>
-            </a:extLst>
-          </p:cNvPr>
-          <p:cNvSpPr>
-            <a:spLocks noGrp="1"/>
-          </p:cNvSpPr>
-          <p:nvPr>
-            <p:ph type="title"/>
-          </p:nvPr>
-        </p:nvSpPr>
-        <p:spPr/>
-        <p:txBody>
-          <a:bodyPr/>
-          <a:lstStyle/>
-          <a:p>
-            <a:endParaRPr lang="en-US"/>
-          </a:p>
-        </p:txBody>
-      </p:sp>
-      <p:pic>
-        <p:nvPicPr>
-          <p:cNvPr id="5" name="Content Placeholder 4">
-            <a:extLst>
-              <a:ext uri="{FF2B5EF4-FFF2-40B4-BE49-F238E27FC236}">
-                <a16:creationId xmlns:a16="http://schemas.microsoft.com/office/drawing/2014/main" id="{33B30EFA-73FE-4400-9D8A-D0AD347854CB}"/>
-              </a:ext>
-            </a:extLst>
-          </p:cNvPr>
-          <p:cNvPicPr>
-            <a:picLocks noGrp="1" noChangeAspect="1"/>
-          </p:cNvPicPr>
-          <p:nvPr>
-            <p:ph idx="1"/>
-          </p:nvPr>
-        </p:nvPicPr>
-        <p:blipFill>
-          <a:blip r:embed="rId2">
-            <a:extLst>
-              <a:ext uri="{28A0092B-C50C-407E-A947-70E740481C1C}">
-                <a14:useLocalDpi xmlns:a14="http://schemas.microsoft.com/office/drawing/2010/main" val="0"/>
-              </a:ext>
-            </a:extLst>
-          </a:blip>
-          <a:stretch>
-            <a:fillRect/>
-          </a:stretch>
-        </p:blipFill>
-        <p:spPr>
-          <a:xfrm>
-            <a:off x="0" y="0"/>
-            <a:ext cx="12192000" cy="6862419"/>
-          </a:xfrm>
-        </p:spPr>
-      </p:pic>
-    </p:spTree>
-    <p:extLst>
-      <p:ext uri="{BB962C8B-B14F-4D97-AF65-F5344CB8AC3E}">
-        <p14:creationId xmlns:p14="http://schemas.microsoft.com/office/powerpoint/2010/main" val="3901598387"/>
-      </p:ext>
-    </p:extLst>
-  </p:cSld>
-  <p:clrMapOvr>
-    <a:masterClrMapping/>
-  </p:clrMapOvr>
-</p:sld>
-</file>
-
-<file path=ppt/slides/slide19.xml><?xml version="1.0" encoding="utf-8"?>
+<file path=ppt/slides/slide15.xml><?xml version="1.0" encoding="utf-8"?>
 <p:sld xmlns:a="http://schemas.openxmlformats.org/drawingml/2006/main" xmlns:r="http://schemas.openxmlformats.org/officeDocument/2006/relationships" xmlns:p="http://schemas.openxmlformats.org/presentationml/2006/main">
   <p:cSld>
     <p:bg>
@@ -14372,10 +10057,10 @@
       </p:grpSpPr>
       <p:grpSp>
         <p:nvGrpSpPr>
-          <p:cNvPr id="23" name="Group 22">
+          <p:cNvPr id="10" name="Group 9">
             <a:extLst>
               <a:ext uri="{FF2B5EF4-FFF2-40B4-BE49-F238E27FC236}">
-                <a16:creationId xmlns:a16="http://schemas.microsoft.com/office/drawing/2014/main" id="{56C5F458-F0B9-4584-B7A3-BA39F9E9FC93}"/>
+                <a16:creationId xmlns:a16="http://schemas.microsoft.com/office/drawing/2014/main" id="{6ADA8EC3-01C5-453C-91A6-D01B9E15BF0B}"/>
               </a:ext>
               <a:ext uri="{C183D7F6-B498-43B3-948B-1728B52AA6E4}">
                 <adec:decorative xmlns:adec="http://schemas.microsoft.com/office/drawing/2017/decorative" val="1"/>
@@ -14395,18 +10080,18 @@
         </p:nvGrpSpPr>
         <p:grpSpPr>
           <a:xfrm>
-            <a:off x="546100" y="-4763"/>
-            <a:ext cx="5014912" cy="6862763"/>
-            <a:chOff x="2928938" y="-4763"/>
-            <a:chExt cx="5014912" cy="6862763"/>
+            <a:off x="150812" y="0"/>
+            <a:ext cx="2436813" cy="6858001"/>
+            <a:chOff x="1320800" y="0"/>
+            <a:chExt cx="2436813" cy="6858001"/>
           </a:xfrm>
         </p:grpSpPr>
         <p:sp>
           <p:nvSpPr>
-            <p:cNvPr id="24" name="Freeform 6">
+            <p:cNvPr id="11" name="Freeform 6">
               <a:extLst>
                 <a:ext uri="{FF2B5EF4-FFF2-40B4-BE49-F238E27FC236}">
-                  <a16:creationId xmlns:a16="http://schemas.microsoft.com/office/drawing/2014/main" id="{EF5CE756-E024-433C-98E3-931095C812C9}"/>
+                  <a16:creationId xmlns:a16="http://schemas.microsoft.com/office/drawing/2014/main" id="{9A1D7546-68ED-4F66-AA8D-D04BEAD39382}"/>
                 </a:ext>
                 <a:ext uri="{C183D7F6-B498-43B3-948B-1728B52AA6E4}">
                   <adec:decorative xmlns:adec="http://schemas.microsoft.com/office/drawing/2017/decorative" val="1"/>
@@ -14424,8 +10109,8 @@
           </p:nvSpPr>
           <p:spPr bwMode="auto">
             <a:xfrm>
-              <a:off x="3367088" y="-4763"/>
-              <a:ext cx="1063625" cy="2782888"/>
+              <a:off x="1627188" y="0"/>
+              <a:ext cx="1122363" cy="5329238"/>
             </a:xfrm>
             <a:custGeom>
               <a:avLst/>
@@ -14434,21 +10119,21 @@
               <a:cxnLst/>
               <a:rect l="0" t="0" r="r" b="b"/>
               <a:pathLst>
-                <a:path w="670" h="1753">
+                <a:path w="707" h="3357">
                   <a:moveTo>
-                    <a:pt x="0" y="1696"/>
+                    <a:pt x="0" y="3330"/>
                   </a:moveTo>
                   <a:lnTo>
-                    <a:pt x="225" y="1753"/>
-                  </a:lnTo>
-                  <a:lnTo>
-                    <a:pt x="670" y="0"/>
-                  </a:lnTo>
-                  <a:lnTo>
-                    <a:pt x="430" y="0"/>
-                  </a:lnTo>
-                  <a:lnTo>
-                    <a:pt x="0" y="1696"/>
+                    <a:pt x="156" y="3357"/>
+                  </a:lnTo>
+                  <a:lnTo>
+                    <a:pt x="707" y="0"/>
+                  </a:lnTo>
+                  <a:lnTo>
+                    <a:pt x="547" y="0"/>
+                  </a:lnTo>
+                  <a:lnTo>
+                    <a:pt x="0" y="3330"/>
                   </a:lnTo>
                   <a:close/>
                 </a:path>
@@ -14464,10 +10149,10 @@
         </p:sp>
         <p:sp>
           <p:nvSpPr>
-            <p:cNvPr id="25" name="Freeform 7">
+            <p:cNvPr id="12" name="Freeform 7">
               <a:extLst>
                 <a:ext uri="{FF2B5EF4-FFF2-40B4-BE49-F238E27FC236}">
-                  <a16:creationId xmlns:a16="http://schemas.microsoft.com/office/drawing/2014/main" id="{0B4D7F81-EC0F-4E8E-8D3F-BCBF50359719}"/>
+                  <a16:creationId xmlns:a16="http://schemas.microsoft.com/office/drawing/2014/main" id="{FCFE8A66-699D-4E05-B8FC-C31AE461D68A}"/>
                 </a:ext>
                 <a:ext uri="{C183D7F6-B498-43B3-948B-1728B52AA6E4}">
                   <adec:decorative xmlns:adec="http://schemas.microsoft.com/office/drawing/2017/decorative" val="1"/>
@@ -14485,8 +10170,8 @@
           </p:nvSpPr>
           <p:spPr bwMode="auto">
             <a:xfrm>
-              <a:off x="2928938" y="-4763"/>
-              <a:ext cx="1035050" cy="2673350"/>
+              <a:off x="1320800" y="0"/>
+              <a:ext cx="1117600" cy="5276850"/>
             </a:xfrm>
             <a:custGeom>
               <a:avLst/>
@@ -14495,24 +10180,21 @@
               <a:cxnLst/>
               <a:rect l="0" t="0" r="r" b="b"/>
               <a:pathLst>
-                <a:path w="652" h="1684">
+                <a:path w="704" h="3324">
                   <a:moveTo>
-                    <a:pt x="225" y="1684"/>
+                    <a:pt x="704" y="0"/>
                   </a:moveTo>
                   <a:lnTo>
-                    <a:pt x="652" y="0"/>
-                  </a:lnTo>
-                  <a:lnTo>
-                    <a:pt x="411" y="0"/>
-                  </a:lnTo>
-                  <a:lnTo>
-                    <a:pt x="0" y="1627"/>
-                  </a:lnTo>
-                  <a:lnTo>
-                    <a:pt x="219" y="1681"/>
-                  </a:lnTo>
-                  <a:lnTo>
-                    <a:pt x="225" y="1684"/>
+                    <a:pt x="545" y="0"/>
+                  </a:lnTo>
+                  <a:lnTo>
+                    <a:pt x="0" y="3300"/>
+                  </a:lnTo>
+                  <a:lnTo>
+                    <a:pt x="157" y="3324"/>
+                  </a:lnTo>
+                  <a:lnTo>
+                    <a:pt x="704" y="0"/>
                   </a:lnTo>
                   <a:close/>
                 </a:path>
@@ -14531,10 +10213,10 @@
         </p:sp>
         <p:sp>
           <p:nvSpPr>
-            <p:cNvPr id="26" name="Freeform 9">
+            <p:cNvPr id="13" name="Freeform 8">
               <a:extLst>
                 <a:ext uri="{FF2B5EF4-FFF2-40B4-BE49-F238E27FC236}">
-                  <a16:creationId xmlns:a16="http://schemas.microsoft.com/office/drawing/2014/main" id="{9DEF7606-46AD-4ECA-8815-33A3217D3076}"/>
+                  <a16:creationId xmlns:a16="http://schemas.microsoft.com/office/drawing/2014/main" id="{A124234B-D5D1-45F9-9B32-264F699BCA58}"/>
                 </a:ext>
                 <a:ext uri="{C183D7F6-B498-43B3-948B-1728B52AA6E4}">
                   <adec:decorative xmlns:adec="http://schemas.microsoft.com/office/drawing/2017/decorative" val="1"/>
@@ -14552,8 +10234,8 @@
           </p:nvSpPr>
           <p:spPr bwMode="auto">
             <a:xfrm>
-              <a:off x="2928938" y="2582862"/>
-              <a:ext cx="2693987" cy="4275138"/>
+              <a:off x="1320800" y="5238750"/>
+              <a:ext cx="1228725" cy="1619250"/>
             </a:xfrm>
             <a:custGeom>
               <a:avLst/>
@@ -14562,15 +10244,15 @@
               <a:cxnLst/>
               <a:rect l="0" t="0" r="r" b="b"/>
               <a:pathLst>
-                <a:path w="1697" h="2693">
+                <a:path w="774" h="1020">
                   <a:moveTo>
                     <a:pt x="0" y="0"/>
                   </a:moveTo>
                   <a:lnTo>
-                    <a:pt x="1622" y="2693"/>
-                  </a:lnTo>
-                  <a:lnTo>
-                    <a:pt x="1697" y="2693"/>
+                    <a:pt x="740" y="1020"/>
+                  </a:lnTo>
+                  <a:lnTo>
+                    <a:pt x="774" y="1020"/>
                   </a:lnTo>
                   <a:lnTo>
                     <a:pt x="0" y="0"/>
@@ -14592,10 +10274,10 @@
         </p:sp>
         <p:sp>
           <p:nvSpPr>
-            <p:cNvPr id="27" name="Freeform 10">
+            <p:cNvPr id="14" name="Freeform 9">
               <a:extLst>
                 <a:ext uri="{FF2B5EF4-FFF2-40B4-BE49-F238E27FC236}">
-                  <a16:creationId xmlns:a16="http://schemas.microsoft.com/office/drawing/2014/main" id="{778C7720-6627-4BE3-9174-54CD26E7266E}"/>
+                  <a16:creationId xmlns:a16="http://schemas.microsoft.com/office/drawing/2014/main" id="{7A0B0249-AEB7-44A1-BEC3-A0C07E9E31D7}"/>
                 </a:ext>
                 <a:ext uri="{C183D7F6-B498-43B3-948B-1728B52AA6E4}">
                   <adec:decorative xmlns:adec="http://schemas.microsoft.com/office/drawing/2017/decorative" val="1"/>
@@ -14613,8 +10295,8 @@
           </p:nvSpPr>
           <p:spPr bwMode="auto">
             <a:xfrm>
-              <a:off x="3371850" y="2692400"/>
-              <a:ext cx="3332162" cy="4165600"/>
+              <a:off x="1627188" y="5291138"/>
+              <a:ext cx="1495425" cy="1566863"/>
             </a:xfrm>
             <a:custGeom>
               <a:avLst/>
@@ -14623,18 +10305,18 @@
               <a:cxnLst/>
               <a:rect l="0" t="0" r="r" b="b"/>
               <a:pathLst>
-                <a:path w="2099" h="2624">
+                <a:path w="942" h="987">
                   <a:moveTo>
-                    <a:pt x="2099" y="2624"/>
+                    <a:pt x="0" y="0"/>
                   </a:moveTo>
                   <a:lnTo>
+                    <a:pt x="909" y="987"/>
+                  </a:lnTo>
+                  <a:lnTo>
+                    <a:pt x="942" y="987"/>
+                  </a:lnTo>
+                  <a:lnTo>
                     <a:pt x="0" y="0"/>
-                  </a:lnTo>
-                  <a:lnTo>
-                    <a:pt x="2021" y="2624"/>
-                  </a:lnTo>
-                  <a:lnTo>
-                    <a:pt x="2099" y="2624"/>
                   </a:lnTo>
                   <a:close/>
                 </a:path>
@@ -14652,10 +10334,10 @@
         </p:sp>
         <p:sp>
           <p:nvSpPr>
-            <p:cNvPr id="28" name="Freeform 11">
+            <p:cNvPr id="15" name="Freeform 10">
               <a:extLst>
                 <a:ext uri="{FF2B5EF4-FFF2-40B4-BE49-F238E27FC236}">
-                  <a16:creationId xmlns:a16="http://schemas.microsoft.com/office/drawing/2014/main" id="{3D25C4CC-C750-4C0A-ADB5-CFA9FFAE5517}"/>
+                  <a16:creationId xmlns:a16="http://schemas.microsoft.com/office/drawing/2014/main" id="{251D4BF9-284D-4B99-922C-BAB91FB2D98E}"/>
                 </a:ext>
                 <a:ext uri="{C183D7F6-B498-43B3-948B-1728B52AA6E4}">
                   <adec:decorative xmlns:adec="http://schemas.microsoft.com/office/drawing/2017/decorative" val="1"/>
@@ -14673,8 +10355,8 @@
           </p:nvSpPr>
           <p:spPr bwMode="auto">
             <a:xfrm>
-              <a:off x="3367088" y="2687637"/>
-              <a:ext cx="4576762" cy="4170363"/>
+              <a:off x="1627188" y="5286375"/>
+              <a:ext cx="2130425" cy="1571625"/>
             </a:xfrm>
             <a:custGeom>
               <a:avLst/>
@@ -14683,24 +10365,24 @@
               <a:cxnLst/>
               <a:rect l="0" t="0" r="r" b="b"/>
               <a:pathLst>
-                <a:path w="2883" h="2627">
+                <a:path w="1342" h="990">
                   <a:moveTo>
+                    <a:pt x="0" y="3"/>
+                  </a:moveTo>
+                  <a:lnTo>
+                    <a:pt x="942" y="990"/>
+                  </a:lnTo>
+                  <a:lnTo>
+                    <a:pt x="1342" y="990"/>
+                  </a:lnTo>
+                  <a:lnTo>
+                    <a:pt x="156" y="27"/>
+                  </a:lnTo>
+                  <a:lnTo>
                     <a:pt x="0" y="0"/>
-                  </a:moveTo>
-                  <a:lnTo>
-                    <a:pt x="3" y="3"/>
-                  </a:lnTo>
-                  <a:lnTo>
-                    <a:pt x="2102" y="2627"/>
-                  </a:lnTo>
-                  <a:lnTo>
-                    <a:pt x="2883" y="2627"/>
-                  </a:lnTo>
-                  <a:lnTo>
-                    <a:pt x="225" y="57"/>
-                  </a:lnTo>
-                  <a:lnTo>
-                    <a:pt x="0" y="0"/>
+                  </a:lnTo>
+                  <a:lnTo>
+                    <a:pt x="0" y="3"/>
                   </a:lnTo>
                   <a:close/>
                 </a:path>
@@ -14718,10 +10400,10 @@
         </p:sp>
         <p:sp>
           <p:nvSpPr>
-            <p:cNvPr id="29" name="Freeform 12">
+            <p:cNvPr id="16" name="Freeform 11">
               <a:extLst>
                 <a:ext uri="{FF2B5EF4-FFF2-40B4-BE49-F238E27FC236}">
-                  <a16:creationId xmlns:a16="http://schemas.microsoft.com/office/drawing/2014/main" id="{D6834B30-F11B-40AA-A8C8-0EF0710DB770}"/>
+                  <a16:creationId xmlns:a16="http://schemas.microsoft.com/office/drawing/2014/main" id="{733E9BD1-CC4F-4B4B-A413-92D6B1F0B3CF}"/>
                 </a:ext>
                 <a:ext uri="{C183D7F6-B498-43B3-948B-1728B52AA6E4}">
                   <adec:decorative xmlns:adec="http://schemas.microsoft.com/office/drawing/2017/decorative" val="1"/>
@@ -14739,8 +10421,8 @@
           </p:nvSpPr>
           <p:spPr bwMode="auto">
             <a:xfrm>
-              <a:off x="2928938" y="2578100"/>
-              <a:ext cx="3584575" cy="4279900"/>
+              <a:off x="1320800" y="5238750"/>
+              <a:ext cx="1695450" cy="1619250"/>
             </a:xfrm>
             <a:custGeom>
               <a:avLst/>
@@ -14749,30 +10431,36 @@
               <a:cxnLst/>
               <a:rect l="0" t="0" r="r" b="b"/>
               <a:pathLst>
-                <a:path w="2258" h="2696">
+                <a:path w="1068" h="1020">
                   <a:moveTo>
-                    <a:pt x="2258" y="2696"/>
+                    <a:pt x="1068" y="1020"/>
                   </a:moveTo>
                   <a:lnTo>
-                    <a:pt x="264" y="111"/>
-                  </a:lnTo>
-                  <a:lnTo>
-                    <a:pt x="228" y="60"/>
-                  </a:lnTo>
-                  <a:lnTo>
-                    <a:pt x="225" y="57"/>
+                    <a:pt x="184" y="60"/>
+                  </a:lnTo>
+                  <a:lnTo>
+                    <a:pt x="154" y="27"/>
+                  </a:lnTo>
+                  <a:lnTo>
+                    <a:pt x="157" y="27"/>
+                  </a:lnTo>
+                  <a:lnTo>
+                    <a:pt x="157" y="24"/>
+                  </a:lnTo>
+                  <a:lnTo>
+                    <a:pt x="154" y="24"/>
                   </a:lnTo>
                   <a:lnTo>
                     <a:pt x="0" y="0"/>
                   </a:lnTo>
                   <a:lnTo>
-                    <a:pt x="0" y="3"/>
-                  </a:lnTo>
-                  <a:lnTo>
-                    <a:pt x="1697" y="2696"/>
-                  </a:lnTo>
-                  <a:lnTo>
-                    <a:pt x="2258" y="2696"/>
+                    <a:pt x="0" y="0"/>
+                  </a:lnTo>
+                  <a:lnTo>
+                    <a:pt x="774" y="1020"/>
+                  </a:lnTo>
+                  <a:lnTo>
+                    <a:pt x="1068" y="1020"/>
                   </a:lnTo>
                   <a:close/>
                 </a:path>
@@ -14790,183 +10478,49 @@
           </p:spPr>
         </p:sp>
       </p:grpSp>
-      <p:sp>
-        <p:nvSpPr>
-          <p:cNvPr id="4" name="Rectangle 3"/>
-          <p:cNvSpPr/>
-          <p:nvPr/>
-        </p:nvSpPr>
-        <p:spPr>
-          <a:xfrm>
-            <a:off x="2253785" y="1380068"/>
-            <a:ext cx="4978303" cy="2616199"/>
-          </a:xfrm>
-          <a:prstGeom prst="rect">
-            <a:avLst/>
-          </a:prstGeom>
-        </p:spPr>
-        <p:txBody>
-          <a:bodyPr vert="horz" lIns="91440" tIns="45720" rIns="91440" bIns="45720" rtlCol="0" anchor="b">
-            <a:normAutofit/>
-          </a:bodyPr>
-          <a:lstStyle/>
-          <a:p>
-            <a:pPr algn="r">
-              <a:lnSpc>
-                <a:spcPct val="90000"/>
-              </a:lnSpc>
-              <a:spcBef>
-                <a:spcPct val="0"/>
-              </a:spcBef>
-              <a:spcAft>
-                <a:spcPts val="600"/>
-              </a:spcAft>
-            </a:pPr>
-            <a:r>
-              <a:rPr lang="en-US" sz="6000" b="1" dirty="0">
-                <a:ln w="3175" cmpd="sng">
-                  <a:noFill/>
-                </a:ln>
-                <a:latin typeface="+mj-lt"/>
-                <a:ea typeface="+mj-ea"/>
-                <a:cs typeface="+mj-cs"/>
-              </a:rPr>
-              <a:t>Method of coding in team</a:t>
-            </a:r>
-            <a:endParaRPr lang="en-US" sz="6000" b="1" spc="0" dirty="0">
-              <a:ln w="3175" cmpd="sng">
-                <a:noFill/>
-              </a:ln>
-              <a:latin typeface="+mj-lt"/>
-              <a:ea typeface="+mj-ea"/>
-              <a:cs typeface="+mj-cs"/>
-            </a:endParaRPr>
-          </a:p>
-        </p:txBody>
-      </p:sp>
       <p:pic>
         <p:nvPicPr>
-          <p:cNvPr id="5" name="Picture 4" descr="Logo&#10;&#10;Description automatically generated">
+          <p:cNvPr id="5" name="Content Placeholder 4" descr="A close-up of a pen&#10;&#10;Description automatically generated with low confidence">
             <a:extLst>
               <a:ext uri="{FF2B5EF4-FFF2-40B4-BE49-F238E27FC236}">
-                <a16:creationId xmlns:a16="http://schemas.microsoft.com/office/drawing/2014/main" id="{03CC6235-4E55-4161-8D8F-75D36B3A97EC}"/>
+                <a16:creationId xmlns:a16="http://schemas.microsoft.com/office/drawing/2014/main" id="{DFE85541-C81B-41DD-BD4B-B57CCAE89D42}"/>
               </a:ext>
             </a:extLst>
           </p:cNvPr>
           <p:cNvPicPr>
-            <a:picLocks noChangeAspect="1"/>
+            <a:picLocks noGrp="1" noChangeAspect="1"/>
           </p:cNvPicPr>
-          <p:nvPr/>
+          <p:nvPr>
+            <p:ph idx="1"/>
+          </p:nvPr>
         </p:nvPicPr>
-        <p:blipFill>
-          <a:blip r:embed="rId3" cstate="print">
+        <p:blipFill rotWithShape="1">
+          <a:blip r:embed="rId3">
             <a:extLst>
               <a:ext uri="{28A0092B-C50C-407E-A947-70E740481C1C}">
                 <a14:useLocalDpi xmlns:a14="http://schemas.microsoft.com/office/drawing/2010/main" val="0"/>
               </a:ext>
             </a:extLst>
           </a:blip>
-          <a:stretch>
-            <a:fillRect/>
-          </a:stretch>
+          <a:srcRect/>
+          <a:stretch/>
         </p:blipFill>
         <p:spPr>
           <a:xfrm>
-            <a:off x="8201644" y="645285"/>
-            <a:ext cx="2652677" cy="2520043"/>
+            <a:off x="20" y="10"/>
+            <a:ext cx="12191980" cy="6857990"/>
           </a:xfrm>
-          <a:prstGeom prst="roundRect">
-            <a:avLst>
-              <a:gd name="adj" fmla="val 4380"/>
-            </a:avLst>
+          <a:prstGeom prst="rect">
+            <a:avLst/>
           </a:prstGeom>
-          <a:ln w="38100">
-            <a:gradFill flip="none" rotWithShape="1">
-              <a:gsLst>
-                <a:gs pos="0">
-                  <a:schemeClr val="bg2"/>
-                </a:gs>
-                <a:gs pos="100000">
-                  <a:schemeClr val="bg2">
-                    <a:lumMod val="75000"/>
-                  </a:schemeClr>
-                </a:gs>
-              </a:gsLst>
-              <a:lin ang="5400000" scaled="0"/>
-              <a:tileRect/>
-            </a:gradFill>
-          </a:ln>
-          <a:effectLst>
-            <a:innerShdw blurRad="57150" dist="38100" dir="14460000">
-              <a:srgbClr val="000000">
-                <a:alpha val="70000"/>
-              </a:srgbClr>
-            </a:innerShdw>
-          </a:effectLst>
-        </p:spPr>
-      </p:pic>
-      <p:pic>
-        <p:nvPicPr>
-          <p:cNvPr id="3" name="Picture 2" descr="Logo&#10;&#10;Description automatically generated">
-            <a:extLst>
-              <a:ext uri="{FF2B5EF4-FFF2-40B4-BE49-F238E27FC236}">
-                <a16:creationId xmlns:a16="http://schemas.microsoft.com/office/drawing/2014/main" id="{72CD6092-2D6D-422C-B5AF-5956CAFBD45B}"/>
-              </a:ext>
-            </a:extLst>
-          </p:cNvPr>
-          <p:cNvPicPr>
-            <a:picLocks noChangeAspect="1"/>
-          </p:cNvPicPr>
-          <p:nvPr/>
-        </p:nvPicPr>
-        <p:blipFill>
-          <a:blip r:embed="rId4">
-            <a:extLst>
-              <a:ext uri="{28A0092B-C50C-407E-A947-70E740481C1C}">
-                <a14:useLocalDpi xmlns:a14="http://schemas.microsoft.com/office/drawing/2010/main" val="0"/>
-              </a:ext>
-            </a:extLst>
-          </a:blip>
-          <a:stretch>
-            <a:fillRect/>
-          </a:stretch>
-        </p:blipFill>
-        <p:spPr>
-          <a:xfrm>
-            <a:off x="7552943" y="4005383"/>
-            <a:ext cx="3950079" cy="1293650"/>
-          </a:xfrm>
-          <a:prstGeom prst="roundRect">
-            <a:avLst>
-              <a:gd name="adj" fmla="val 4380"/>
-            </a:avLst>
-          </a:prstGeom>
-          <a:ln w="38100">
-            <a:gradFill flip="none" rotWithShape="1">
-              <a:gsLst>
-                <a:gs pos="0">
-                  <a:schemeClr val="bg2"/>
-                </a:gs>
-                <a:gs pos="100000">
-                  <a:schemeClr val="bg2">
-                    <a:lumMod val="75000"/>
-                  </a:schemeClr>
-                </a:gs>
-              </a:gsLst>
-              <a:lin ang="5400000" scaled="0"/>
-              <a:tileRect/>
-            </a:gradFill>
-          </a:ln>
-          <a:effectLst>
-            <a:innerShdw blurRad="57150" dist="38100" dir="14460000">
-              <a:srgbClr val="000000">
-                <a:alpha val="70000"/>
-              </a:srgbClr>
-            </a:innerShdw>
-          </a:effectLst>
         </p:spPr>
       </p:pic>
     </p:spTree>
+    <p:extLst>
+      <p:ext uri="{BB962C8B-B14F-4D97-AF65-F5344CB8AC3E}">
+        <p14:creationId xmlns:p14="http://schemas.microsoft.com/office/powerpoint/2010/main" val="3415660640"/>
+      </p:ext>
+    </p:extLst>
   </p:cSld>
   <p:clrMapOvr>
     <a:masterClrMapping/>
@@ -15700,7 +11254,7 @@
             <p:ph idx="1"/>
             <p:extLst>
               <p:ext uri="{D42A27DB-BD31-4B8C-83A1-F6EECF244321}">
-                <p14:modId xmlns:p14="http://schemas.microsoft.com/office/powerpoint/2010/main" val="3467462359"/>
+                <p14:modId xmlns:p14="http://schemas.microsoft.com/office/powerpoint/2010/main" val="1014428220"/>
               </p:ext>
             </p:extLst>
           </p:nvPr>
@@ -15723,30 +11277,9 @@
 </p:sld>
 </file>
 
-<file path=ppt/slides/slide20.xml><?xml version="1.0" encoding="utf-8"?>
+<file path=ppt/slides/slide3.xml><?xml version="1.0" encoding="utf-8"?>
 <p:sld xmlns:a="http://schemas.openxmlformats.org/drawingml/2006/main" xmlns:r="http://schemas.openxmlformats.org/officeDocument/2006/relationships" xmlns:p="http://schemas.openxmlformats.org/presentationml/2006/main">
   <p:cSld>
-    <p:bg>
-      <p:bgPr>
-        <a:blipFill rotWithShape="1">
-          <a:blip r:embed="rId2">
-            <a:duotone>
-              <a:schemeClr val="bg2">
-                <a:shade val="76000"/>
-                <a:satMod val="180000"/>
-              </a:schemeClr>
-              <a:schemeClr val="bg2">
-                <a:tint val="80000"/>
-                <a:satMod val="120000"/>
-                <a:lumMod val="180000"/>
-              </a:schemeClr>
-            </a:duotone>
-          </a:blip>
-          <a:stretch/>
-        </a:blipFill>
-        <a:effectLst/>
-      </p:bgPr>
-    </p:bg>
     <p:spTree>
       <p:nvGrpSpPr>
         <p:cNvPr id="1" name=""/>
@@ -15761,469 +11294,213 @@
           <a:chExt cx="0" cy="0"/>
         </a:xfrm>
       </p:grpSpPr>
-      <p:grpSp>
-        <p:nvGrpSpPr>
-          <p:cNvPr id="21" name="Group 20">
-            <a:extLst>
-              <a:ext uri="{FF2B5EF4-FFF2-40B4-BE49-F238E27FC236}">
-                <a16:creationId xmlns:a16="http://schemas.microsoft.com/office/drawing/2014/main" id="{6ADA8EC3-01C5-453C-91A6-D01B9E15BF0B}"/>
-              </a:ext>
-              <a:ext uri="{C183D7F6-B498-43B3-948B-1728B52AA6E4}">
-                <adec:decorative xmlns:adec="http://schemas.microsoft.com/office/drawing/2017/decorative" val="1"/>
-              </a:ext>
-            </a:extLst>
-          </p:cNvPr>
-          <p:cNvGrpSpPr>
-            <a:grpSpLocks noGrp="1" noUngrp="1" noRot="1" noChangeAspect="1" noMove="1" noResize="1"/>
-          </p:cNvGrpSpPr>
-          <p:nvPr>
-            <p:extLst>
-              <p:ext uri="{386F3935-93C4-4BCD-93E2-E3B085C9AB24}">
-                <p16:designElem xmlns:p16="http://schemas.microsoft.com/office/powerpoint/2015/main" val="1"/>
-              </p:ext>
-            </p:extLst>
-          </p:nvPr>
-        </p:nvGrpSpPr>
-        <p:grpSpPr>
-          <a:xfrm>
-            <a:off x="150812" y="0"/>
-            <a:ext cx="2436813" cy="6858001"/>
-            <a:chOff x="1320800" y="0"/>
-            <a:chExt cx="2436813" cy="6858001"/>
-          </a:xfrm>
-        </p:grpSpPr>
-        <p:sp>
-          <p:nvSpPr>
-            <p:cNvPr id="22" name="Freeform 6">
-              <a:extLst>
-                <a:ext uri="{FF2B5EF4-FFF2-40B4-BE49-F238E27FC236}">
-                  <a16:creationId xmlns:a16="http://schemas.microsoft.com/office/drawing/2014/main" id="{9A1D7546-68ED-4F66-AA8D-D04BEAD39382}"/>
-                </a:ext>
-                <a:ext uri="{C183D7F6-B498-43B3-948B-1728B52AA6E4}">
-                  <adec:decorative xmlns:adec="http://schemas.microsoft.com/office/drawing/2017/decorative" val="1"/>
-                </a:ext>
-              </a:extLst>
-            </p:cNvPr>
-            <p:cNvSpPr/>
-            <p:nvPr>
-              <p:extLst>
-                <p:ext uri="{386F3935-93C4-4BCD-93E2-E3B085C9AB24}">
-                  <p16:designElem xmlns:p16="http://schemas.microsoft.com/office/powerpoint/2015/main" val="1"/>
-                </p:ext>
-              </p:extLst>
-            </p:nvPr>
-          </p:nvSpPr>
-          <p:spPr bwMode="auto">
-            <a:xfrm>
-              <a:off x="1627188" y="0"/>
-              <a:ext cx="1122363" cy="5329238"/>
-            </a:xfrm>
-            <a:custGeom>
-              <a:avLst/>
-              <a:gdLst/>
-              <a:ahLst/>
-              <a:cxnLst/>
-              <a:rect l="0" t="0" r="r" b="b"/>
-              <a:pathLst>
-                <a:path w="707" h="3357">
-                  <a:moveTo>
-                    <a:pt x="0" y="3330"/>
-                  </a:moveTo>
-                  <a:lnTo>
-                    <a:pt x="156" y="3357"/>
-                  </a:lnTo>
-                  <a:lnTo>
-                    <a:pt x="707" y="0"/>
-                  </a:lnTo>
-                  <a:lnTo>
-                    <a:pt x="547" y="0"/>
-                  </a:lnTo>
-                  <a:lnTo>
-                    <a:pt x="0" y="3330"/>
-                  </a:lnTo>
-                  <a:close/>
-                </a:path>
-              </a:pathLst>
-            </a:custGeom>
-            <a:solidFill>
-              <a:schemeClr val="accent1"/>
-            </a:solidFill>
-            <a:ln>
-              <a:noFill/>
-            </a:ln>
-          </p:spPr>
-        </p:sp>
-        <p:sp>
-          <p:nvSpPr>
-            <p:cNvPr id="23" name="Freeform 7">
-              <a:extLst>
-                <a:ext uri="{FF2B5EF4-FFF2-40B4-BE49-F238E27FC236}">
-                  <a16:creationId xmlns:a16="http://schemas.microsoft.com/office/drawing/2014/main" id="{FCFE8A66-699D-4E05-B8FC-C31AE461D68A}"/>
-                </a:ext>
-                <a:ext uri="{C183D7F6-B498-43B3-948B-1728B52AA6E4}">
-                  <adec:decorative xmlns:adec="http://schemas.microsoft.com/office/drawing/2017/decorative" val="1"/>
-                </a:ext>
-              </a:extLst>
-            </p:cNvPr>
-            <p:cNvSpPr/>
-            <p:nvPr>
-              <p:extLst>
-                <p:ext uri="{386F3935-93C4-4BCD-93E2-E3B085C9AB24}">
-                  <p16:designElem xmlns:p16="http://schemas.microsoft.com/office/powerpoint/2015/main" val="1"/>
-                </p:ext>
-              </p:extLst>
-            </p:nvPr>
-          </p:nvSpPr>
-          <p:spPr bwMode="auto">
-            <a:xfrm>
-              <a:off x="1320800" y="0"/>
-              <a:ext cx="1117600" cy="5276850"/>
-            </a:xfrm>
-            <a:custGeom>
-              <a:avLst/>
-              <a:gdLst/>
-              <a:ahLst/>
-              <a:cxnLst/>
-              <a:rect l="0" t="0" r="r" b="b"/>
-              <a:pathLst>
-                <a:path w="704" h="3324">
-                  <a:moveTo>
-                    <a:pt x="704" y="0"/>
-                  </a:moveTo>
-                  <a:lnTo>
-                    <a:pt x="545" y="0"/>
-                  </a:lnTo>
-                  <a:lnTo>
-                    <a:pt x="0" y="3300"/>
-                  </a:lnTo>
-                  <a:lnTo>
-                    <a:pt x="157" y="3324"/>
-                  </a:lnTo>
-                  <a:lnTo>
-                    <a:pt x="704" y="0"/>
-                  </a:lnTo>
-                  <a:close/>
-                </a:path>
-              </a:pathLst>
-            </a:custGeom>
-            <a:solidFill>
-              <a:schemeClr val="tx1">
-                <a:lumMod val="65000"/>
-                <a:lumOff val="35000"/>
-              </a:schemeClr>
-            </a:solidFill>
-            <a:ln>
-              <a:noFill/>
-            </a:ln>
-          </p:spPr>
-        </p:sp>
-        <p:sp>
-          <p:nvSpPr>
-            <p:cNvPr id="24" name="Freeform 8">
-              <a:extLst>
-                <a:ext uri="{FF2B5EF4-FFF2-40B4-BE49-F238E27FC236}">
-                  <a16:creationId xmlns:a16="http://schemas.microsoft.com/office/drawing/2014/main" id="{A124234B-D5D1-45F9-9B32-264F699BCA58}"/>
-                </a:ext>
-                <a:ext uri="{C183D7F6-B498-43B3-948B-1728B52AA6E4}">
-                  <adec:decorative xmlns:adec="http://schemas.microsoft.com/office/drawing/2017/decorative" val="1"/>
-                </a:ext>
-              </a:extLst>
-            </p:cNvPr>
-            <p:cNvSpPr/>
-            <p:nvPr>
-              <p:extLst>
-                <p:ext uri="{386F3935-93C4-4BCD-93E2-E3B085C9AB24}">
-                  <p16:designElem xmlns:p16="http://schemas.microsoft.com/office/powerpoint/2015/main" val="1"/>
-                </p:ext>
-              </p:extLst>
-            </p:nvPr>
-          </p:nvSpPr>
-          <p:spPr bwMode="auto">
-            <a:xfrm>
-              <a:off x="1320800" y="5238750"/>
-              <a:ext cx="1228725" cy="1619250"/>
-            </a:xfrm>
-            <a:custGeom>
-              <a:avLst/>
-              <a:gdLst/>
-              <a:ahLst/>
-              <a:cxnLst/>
-              <a:rect l="0" t="0" r="r" b="b"/>
-              <a:pathLst>
-                <a:path w="774" h="1020">
-                  <a:moveTo>
-                    <a:pt x="0" y="0"/>
-                  </a:moveTo>
-                  <a:lnTo>
-                    <a:pt x="740" y="1020"/>
-                  </a:lnTo>
-                  <a:lnTo>
-                    <a:pt x="774" y="1020"/>
-                  </a:lnTo>
-                  <a:lnTo>
-                    <a:pt x="0" y="0"/>
-                  </a:lnTo>
-                  <a:close/>
-                </a:path>
-              </a:pathLst>
-            </a:custGeom>
-            <a:solidFill>
-              <a:schemeClr val="tx1">
-                <a:lumMod val="85000"/>
-                <a:lumOff val="15000"/>
-              </a:schemeClr>
-            </a:solidFill>
-            <a:ln>
-              <a:noFill/>
-            </a:ln>
-          </p:spPr>
-        </p:sp>
-        <p:sp>
-          <p:nvSpPr>
-            <p:cNvPr id="25" name="Freeform 9">
-              <a:extLst>
-                <a:ext uri="{FF2B5EF4-FFF2-40B4-BE49-F238E27FC236}">
-                  <a16:creationId xmlns:a16="http://schemas.microsoft.com/office/drawing/2014/main" id="{7A0B0249-AEB7-44A1-BEC3-A0C07E9E31D7}"/>
-                </a:ext>
-                <a:ext uri="{C183D7F6-B498-43B3-948B-1728B52AA6E4}">
-                  <adec:decorative xmlns:adec="http://schemas.microsoft.com/office/drawing/2017/decorative" val="1"/>
-                </a:ext>
-              </a:extLst>
-            </p:cNvPr>
-            <p:cNvSpPr/>
-            <p:nvPr>
-              <p:extLst>
-                <p:ext uri="{386F3935-93C4-4BCD-93E2-E3B085C9AB24}">
-                  <p16:designElem xmlns:p16="http://schemas.microsoft.com/office/powerpoint/2015/main" val="1"/>
-                </p:ext>
-              </p:extLst>
-            </p:nvPr>
-          </p:nvSpPr>
-          <p:spPr bwMode="auto">
-            <a:xfrm>
-              <a:off x="1627188" y="5291138"/>
-              <a:ext cx="1495425" cy="1566863"/>
-            </a:xfrm>
-            <a:custGeom>
-              <a:avLst/>
-              <a:gdLst/>
-              <a:ahLst/>
-              <a:cxnLst/>
-              <a:rect l="0" t="0" r="r" b="b"/>
-              <a:pathLst>
-                <a:path w="942" h="987">
-                  <a:moveTo>
-                    <a:pt x="0" y="0"/>
-                  </a:moveTo>
-                  <a:lnTo>
-                    <a:pt x="909" y="987"/>
-                  </a:lnTo>
-                  <a:lnTo>
-                    <a:pt x="942" y="987"/>
-                  </a:lnTo>
-                  <a:lnTo>
-                    <a:pt x="0" y="0"/>
-                  </a:lnTo>
-                  <a:close/>
-                </a:path>
-              </a:pathLst>
-            </a:custGeom>
-            <a:solidFill>
-              <a:schemeClr val="accent1">
-                <a:lumMod val="50000"/>
-              </a:schemeClr>
-            </a:solidFill>
-            <a:ln>
-              <a:noFill/>
-            </a:ln>
-          </p:spPr>
-        </p:sp>
-        <p:sp>
-          <p:nvSpPr>
-            <p:cNvPr id="26" name="Freeform 10">
-              <a:extLst>
-                <a:ext uri="{FF2B5EF4-FFF2-40B4-BE49-F238E27FC236}">
-                  <a16:creationId xmlns:a16="http://schemas.microsoft.com/office/drawing/2014/main" id="{251D4BF9-284D-4B99-922C-BAB91FB2D98E}"/>
-                </a:ext>
-                <a:ext uri="{C183D7F6-B498-43B3-948B-1728B52AA6E4}">
-                  <adec:decorative xmlns:adec="http://schemas.microsoft.com/office/drawing/2017/decorative" val="1"/>
-                </a:ext>
-              </a:extLst>
-            </p:cNvPr>
-            <p:cNvSpPr/>
-            <p:nvPr>
-              <p:extLst>
-                <p:ext uri="{386F3935-93C4-4BCD-93E2-E3B085C9AB24}">
-                  <p16:designElem xmlns:p16="http://schemas.microsoft.com/office/powerpoint/2015/main" val="1"/>
-                </p:ext>
-              </p:extLst>
-            </p:nvPr>
-          </p:nvSpPr>
-          <p:spPr bwMode="auto">
-            <a:xfrm>
-              <a:off x="1627188" y="5286375"/>
-              <a:ext cx="2130425" cy="1571625"/>
-            </a:xfrm>
-            <a:custGeom>
-              <a:avLst/>
-              <a:gdLst/>
-              <a:ahLst/>
-              <a:cxnLst/>
-              <a:rect l="0" t="0" r="r" b="b"/>
-              <a:pathLst>
-                <a:path w="1342" h="990">
-                  <a:moveTo>
-                    <a:pt x="0" y="3"/>
-                  </a:moveTo>
-                  <a:lnTo>
-                    <a:pt x="942" y="990"/>
-                  </a:lnTo>
-                  <a:lnTo>
-                    <a:pt x="1342" y="990"/>
-                  </a:lnTo>
-                  <a:lnTo>
-                    <a:pt x="156" y="27"/>
-                  </a:lnTo>
-                  <a:lnTo>
-                    <a:pt x="0" y="0"/>
-                  </a:lnTo>
-                  <a:lnTo>
-                    <a:pt x="0" y="3"/>
-                  </a:lnTo>
-                  <a:close/>
-                </a:path>
-              </a:pathLst>
-            </a:custGeom>
-            <a:solidFill>
-              <a:schemeClr val="accent1">
-                <a:lumMod val="75000"/>
-              </a:schemeClr>
-            </a:solidFill>
-            <a:ln>
-              <a:noFill/>
-            </a:ln>
-          </p:spPr>
-        </p:sp>
-        <p:sp>
-          <p:nvSpPr>
-            <p:cNvPr id="27" name="Freeform 11">
-              <a:extLst>
-                <a:ext uri="{FF2B5EF4-FFF2-40B4-BE49-F238E27FC236}">
-                  <a16:creationId xmlns:a16="http://schemas.microsoft.com/office/drawing/2014/main" id="{733E9BD1-CC4F-4B4B-A413-92D6B1F0B3CF}"/>
-                </a:ext>
-                <a:ext uri="{C183D7F6-B498-43B3-948B-1728B52AA6E4}">
-                  <adec:decorative xmlns:adec="http://schemas.microsoft.com/office/drawing/2017/decorative" val="1"/>
-                </a:ext>
-              </a:extLst>
-            </p:cNvPr>
-            <p:cNvSpPr/>
-            <p:nvPr>
-              <p:extLst>
-                <p:ext uri="{386F3935-93C4-4BCD-93E2-E3B085C9AB24}">
-                  <p16:designElem xmlns:p16="http://schemas.microsoft.com/office/powerpoint/2015/main" val="1"/>
-                </p:ext>
-              </p:extLst>
-            </p:nvPr>
-          </p:nvSpPr>
-          <p:spPr bwMode="auto">
-            <a:xfrm>
-              <a:off x="1320800" y="5238750"/>
-              <a:ext cx="1695450" cy="1619250"/>
-            </a:xfrm>
-            <a:custGeom>
-              <a:avLst/>
-              <a:gdLst/>
-              <a:ahLst/>
-              <a:cxnLst/>
-              <a:rect l="0" t="0" r="r" b="b"/>
-              <a:pathLst>
-                <a:path w="1068" h="1020">
-                  <a:moveTo>
-                    <a:pt x="1068" y="1020"/>
-                  </a:moveTo>
-                  <a:lnTo>
-                    <a:pt x="184" y="60"/>
-                  </a:lnTo>
-                  <a:lnTo>
-                    <a:pt x="154" y="27"/>
-                  </a:lnTo>
-                  <a:lnTo>
-                    <a:pt x="157" y="27"/>
-                  </a:lnTo>
-                  <a:lnTo>
-                    <a:pt x="157" y="24"/>
-                  </a:lnTo>
-                  <a:lnTo>
-                    <a:pt x="154" y="24"/>
-                  </a:lnTo>
-                  <a:lnTo>
-                    <a:pt x="0" y="0"/>
-                  </a:lnTo>
-                  <a:lnTo>
-                    <a:pt x="0" y="0"/>
-                  </a:lnTo>
-                  <a:lnTo>
-                    <a:pt x="774" y="1020"/>
-                  </a:lnTo>
-                  <a:lnTo>
-                    <a:pt x="1068" y="1020"/>
-                  </a:lnTo>
-                  <a:close/>
-                </a:path>
-              </a:pathLst>
-            </a:custGeom>
-            <a:solidFill>
-              <a:schemeClr val="tx1">
-                <a:lumMod val="75000"/>
-                <a:lumOff val="25000"/>
-              </a:schemeClr>
-            </a:solidFill>
-            <a:ln>
-              <a:noFill/>
-            </a:ln>
-          </p:spPr>
-        </p:sp>
-      </p:grpSp>
-      <p:pic>
-        <p:nvPicPr>
-          <p:cNvPr id="4" name="Picture 3" descr="A screenshot of a computer&#10;&#10;Description automatically generated">
-            <a:extLst>
-              <a:ext uri="{FF2B5EF4-FFF2-40B4-BE49-F238E27FC236}">
-                <a16:creationId xmlns:a16="http://schemas.microsoft.com/office/drawing/2014/main" id="{CD2B4343-221A-42F2-BE5C-C1DFCBD10482}"/>
-              </a:ext>
-            </a:extLst>
-          </p:cNvPr>
-          <p:cNvPicPr>
-            <a:picLocks noChangeAspect="1"/>
-          </p:cNvPicPr>
+      <p:sp>
+        <p:nvSpPr>
+          <p:cNvPr id="5" name="Rectangle 4"/>
+          <p:cNvSpPr/>
           <p:nvPr/>
-        </p:nvPicPr>
-        <p:blipFill>
-          <a:blip r:embed="rId3">
-            <a:extLst>
-              <a:ext uri="{28A0092B-C50C-407E-A947-70E740481C1C}">
-                <a14:useLocalDpi xmlns:a14="http://schemas.microsoft.com/office/drawing/2010/main" val="0"/>
-              </a:ext>
-            </a:extLst>
-          </a:blip>
-          <a:stretch>
-            <a:fillRect/>
-          </a:stretch>
-        </p:blipFill>
+        </p:nvSpPr>
         <p:spPr>
           <a:xfrm>
-            <a:off x="0" y="0"/>
-            <a:ext cx="12192000" cy="6858000"/>
+            <a:off x="758130" y="2767280"/>
+            <a:ext cx="10675743" cy="1323439"/>
           </a:xfrm>
           <a:prstGeom prst="rect">
             <a:avLst/>
           </a:prstGeom>
+          <a:noFill/>
         </p:spPr>
-      </p:pic>
+        <p:txBody>
+          <a:bodyPr wrap="none" lIns="91440" tIns="45720" rIns="91440" bIns="45720">
+            <a:spAutoFit/>
+          </a:bodyPr>
+          <a:lstStyle/>
+          <a:p>
+            <a:pPr algn="ctr"/>
+            <a:r>
+              <a:rPr lang="fr-FR" sz="8000" b="1" cap="all" spc="0" dirty="0" err="1">
+                <a:ln w="9000" cmpd="sng">
+                  <a:solidFill>
+                    <a:schemeClr val="accent4">
+                      <a:shade val="50000"/>
+                      <a:satMod val="120000"/>
+                    </a:schemeClr>
+                  </a:solidFill>
+                  <a:prstDash val="solid"/>
+                </a:ln>
+                <a:gradFill>
+                  <a:gsLst>
+                    <a:gs pos="0">
+                      <a:schemeClr val="accent4">
+                        <a:shade val="20000"/>
+                        <a:satMod val="245000"/>
+                      </a:schemeClr>
+                    </a:gs>
+                    <a:gs pos="43000">
+                      <a:schemeClr val="accent4">
+                        <a:satMod val="255000"/>
+                      </a:schemeClr>
+                    </a:gs>
+                    <a:gs pos="48000">
+                      <a:schemeClr val="accent4">
+                        <a:shade val="85000"/>
+                        <a:satMod val="255000"/>
+                      </a:schemeClr>
+                    </a:gs>
+                    <a:gs pos="100000">
+                      <a:schemeClr val="accent4">
+                        <a:shade val="20000"/>
+                        <a:satMod val="245000"/>
+                      </a:schemeClr>
+                    </a:gs>
+                  </a:gsLst>
+                  <a:lin ang="5400000"/>
+                </a:gradFill>
+                <a:effectLst>
+                  <a:reflection blurRad="12700" stA="28000" endPos="45000" dist="1000" dir="5400000" sy="-100000" algn="bl" rotWithShape="0"/>
+                </a:effectLst>
+              </a:rPr>
+              <a:t>problem</a:t>
+            </a:r>
+            <a:r>
+              <a:rPr lang="fr-FR" sz="8000" b="1" cap="all" spc="0" dirty="0">
+                <a:ln w="9000" cmpd="sng">
+                  <a:solidFill>
+                    <a:schemeClr val="accent4">
+                      <a:shade val="50000"/>
+                      <a:satMod val="120000"/>
+                    </a:schemeClr>
+                  </a:solidFill>
+                  <a:prstDash val="solid"/>
+                </a:ln>
+                <a:gradFill>
+                  <a:gsLst>
+                    <a:gs pos="0">
+                      <a:schemeClr val="accent4">
+                        <a:shade val="20000"/>
+                        <a:satMod val="245000"/>
+                      </a:schemeClr>
+                    </a:gs>
+                    <a:gs pos="43000">
+                      <a:schemeClr val="accent4">
+                        <a:satMod val="255000"/>
+                      </a:schemeClr>
+                    </a:gs>
+                    <a:gs pos="48000">
+                      <a:schemeClr val="accent4">
+                        <a:shade val="85000"/>
+                        <a:satMod val="255000"/>
+                      </a:schemeClr>
+                    </a:gs>
+                    <a:gs pos="100000">
+                      <a:schemeClr val="accent4">
+                        <a:shade val="20000"/>
+                        <a:satMod val="245000"/>
+                      </a:schemeClr>
+                    </a:gs>
+                  </a:gsLst>
+                  <a:lin ang="5400000"/>
+                </a:gradFill>
+                <a:effectLst>
+                  <a:reflection blurRad="12700" stA="28000" endPos="45000" dist="1000" dir="5400000" sy="-100000" algn="bl" rotWithShape="0"/>
+                </a:effectLst>
+              </a:rPr>
+              <a:t> </a:t>
+            </a:r>
+            <a:r>
+              <a:rPr lang="fr-FR" sz="8000" b="1" cap="all" spc="0" dirty="0" err="1">
+                <a:ln w="9000" cmpd="sng">
+                  <a:solidFill>
+                    <a:schemeClr val="accent4">
+                      <a:shade val="50000"/>
+                      <a:satMod val="120000"/>
+                    </a:schemeClr>
+                  </a:solidFill>
+                  <a:prstDash val="solid"/>
+                </a:ln>
+                <a:gradFill>
+                  <a:gsLst>
+                    <a:gs pos="0">
+                      <a:schemeClr val="accent4">
+                        <a:shade val="20000"/>
+                        <a:satMod val="245000"/>
+                      </a:schemeClr>
+                    </a:gs>
+                    <a:gs pos="43000">
+                      <a:schemeClr val="accent4">
+                        <a:satMod val="255000"/>
+                      </a:schemeClr>
+                    </a:gs>
+                    <a:gs pos="48000">
+                      <a:schemeClr val="accent4">
+                        <a:shade val="85000"/>
+                        <a:satMod val="255000"/>
+                      </a:schemeClr>
+                    </a:gs>
+                    <a:gs pos="100000">
+                      <a:schemeClr val="accent4">
+                        <a:shade val="20000"/>
+                        <a:satMod val="245000"/>
+                      </a:schemeClr>
+                    </a:gs>
+                  </a:gsLst>
+                  <a:lin ang="5400000"/>
+                </a:gradFill>
+                <a:effectLst>
+                  <a:reflection blurRad="12700" stA="28000" endPos="45000" dist="1000" dir="5400000" sy="-100000" algn="bl" rotWithShape="0"/>
+                </a:effectLst>
+              </a:rPr>
+              <a:t>statement</a:t>
+            </a:r>
+            <a:endParaRPr lang="fr-FR" sz="8000" b="1" cap="all" spc="0" dirty="0">
+              <a:ln w="9000" cmpd="sng">
+                <a:solidFill>
+                  <a:schemeClr val="accent4">
+                    <a:shade val="50000"/>
+                    <a:satMod val="120000"/>
+                  </a:schemeClr>
+                </a:solidFill>
+                <a:prstDash val="solid"/>
+              </a:ln>
+              <a:gradFill>
+                <a:gsLst>
+                  <a:gs pos="0">
+                    <a:schemeClr val="accent4">
+                      <a:shade val="20000"/>
+                      <a:satMod val="245000"/>
+                    </a:schemeClr>
+                  </a:gs>
+                  <a:gs pos="43000">
+                    <a:schemeClr val="accent4">
+                      <a:satMod val="255000"/>
+                    </a:schemeClr>
+                  </a:gs>
+                  <a:gs pos="48000">
+                    <a:schemeClr val="accent4">
+                      <a:shade val="85000"/>
+                      <a:satMod val="255000"/>
+                    </a:schemeClr>
+                  </a:gs>
+                  <a:gs pos="100000">
+                    <a:schemeClr val="accent4">
+                      <a:shade val="20000"/>
+                      <a:satMod val="245000"/>
+                    </a:schemeClr>
+                  </a:gs>
+                </a:gsLst>
+                <a:lin ang="5400000"/>
+              </a:gradFill>
+              <a:effectLst>
+                <a:reflection blurRad="12700" stA="28000" endPos="45000" dist="1000" dir="5400000" sy="-100000" algn="bl" rotWithShape="0"/>
+              </a:effectLst>
+            </a:endParaRPr>
+          </a:p>
+        </p:txBody>
+      </p:sp>
     </p:spTree>
     <p:extLst>
       <p:ext uri="{BB962C8B-B14F-4D97-AF65-F5344CB8AC3E}">
-        <p14:creationId xmlns:p14="http://schemas.microsoft.com/office/powerpoint/2010/main" val="723498430"/>
+        <p14:creationId xmlns:p14="http://schemas.microsoft.com/office/powerpoint/2010/main" val="2140212776"/>
       </p:ext>
     </p:extLst>
   </p:cSld>
@@ -16233,30 +11510,9 @@
 </p:sld>
 </file>
 
-<file path=ppt/slides/slide21.xml><?xml version="1.0" encoding="utf-8"?>
+<file path=ppt/slides/slide4.xml><?xml version="1.0" encoding="utf-8"?>
 <p:sld xmlns:a="http://schemas.openxmlformats.org/drawingml/2006/main" xmlns:r="http://schemas.openxmlformats.org/officeDocument/2006/relationships" xmlns:p="http://schemas.openxmlformats.org/presentationml/2006/main">
   <p:cSld>
-    <p:bg>
-      <p:bgPr>
-        <a:blipFill rotWithShape="1">
-          <a:blip r:embed="rId2">
-            <a:duotone>
-              <a:schemeClr val="bg2">
-                <a:shade val="76000"/>
-                <a:satMod val="180000"/>
-              </a:schemeClr>
-              <a:schemeClr val="bg2">
-                <a:tint val="80000"/>
-                <a:satMod val="120000"/>
-                <a:lumMod val="180000"/>
-              </a:schemeClr>
-            </a:duotone>
-          </a:blip>
-          <a:stretch/>
-        </a:blipFill>
-        <a:effectLst/>
-      </p:bgPr>
-    </p:bg>
     <p:spTree>
       <p:nvGrpSpPr>
         <p:cNvPr id="1" name=""/>
@@ -16271,470 +11527,87 @@
           <a:chExt cx="0" cy="0"/>
         </a:xfrm>
       </p:grpSpPr>
-      <p:grpSp>
-        <p:nvGrpSpPr>
-          <p:cNvPr id="10" name="Group 9">
+      <p:sp>
+        <p:nvSpPr>
+          <p:cNvPr id="3" name="Content Placeholder 2">
             <a:extLst>
               <a:ext uri="{FF2B5EF4-FFF2-40B4-BE49-F238E27FC236}">
-                <a16:creationId xmlns:a16="http://schemas.microsoft.com/office/drawing/2014/main" id="{6ADA8EC3-01C5-453C-91A6-D01B9E15BF0B}"/>
-              </a:ext>
-              <a:ext uri="{C183D7F6-B498-43B3-948B-1728B52AA6E4}">
-                <adec:decorative xmlns:adec="http://schemas.microsoft.com/office/drawing/2017/decorative" val="1"/>
+                <a16:creationId xmlns:a16="http://schemas.microsoft.com/office/drawing/2014/main" id="{5F81AE46-51C1-4D55-89C2-95390B038713}"/>
               </a:ext>
             </a:extLst>
           </p:cNvPr>
-          <p:cNvGrpSpPr>
-            <a:grpSpLocks noGrp="1" noUngrp="1" noRot="1" noChangeAspect="1" noMove="1" noResize="1"/>
-          </p:cNvGrpSpPr>
-          <p:nvPr>
-            <p:extLst>
-              <p:ext uri="{386F3935-93C4-4BCD-93E2-E3B085C9AB24}">
-                <p16:designElem xmlns:p16="http://schemas.microsoft.com/office/powerpoint/2015/main" val="1"/>
-              </p:ext>
-            </p:extLst>
-          </p:nvPr>
-        </p:nvGrpSpPr>
-        <p:grpSpPr>
-          <a:xfrm>
-            <a:off x="150812" y="0"/>
-            <a:ext cx="2436813" cy="6858001"/>
-            <a:chOff x="1320800" y="0"/>
-            <a:chExt cx="2436813" cy="6858001"/>
-          </a:xfrm>
-        </p:grpSpPr>
-        <p:sp>
-          <p:nvSpPr>
-            <p:cNvPr id="11" name="Freeform 6">
-              <a:extLst>
-                <a:ext uri="{FF2B5EF4-FFF2-40B4-BE49-F238E27FC236}">
-                  <a16:creationId xmlns:a16="http://schemas.microsoft.com/office/drawing/2014/main" id="{9A1D7546-68ED-4F66-AA8D-D04BEAD39382}"/>
-                </a:ext>
-                <a:ext uri="{C183D7F6-B498-43B3-948B-1728B52AA6E4}">
-                  <adec:decorative xmlns:adec="http://schemas.microsoft.com/office/drawing/2017/decorative" val="1"/>
-                </a:ext>
-              </a:extLst>
-            </p:cNvPr>
-            <p:cNvSpPr/>
-            <p:nvPr>
-              <p:extLst>
-                <p:ext uri="{386F3935-93C4-4BCD-93E2-E3B085C9AB24}">
-                  <p16:designElem xmlns:p16="http://schemas.microsoft.com/office/powerpoint/2015/main" val="1"/>
-                </p:ext>
-              </p:extLst>
-            </p:nvPr>
-          </p:nvSpPr>
-          <p:spPr bwMode="auto">
-            <a:xfrm>
-              <a:off x="1627188" y="0"/>
-              <a:ext cx="1122363" cy="5329238"/>
-            </a:xfrm>
-            <a:custGeom>
-              <a:avLst/>
-              <a:gdLst/>
-              <a:ahLst/>
-              <a:cxnLst/>
-              <a:rect l="0" t="0" r="r" b="b"/>
-              <a:pathLst>
-                <a:path w="707" h="3357">
-                  <a:moveTo>
-                    <a:pt x="0" y="3330"/>
-                  </a:moveTo>
-                  <a:lnTo>
-                    <a:pt x="156" y="3357"/>
-                  </a:lnTo>
-                  <a:lnTo>
-                    <a:pt x="707" y="0"/>
-                  </a:lnTo>
-                  <a:lnTo>
-                    <a:pt x="547" y="0"/>
-                  </a:lnTo>
-                  <a:lnTo>
-                    <a:pt x="0" y="3330"/>
-                  </a:lnTo>
-                  <a:close/>
-                </a:path>
-              </a:pathLst>
-            </a:custGeom>
-            <a:solidFill>
-              <a:schemeClr val="accent1"/>
-            </a:solidFill>
-            <a:ln>
-              <a:noFill/>
-            </a:ln>
-          </p:spPr>
-        </p:sp>
-        <p:sp>
-          <p:nvSpPr>
-            <p:cNvPr id="12" name="Freeform 7">
-              <a:extLst>
-                <a:ext uri="{FF2B5EF4-FFF2-40B4-BE49-F238E27FC236}">
-                  <a16:creationId xmlns:a16="http://schemas.microsoft.com/office/drawing/2014/main" id="{FCFE8A66-699D-4E05-B8FC-C31AE461D68A}"/>
-                </a:ext>
-                <a:ext uri="{C183D7F6-B498-43B3-948B-1728B52AA6E4}">
-                  <adec:decorative xmlns:adec="http://schemas.microsoft.com/office/drawing/2017/decorative" val="1"/>
-                </a:ext>
-              </a:extLst>
-            </p:cNvPr>
-            <p:cNvSpPr/>
-            <p:nvPr>
-              <p:extLst>
-                <p:ext uri="{386F3935-93C4-4BCD-93E2-E3B085C9AB24}">
-                  <p16:designElem xmlns:p16="http://schemas.microsoft.com/office/powerpoint/2015/main" val="1"/>
-                </p:ext>
-              </p:extLst>
-            </p:nvPr>
-          </p:nvSpPr>
-          <p:spPr bwMode="auto">
-            <a:xfrm>
-              <a:off x="1320800" y="0"/>
-              <a:ext cx="1117600" cy="5276850"/>
-            </a:xfrm>
-            <a:custGeom>
-              <a:avLst/>
-              <a:gdLst/>
-              <a:ahLst/>
-              <a:cxnLst/>
-              <a:rect l="0" t="0" r="r" b="b"/>
-              <a:pathLst>
-                <a:path w="704" h="3324">
-                  <a:moveTo>
-                    <a:pt x="704" y="0"/>
-                  </a:moveTo>
-                  <a:lnTo>
-                    <a:pt x="545" y="0"/>
-                  </a:lnTo>
-                  <a:lnTo>
-                    <a:pt x="0" y="3300"/>
-                  </a:lnTo>
-                  <a:lnTo>
-                    <a:pt x="157" y="3324"/>
-                  </a:lnTo>
-                  <a:lnTo>
-                    <a:pt x="704" y="0"/>
-                  </a:lnTo>
-                  <a:close/>
-                </a:path>
-              </a:pathLst>
-            </a:custGeom>
-            <a:solidFill>
-              <a:schemeClr val="tx1">
-                <a:lumMod val="65000"/>
-                <a:lumOff val="35000"/>
-              </a:schemeClr>
-            </a:solidFill>
-            <a:ln>
-              <a:noFill/>
-            </a:ln>
-          </p:spPr>
-        </p:sp>
-        <p:sp>
-          <p:nvSpPr>
-            <p:cNvPr id="13" name="Freeform 8">
-              <a:extLst>
-                <a:ext uri="{FF2B5EF4-FFF2-40B4-BE49-F238E27FC236}">
-                  <a16:creationId xmlns:a16="http://schemas.microsoft.com/office/drawing/2014/main" id="{A124234B-D5D1-45F9-9B32-264F699BCA58}"/>
-                </a:ext>
-                <a:ext uri="{C183D7F6-B498-43B3-948B-1728B52AA6E4}">
-                  <adec:decorative xmlns:adec="http://schemas.microsoft.com/office/drawing/2017/decorative" val="1"/>
-                </a:ext>
-              </a:extLst>
-            </p:cNvPr>
-            <p:cNvSpPr/>
-            <p:nvPr>
-              <p:extLst>
-                <p:ext uri="{386F3935-93C4-4BCD-93E2-E3B085C9AB24}">
-                  <p16:designElem xmlns:p16="http://schemas.microsoft.com/office/powerpoint/2015/main" val="1"/>
-                </p:ext>
-              </p:extLst>
-            </p:nvPr>
-          </p:nvSpPr>
-          <p:spPr bwMode="auto">
-            <a:xfrm>
-              <a:off x="1320800" y="5238750"/>
-              <a:ext cx="1228725" cy="1619250"/>
-            </a:xfrm>
-            <a:custGeom>
-              <a:avLst/>
-              <a:gdLst/>
-              <a:ahLst/>
-              <a:cxnLst/>
-              <a:rect l="0" t="0" r="r" b="b"/>
-              <a:pathLst>
-                <a:path w="774" h="1020">
-                  <a:moveTo>
-                    <a:pt x="0" y="0"/>
-                  </a:moveTo>
-                  <a:lnTo>
-                    <a:pt x="740" y="1020"/>
-                  </a:lnTo>
-                  <a:lnTo>
-                    <a:pt x="774" y="1020"/>
-                  </a:lnTo>
-                  <a:lnTo>
-                    <a:pt x="0" y="0"/>
-                  </a:lnTo>
-                  <a:close/>
-                </a:path>
-              </a:pathLst>
-            </a:custGeom>
-            <a:solidFill>
-              <a:schemeClr val="tx1">
-                <a:lumMod val="85000"/>
-                <a:lumOff val="15000"/>
-              </a:schemeClr>
-            </a:solidFill>
-            <a:ln>
-              <a:noFill/>
-            </a:ln>
-          </p:spPr>
-        </p:sp>
-        <p:sp>
-          <p:nvSpPr>
-            <p:cNvPr id="14" name="Freeform 9">
-              <a:extLst>
-                <a:ext uri="{FF2B5EF4-FFF2-40B4-BE49-F238E27FC236}">
-                  <a16:creationId xmlns:a16="http://schemas.microsoft.com/office/drawing/2014/main" id="{7A0B0249-AEB7-44A1-BEC3-A0C07E9E31D7}"/>
-                </a:ext>
-                <a:ext uri="{C183D7F6-B498-43B3-948B-1728B52AA6E4}">
-                  <adec:decorative xmlns:adec="http://schemas.microsoft.com/office/drawing/2017/decorative" val="1"/>
-                </a:ext>
-              </a:extLst>
-            </p:cNvPr>
-            <p:cNvSpPr/>
-            <p:nvPr>
-              <p:extLst>
-                <p:ext uri="{386F3935-93C4-4BCD-93E2-E3B085C9AB24}">
-                  <p16:designElem xmlns:p16="http://schemas.microsoft.com/office/powerpoint/2015/main" val="1"/>
-                </p:ext>
-              </p:extLst>
-            </p:nvPr>
-          </p:nvSpPr>
-          <p:spPr bwMode="auto">
-            <a:xfrm>
-              <a:off x="1627188" y="5291138"/>
-              <a:ext cx="1495425" cy="1566863"/>
-            </a:xfrm>
-            <a:custGeom>
-              <a:avLst/>
-              <a:gdLst/>
-              <a:ahLst/>
-              <a:cxnLst/>
-              <a:rect l="0" t="0" r="r" b="b"/>
-              <a:pathLst>
-                <a:path w="942" h="987">
-                  <a:moveTo>
-                    <a:pt x="0" y="0"/>
-                  </a:moveTo>
-                  <a:lnTo>
-                    <a:pt x="909" y="987"/>
-                  </a:lnTo>
-                  <a:lnTo>
-                    <a:pt x="942" y="987"/>
-                  </a:lnTo>
-                  <a:lnTo>
-                    <a:pt x="0" y="0"/>
-                  </a:lnTo>
-                  <a:close/>
-                </a:path>
-              </a:pathLst>
-            </a:custGeom>
-            <a:solidFill>
-              <a:schemeClr val="accent1">
-                <a:lumMod val="50000"/>
-              </a:schemeClr>
-            </a:solidFill>
-            <a:ln>
-              <a:noFill/>
-            </a:ln>
-          </p:spPr>
-        </p:sp>
-        <p:sp>
-          <p:nvSpPr>
-            <p:cNvPr id="15" name="Freeform 10">
-              <a:extLst>
-                <a:ext uri="{FF2B5EF4-FFF2-40B4-BE49-F238E27FC236}">
-                  <a16:creationId xmlns:a16="http://schemas.microsoft.com/office/drawing/2014/main" id="{251D4BF9-284D-4B99-922C-BAB91FB2D98E}"/>
-                </a:ext>
-                <a:ext uri="{C183D7F6-B498-43B3-948B-1728B52AA6E4}">
-                  <adec:decorative xmlns:adec="http://schemas.microsoft.com/office/drawing/2017/decorative" val="1"/>
-                </a:ext>
-              </a:extLst>
-            </p:cNvPr>
-            <p:cNvSpPr/>
-            <p:nvPr>
-              <p:extLst>
-                <p:ext uri="{386F3935-93C4-4BCD-93E2-E3B085C9AB24}">
-                  <p16:designElem xmlns:p16="http://schemas.microsoft.com/office/powerpoint/2015/main" val="1"/>
-                </p:ext>
-              </p:extLst>
-            </p:nvPr>
-          </p:nvSpPr>
-          <p:spPr bwMode="auto">
-            <a:xfrm>
-              <a:off x="1627188" y="5286375"/>
-              <a:ext cx="2130425" cy="1571625"/>
-            </a:xfrm>
-            <a:custGeom>
-              <a:avLst/>
-              <a:gdLst/>
-              <a:ahLst/>
-              <a:cxnLst/>
-              <a:rect l="0" t="0" r="r" b="b"/>
-              <a:pathLst>
-                <a:path w="1342" h="990">
-                  <a:moveTo>
-                    <a:pt x="0" y="3"/>
-                  </a:moveTo>
-                  <a:lnTo>
-                    <a:pt x="942" y="990"/>
-                  </a:lnTo>
-                  <a:lnTo>
-                    <a:pt x="1342" y="990"/>
-                  </a:lnTo>
-                  <a:lnTo>
-                    <a:pt x="156" y="27"/>
-                  </a:lnTo>
-                  <a:lnTo>
-                    <a:pt x="0" y="0"/>
-                  </a:lnTo>
-                  <a:lnTo>
-                    <a:pt x="0" y="3"/>
-                  </a:lnTo>
-                  <a:close/>
-                </a:path>
-              </a:pathLst>
-            </a:custGeom>
-            <a:solidFill>
-              <a:schemeClr val="accent1">
-                <a:lumMod val="75000"/>
-              </a:schemeClr>
-            </a:solidFill>
-            <a:ln>
-              <a:noFill/>
-            </a:ln>
-          </p:spPr>
-        </p:sp>
-        <p:sp>
-          <p:nvSpPr>
-            <p:cNvPr id="16" name="Freeform 11">
-              <a:extLst>
-                <a:ext uri="{FF2B5EF4-FFF2-40B4-BE49-F238E27FC236}">
-                  <a16:creationId xmlns:a16="http://schemas.microsoft.com/office/drawing/2014/main" id="{733E9BD1-CC4F-4B4B-A413-92D6B1F0B3CF}"/>
-                </a:ext>
-                <a:ext uri="{C183D7F6-B498-43B3-948B-1728B52AA6E4}">
-                  <adec:decorative xmlns:adec="http://schemas.microsoft.com/office/drawing/2017/decorative" val="1"/>
-                </a:ext>
-              </a:extLst>
-            </p:cNvPr>
-            <p:cNvSpPr/>
-            <p:nvPr>
-              <p:extLst>
-                <p:ext uri="{386F3935-93C4-4BCD-93E2-E3B085C9AB24}">
-                  <p16:designElem xmlns:p16="http://schemas.microsoft.com/office/powerpoint/2015/main" val="1"/>
-                </p:ext>
-              </p:extLst>
-            </p:nvPr>
-          </p:nvSpPr>
-          <p:spPr bwMode="auto">
-            <a:xfrm>
-              <a:off x="1320800" y="5238750"/>
-              <a:ext cx="1695450" cy="1619250"/>
-            </a:xfrm>
-            <a:custGeom>
-              <a:avLst/>
-              <a:gdLst/>
-              <a:ahLst/>
-              <a:cxnLst/>
-              <a:rect l="0" t="0" r="r" b="b"/>
-              <a:pathLst>
-                <a:path w="1068" h="1020">
-                  <a:moveTo>
-                    <a:pt x="1068" y="1020"/>
-                  </a:moveTo>
-                  <a:lnTo>
-                    <a:pt x="184" y="60"/>
-                  </a:lnTo>
-                  <a:lnTo>
-                    <a:pt x="154" y="27"/>
-                  </a:lnTo>
-                  <a:lnTo>
-                    <a:pt x="157" y="27"/>
-                  </a:lnTo>
-                  <a:lnTo>
-                    <a:pt x="157" y="24"/>
-                  </a:lnTo>
-                  <a:lnTo>
-                    <a:pt x="154" y="24"/>
-                  </a:lnTo>
-                  <a:lnTo>
-                    <a:pt x="0" y="0"/>
-                  </a:lnTo>
-                  <a:lnTo>
-                    <a:pt x="0" y="0"/>
-                  </a:lnTo>
-                  <a:lnTo>
-                    <a:pt x="774" y="1020"/>
-                  </a:lnTo>
-                  <a:lnTo>
-                    <a:pt x="1068" y="1020"/>
-                  </a:lnTo>
-                  <a:close/>
-                </a:path>
-              </a:pathLst>
-            </a:custGeom>
-            <a:solidFill>
-              <a:schemeClr val="tx1">
-                <a:lumMod val="75000"/>
-                <a:lumOff val="25000"/>
-              </a:schemeClr>
-            </a:solidFill>
-            <a:ln>
-              <a:noFill/>
-            </a:ln>
-          </p:spPr>
-        </p:sp>
-      </p:grpSp>
-      <p:pic>
-        <p:nvPicPr>
-          <p:cNvPr id="5" name="Content Placeholder 4" descr="A close-up of a pen&#10;&#10;Description automatically generated with low confidence">
-            <a:extLst>
-              <a:ext uri="{FF2B5EF4-FFF2-40B4-BE49-F238E27FC236}">
-                <a16:creationId xmlns:a16="http://schemas.microsoft.com/office/drawing/2014/main" id="{DFE85541-C81B-41DD-BD4B-B57CCAE89D42}"/>
-              </a:ext>
-            </a:extLst>
-          </p:cNvPr>
-          <p:cNvPicPr>
-            <a:picLocks noGrp="1" noChangeAspect="1"/>
-          </p:cNvPicPr>
+          <p:cNvSpPr>
+            <a:spLocks noGrp="1"/>
+          </p:cNvSpPr>
           <p:nvPr>
             <p:ph idx="1"/>
           </p:nvPr>
-        </p:nvPicPr>
-        <p:blipFill rotWithShape="1">
-          <a:blip r:embed="rId3">
-            <a:extLst>
-              <a:ext uri="{28A0092B-C50C-407E-A947-70E740481C1C}">
-                <a14:useLocalDpi xmlns:a14="http://schemas.microsoft.com/office/drawing/2010/main" val="0"/>
-              </a:ext>
-            </a:extLst>
-          </a:blip>
-          <a:srcRect/>
-          <a:stretch/>
-        </p:blipFill>
+        </p:nvSpPr>
         <p:spPr>
           <a:xfrm>
-            <a:off x="20" y="10"/>
-            <a:ext cx="12191980" cy="6857990"/>
+            <a:off x="1484310" y="177553"/>
+            <a:ext cx="10018713" cy="5613647"/>
           </a:xfrm>
-          <a:prstGeom prst="rect">
-            <a:avLst/>
-          </a:prstGeom>
         </p:spPr>
-      </p:pic>
+        <p:txBody>
+          <a:bodyPr>
+            <a:normAutofit/>
+          </a:bodyPr>
+          <a:lstStyle/>
+          <a:p>
+            <a:r>
+              <a:rPr lang="en-US" dirty="0"/>
+              <a:t>Maharishi University of Management has asked you to design and develop a Student Registration System (</a:t>
+            </a:r>
+            <a:r>
+              <a:rPr lang="en-US" dirty="0" err="1"/>
+              <a:t>MUMSched</a:t>
+            </a:r>
+            <a:r>
+              <a:rPr lang="en-US" dirty="0"/>
+              <a:t>) for their Computer Science department.</a:t>
+            </a:r>
+          </a:p>
+          <a:p>
+            <a:r>
+              <a:rPr lang="en-US" dirty="0"/>
+              <a:t> The system will enable students to register online for courses each semester, as well as track their progress toward completion of their degree.</a:t>
+            </a:r>
+          </a:p>
+          <a:p>
+            <a:r>
+              <a:rPr lang="en-US" dirty="0"/>
+              <a:t>When a student first enrolls at the university, he/she uses the </a:t>
+            </a:r>
+            <a:r>
+              <a:rPr lang="en-US" dirty="0" err="1"/>
+              <a:t>MUMSched</a:t>
+            </a:r>
+            <a:r>
+              <a:rPr lang="en-US" dirty="0"/>
+              <a:t> to create a plan of study that lists the courses he/she plans on taking to satisfy a particular degree program, </a:t>
+            </a:r>
+          </a:p>
+          <a:p>
+            <a:r>
+              <a:rPr lang="en-US" dirty="0"/>
+              <a:t>and chooses a faculty advisor. The </a:t>
+            </a:r>
+            <a:r>
+              <a:rPr lang="en-US" dirty="0" err="1"/>
+              <a:t>MUMSched</a:t>
+            </a:r>
+            <a:r>
+              <a:rPr lang="en-US" dirty="0"/>
+              <a:t> system will verify whether or not the proposed plan of study satisfies the requirements of the degree that the student is seeking.</a:t>
+            </a:r>
+          </a:p>
+        </p:txBody>
+      </p:sp>
     </p:spTree>
     <p:extLst>
       <p:ext uri="{BB962C8B-B14F-4D97-AF65-F5344CB8AC3E}">
-        <p14:creationId xmlns:p14="http://schemas.microsoft.com/office/powerpoint/2010/main" val="3415660640"/>
+        <p14:creationId xmlns:p14="http://schemas.microsoft.com/office/powerpoint/2010/main" val="3220161071"/>
       </p:ext>
     </p:extLst>
   </p:cSld>
@@ -16744,7 +11617,7 @@
 </p:sld>
 </file>
 
-<file path=ppt/slides/slide3.xml><?xml version="1.0" encoding="utf-8"?>
+<file path=ppt/slides/slide5.xml><?xml version="1.0" encoding="utf-8"?>
 <p:sld xmlns:a="http://schemas.openxmlformats.org/drawingml/2006/main" xmlns:r="http://schemas.openxmlformats.org/officeDocument/2006/relationships" xmlns:p="http://schemas.openxmlformats.org/presentationml/2006/main">
   <p:cSld>
     <p:spTree>
@@ -16927,7 +11800,7 @@
 </p:sld>
 </file>
 
-<file path=ppt/slides/slide4.xml><?xml version="1.0" encoding="utf-8"?>
+<file path=ppt/slides/slide6.xml><?xml version="1.0" encoding="utf-8"?>
 <p:sld xmlns:a="http://schemas.openxmlformats.org/drawingml/2006/main" xmlns:r="http://schemas.openxmlformats.org/officeDocument/2006/relationships" xmlns:p="http://schemas.openxmlformats.org/presentationml/2006/main">
   <p:cSld>
     <p:bg>
@@ -17447,7 +12320,7 @@
 </p:sld>
 </file>
 
-<file path=ppt/slides/slide5.xml><?xml version="1.0" encoding="utf-8"?>
+<file path=ppt/slides/slide7.xml><?xml version="1.0" encoding="utf-8"?>
 <p:sld xmlns:a="http://schemas.openxmlformats.org/drawingml/2006/main" xmlns:r="http://schemas.openxmlformats.org/officeDocument/2006/relationships" xmlns:p="http://schemas.openxmlformats.org/presentationml/2006/main">
   <p:cSld>
     <p:spTree>
@@ -17472,8 +12345,8 @@
         </p:nvSpPr>
         <p:spPr>
           <a:xfrm>
-            <a:off x="446059" y="2767280"/>
-            <a:ext cx="11299889" cy="1323439"/>
+            <a:off x="2132417" y="2767280"/>
+            <a:ext cx="7927170" cy="1323439"/>
           </a:xfrm>
           <a:prstGeom prst="rect">
             <a:avLst/>
@@ -17487,6 +12360,51 @@
           <a:lstStyle/>
           <a:p>
             <a:pPr algn="ctr"/>
+            <a:r>
+              <a:rPr lang="fr-FR" sz="8000" b="1" cap="all" spc="0" dirty="0" err="1">
+                <a:ln w="9000" cmpd="sng">
+                  <a:solidFill>
+                    <a:schemeClr val="accent4">
+                      <a:shade val="50000"/>
+                      <a:satMod val="120000"/>
+                    </a:schemeClr>
+                  </a:solidFill>
+                  <a:prstDash val="solid"/>
+                </a:ln>
+                <a:gradFill>
+                  <a:gsLst>
+                    <a:gs pos="0">
+                      <a:schemeClr val="accent4">
+                        <a:shade val="20000"/>
+                        <a:satMod val="245000"/>
+                      </a:schemeClr>
+                    </a:gs>
+                    <a:gs pos="43000">
+                      <a:schemeClr val="accent4">
+                        <a:satMod val="255000"/>
+                      </a:schemeClr>
+                    </a:gs>
+                    <a:gs pos="48000">
+                      <a:schemeClr val="accent4">
+                        <a:shade val="85000"/>
+                        <a:satMod val="255000"/>
+                      </a:schemeClr>
+                    </a:gs>
+                    <a:gs pos="100000">
+                      <a:schemeClr val="accent4">
+                        <a:shade val="20000"/>
+                        <a:satMod val="245000"/>
+                      </a:schemeClr>
+                    </a:gs>
+                  </a:gsLst>
+                  <a:lin ang="5400000"/>
+                </a:gradFill>
+                <a:effectLst>
+                  <a:reflection blurRad="12700" stA="28000" endPos="45000" dist="1000" dir="5400000" sy="-100000" algn="bl" rotWithShape="0"/>
+                </a:effectLst>
+              </a:rPr>
+              <a:t>Calss</a:t>
+            </a:r>
             <a:r>
               <a:rPr lang="fr-FR" sz="8000" b="1" cap="all" spc="0" dirty="0">
                 <a:ln w="9000" cmpd="sng">
@@ -17530,15 +12448,102 @@
                   <a:reflection blurRad="12700" stA="28000" endPos="45000" dist="1000" dir="5400000" sy="-100000" algn="bl" rotWithShape="0"/>
                 </a:effectLst>
               </a:rPr>
-              <a:t>Use case Description</a:t>
+              <a:t> </a:t>
             </a:r>
+            <a:r>
+              <a:rPr lang="fr-FR" sz="8000" b="1" cap="all" spc="0" dirty="0" err="1">
+                <a:ln w="9000" cmpd="sng">
+                  <a:solidFill>
+                    <a:schemeClr val="accent4">
+                      <a:shade val="50000"/>
+                      <a:satMod val="120000"/>
+                    </a:schemeClr>
+                  </a:solidFill>
+                  <a:prstDash val="solid"/>
+                </a:ln>
+                <a:gradFill>
+                  <a:gsLst>
+                    <a:gs pos="0">
+                      <a:schemeClr val="accent4">
+                        <a:shade val="20000"/>
+                        <a:satMod val="245000"/>
+                      </a:schemeClr>
+                    </a:gs>
+                    <a:gs pos="43000">
+                      <a:schemeClr val="accent4">
+                        <a:satMod val="255000"/>
+                      </a:schemeClr>
+                    </a:gs>
+                    <a:gs pos="48000">
+                      <a:schemeClr val="accent4">
+                        <a:shade val="85000"/>
+                        <a:satMod val="255000"/>
+                      </a:schemeClr>
+                    </a:gs>
+                    <a:gs pos="100000">
+                      <a:schemeClr val="accent4">
+                        <a:shade val="20000"/>
+                        <a:satMod val="245000"/>
+                      </a:schemeClr>
+                    </a:gs>
+                  </a:gsLst>
+                  <a:lin ang="5400000"/>
+                </a:gradFill>
+                <a:effectLst>
+                  <a:reflection blurRad="12700" stA="28000" endPos="45000" dist="1000" dir="5400000" sy="-100000" algn="bl" rotWithShape="0"/>
+                </a:effectLst>
+              </a:rPr>
+              <a:t>digaram</a:t>
+            </a:r>
+            <a:endParaRPr lang="fr-FR" sz="8000" b="1" cap="all" spc="0" dirty="0">
+              <a:ln w="9000" cmpd="sng">
+                <a:solidFill>
+                  <a:schemeClr val="accent4">
+                    <a:shade val="50000"/>
+                    <a:satMod val="120000"/>
+                  </a:schemeClr>
+                </a:solidFill>
+                <a:prstDash val="solid"/>
+              </a:ln>
+              <a:gradFill>
+                <a:gsLst>
+                  <a:gs pos="0">
+                    <a:schemeClr val="accent4">
+                      <a:shade val="20000"/>
+                      <a:satMod val="245000"/>
+                    </a:schemeClr>
+                  </a:gs>
+                  <a:gs pos="43000">
+                    <a:schemeClr val="accent4">
+                      <a:satMod val="255000"/>
+                    </a:schemeClr>
+                  </a:gs>
+                  <a:gs pos="48000">
+                    <a:schemeClr val="accent4">
+                      <a:shade val="85000"/>
+                      <a:satMod val="255000"/>
+                    </a:schemeClr>
+                  </a:gs>
+                  <a:gs pos="100000">
+                    <a:schemeClr val="accent4">
+                      <a:shade val="20000"/>
+                      <a:satMod val="245000"/>
+                    </a:schemeClr>
+                  </a:gs>
+                </a:gsLst>
+                <a:lin ang="5400000"/>
+              </a:gradFill>
+              <a:effectLst>
+                <a:reflection blurRad="12700" stA="28000" endPos="45000" dist="1000" dir="5400000" sy="-100000" algn="bl" rotWithShape="0"/>
+              </a:effectLst>
+            </a:endParaRPr>
           </a:p>
         </p:txBody>
       </p:sp>
     </p:spTree>
     <p:extLst>
       <p:ext uri="{BB962C8B-B14F-4D97-AF65-F5344CB8AC3E}">
-        <p14:creationId xmlns:p14="http://schemas.microsoft.com/office/powerpoint/2010/main" val="830138630"/>
+        <p14:creationId xmlns:p14="http://schemas.microsoft.com/office/powerpoint/2010/main" val="118560757"/>
       </p:ext>
     </p:extLst>
   </p:cSld>
@@ -17548,7 +12553,7 @@
 </p:sld>
 </file>
 
-<file path=ppt/slides/slide6.xml><?xml version="1.0" encoding="utf-8"?>
+<file path=ppt/slides/slide8.xml><?xml version="1.0" encoding="utf-8"?>
 <p:sld xmlns:a="http://schemas.openxmlformats.org/drawingml/2006/main" xmlns:r="http://schemas.openxmlformats.org/officeDocument/2006/relationships" xmlns:p="http://schemas.openxmlformats.org/presentationml/2006/main">
   <p:cSld>
     <p:bg>
@@ -17588,7 +12593,7 @@
       </p:grpSpPr>
       <p:grpSp>
         <p:nvGrpSpPr>
-          <p:cNvPr id="10" name="Group 9">
+          <p:cNvPr id="29" name="Group 9">
             <a:extLst>
               <a:ext uri="{FF2B5EF4-FFF2-40B4-BE49-F238E27FC236}">
                 <a16:creationId xmlns:a16="http://schemas.microsoft.com/office/drawing/2014/main" id="{089D35B1-0ED5-4358-8CAE-A9E49412AAA1}"/>
@@ -18009,435 +13014,12 @@
           </p:spPr>
         </p:sp>
       </p:grpSp>
-      <p:grpSp>
-        <p:nvGrpSpPr>
-          <p:cNvPr id="18" name="Group 17">
+      <p:sp>
+        <p:nvSpPr>
+          <p:cNvPr id="30" name="Rectangle 17">
             <a:extLst>
               <a:ext uri="{FF2B5EF4-FFF2-40B4-BE49-F238E27FC236}">
-                <a16:creationId xmlns:a16="http://schemas.microsoft.com/office/drawing/2014/main" id="{DD65B30C-427F-449E-B039-E288E85D8AFA}"/>
-              </a:ext>
-              <a:ext uri="{C183D7F6-B498-43B3-948B-1728B52AA6E4}">
-                <adec:decorative xmlns:adec="http://schemas.microsoft.com/office/drawing/2017/decorative" val="1"/>
-              </a:ext>
-            </a:extLst>
-          </p:cNvPr>
-          <p:cNvGrpSpPr>
-            <a:grpSpLocks noGrp="1" noUngrp="1" noRot="1" noChangeAspect="1" noMove="1" noResize="1"/>
-          </p:cNvGrpSpPr>
-          <p:nvPr>
-            <p:extLst>
-              <p:ext uri="{386F3935-93C4-4BCD-93E2-E3B085C9AB24}">
-                <p16:designElem xmlns:p16="http://schemas.microsoft.com/office/powerpoint/2015/main" val="1"/>
-              </p:ext>
-            </p:extLst>
-          </p:nvPr>
-        </p:nvGrpSpPr>
-        <p:grpSpPr>
-          <a:xfrm>
-            <a:off x="150812" y="0"/>
-            <a:ext cx="2436813" cy="6858001"/>
-            <a:chOff x="1320800" y="0"/>
-            <a:chExt cx="2436813" cy="6858001"/>
-          </a:xfrm>
-        </p:grpSpPr>
-        <p:sp>
-          <p:nvSpPr>
-            <p:cNvPr id="19" name="Freeform 6">
-              <a:extLst>
-                <a:ext uri="{FF2B5EF4-FFF2-40B4-BE49-F238E27FC236}">
-                  <a16:creationId xmlns:a16="http://schemas.microsoft.com/office/drawing/2014/main" id="{9F47D947-83F7-46E3-872B-0777122A0A28}"/>
-                </a:ext>
-                <a:ext uri="{C183D7F6-B498-43B3-948B-1728B52AA6E4}">
-                  <adec:decorative xmlns:adec="http://schemas.microsoft.com/office/drawing/2017/decorative" val="1"/>
-                </a:ext>
-              </a:extLst>
-            </p:cNvPr>
-            <p:cNvSpPr/>
-            <p:nvPr>
-              <p:extLst>
-                <p:ext uri="{386F3935-93C4-4BCD-93E2-E3B085C9AB24}">
-                  <p16:designElem xmlns:p16="http://schemas.microsoft.com/office/powerpoint/2015/main" val="1"/>
-                </p:ext>
-              </p:extLst>
-            </p:nvPr>
-          </p:nvSpPr>
-          <p:spPr bwMode="auto">
-            <a:xfrm>
-              <a:off x="1627188" y="0"/>
-              <a:ext cx="1122363" cy="5329238"/>
-            </a:xfrm>
-            <a:custGeom>
-              <a:avLst/>
-              <a:gdLst/>
-              <a:ahLst/>
-              <a:cxnLst/>
-              <a:rect l="0" t="0" r="r" b="b"/>
-              <a:pathLst>
-                <a:path w="707" h="3357">
-                  <a:moveTo>
-                    <a:pt x="0" y="3330"/>
-                  </a:moveTo>
-                  <a:lnTo>
-                    <a:pt x="156" y="3357"/>
-                  </a:lnTo>
-                  <a:lnTo>
-                    <a:pt x="707" y="0"/>
-                  </a:lnTo>
-                  <a:lnTo>
-                    <a:pt x="547" y="0"/>
-                  </a:lnTo>
-                  <a:lnTo>
-                    <a:pt x="0" y="3330"/>
-                  </a:lnTo>
-                  <a:close/>
-                </a:path>
-              </a:pathLst>
-            </a:custGeom>
-            <a:solidFill>
-              <a:schemeClr val="accent1"/>
-            </a:solidFill>
-            <a:ln>
-              <a:noFill/>
-            </a:ln>
-          </p:spPr>
-        </p:sp>
-        <p:sp>
-          <p:nvSpPr>
-            <p:cNvPr id="20" name="Freeform 7">
-              <a:extLst>
-                <a:ext uri="{FF2B5EF4-FFF2-40B4-BE49-F238E27FC236}">
-                  <a16:creationId xmlns:a16="http://schemas.microsoft.com/office/drawing/2014/main" id="{60C7B45B-6634-46FA-862D-B86F1C3C5064}"/>
-                </a:ext>
-                <a:ext uri="{C183D7F6-B498-43B3-948B-1728B52AA6E4}">
-                  <adec:decorative xmlns:adec="http://schemas.microsoft.com/office/drawing/2017/decorative" val="1"/>
-                </a:ext>
-              </a:extLst>
-            </p:cNvPr>
-            <p:cNvSpPr/>
-            <p:nvPr>
-              <p:extLst>
-                <p:ext uri="{386F3935-93C4-4BCD-93E2-E3B085C9AB24}">
-                  <p16:designElem xmlns:p16="http://schemas.microsoft.com/office/powerpoint/2015/main" val="1"/>
-                </p:ext>
-              </p:extLst>
-            </p:nvPr>
-          </p:nvSpPr>
-          <p:spPr bwMode="auto">
-            <a:xfrm>
-              <a:off x="1320800" y="0"/>
-              <a:ext cx="1117600" cy="5276850"/>
-            </a:xfrm>
-            <a:custGeom>
-              <a:avLst/>
-              <a:gdLst/>
-              <a:ahLst/>
-              <a:cxnLst/>
-              <a:rect l="0" t="0" r="r" b="b"/>
-              <a:pathLst>
-                <a:path w="704" h="3324">
-                  <a:moveTo>
-                    <a:pt x="704" y="0"/>
-                  </a:moveTo>
-                  <a:lnTo>
-                    <a:pt x="545" y="0"/>
-                  </a:lnTo>
-                  <a:lnTo>
-                    <a:pt x="0" y="3300"/>
-                  </a:lnTo>
-                  <a:lnTo>
-                    <a:pt x="157" y="3324"/>
-                  </a:lnTo>
-                  <a:lnTo>
-                    <a:pt x="704" y="0"/>
-                  </a:lnTo>
-                  <a:close/>
-                </a:path>
-              </a:pathLst>
-            </a:custGeom>
-            <a:solidFill>
-              <a:schemeClr val="tx1">
-                <a:lumMod val="65000"/>
-                <a:lumOff val="35000"/>
-              </a:schemeClr>
-            </a:solidFill>
-            <a:ln>
-              <a:noFill/>
-            </a:ln>
-          </p:spPr>
-        </p:sp>
-        <p:sp>
-          <p:nvSpPr>
-            <p:cNvPr id="21" name="Freeform 8">
-              <a:extLst>
-                <a:ext uri="{FF2B5EF4-FFF2-40B4-BE49-F238E27FC236}">
-                  <a16:creationId xmlns:a16="http://schemas.microsoft.com/office/drawing/2014/main" id="{C7504CC0-DD94-4ED9-ADC9-6FE7AEA33FF0}"/>
-                </a:ext>
-                <a:ext uri="{C183D7F6-B498-43B3-948B-1728B52AA6E4}">
-                  <adec:decorative xmlns:adec="http://schemas.microsoft.com/office/drawing/2017/decorative" val="1"/>
-                </a:ext>
-              </a:extLst>
-            </p:cNvPr>
-            <p:cNvSpPr/>
-            <p:nvPr>
-              <p:extLst>
-                <p:ext uri="{386F3935-93C4-4BCD-93E2-E3B085C9AB24}">
-                  <p16:designElem xmlns:p16="http://schemas.microsoft.com/office/powerpoint/2015/main" val="1"/>
-                </p:ext>
-              </p:extLst>
-            </p:nvPr>
-          </p:nvSpPr>
-          <p:spPr bwMode="auto">
-            <a:xfrm>
-              <a:off x="1320800" y="5238750"/>
-              <a:ext cx="1228725" cy="1619250"/>
-            </a:xfrm>
-            <a:custGeom>
-              <a:avLst/>
-              <a:gdLst/>
-              <a:ahLst/>
-              <a:cxnLst/>
-              <a:rect l="0" t="0" r="r" b="b"/>
-              <a:pathLst>
-                <a:path w="774" h="1020">
-                  <a:moveTo>
-                    <a:pt x="0" y="0"/>
-                  </a:moveTo>
-                  <a:lnTo>
-                    <a:pt x="740" y="1020"/>
-                  </a:lnTo>
-                  <a:lnTo>
-                    <a:pt x="774" y="1020"/>
-                  </a:lnTo>
-                  <a:lnTo>
-                    <a:pt x="0" y="0"/>
-                  </a:lnTo>
-                  <a:close/>
-                </a:path>
-              </a:pathLst>
-            </a:custGeom>
-            <a:solidFill>
-              <a:schemeClr val="tx1">
-                <a:lumMod val="85000"/>
-                <a:lumOff val="15000"/>
-              </a:schemeClr>
-            </a:solidFill>
-            <a:ln>
-              <a:noFill/>
-            </a:ln>
-          </p:spPr>
-        </p:sp>
-        <p:sp>
-          <p:nvSpPr>
-            <p:cNvPr id="22" name="Freeform 9">
-              <a:extLst>
-                <a:ext uri="{FF2B5EF4-FFF2-40B4-BE49-F238E27FC236}">
-                  <a16:creationId xmlns:a16="http://schemas.microsoft.com/office/drawing/2014/main" id="{64268326-B6DD-4E00-9788-6C319279AC7C}"/>
-                </a:ext>
-                <a:ext uri="{C183D7F6-B498-43B3-948B-1728B52AA6E4}">
-                  <adec:decorative xmlns:adec="http://schemas.microsoft.com/office/drawing/2017/decorative" val="1"/>
-                </a:ext>
-              </a:extLst>
-            </p:cNvPr>
-            <p:cNvSpPr/>
-            <p:nvPr>
-              <p:extLst>
-                <p:ext uri="{386F3935-93C4-4BCD-93E2-E3B085C9AB24}">
-                  <p16:designElem xmlns:p16="http://schemas.microsoft.com/office/powerpoint/2015/main" val="1"/>
-                </p:ext>
-              </p:extLst>
-            </p:nvPr>
-          </p:nvSpPr>
-          <p:spPr bwMode="auto">
-            <a:xfrm>
-              <a:off x="1627188" y="5291138"/>
-              <a:ext cx="1495425" cy="1566863"/>
-            </a:xfrm>
-            <a:custGeom>
-              <a:avLst/>
-              <a:gdLst/>
-              <a:ahLst/>
-              <a:cxnLst/>
-              <a:rect l="0" t="0" r="r" b="b"/>
-              <a:pathLst>
-                <a:path w="942" h="987">
-                  <a:moveTo>
-                    <a:pt x="0" y="0"/>
-                  </a:moveTo>
-                  <a:lnTo>
-                    <a:pt x="909" y="987"/>
-                  </a:lnTo>
-                  <a:lnTo>
-                    <a:pt x="942" y="987"/>
-                  </a:lnTo>
-                  <a:lnTo>
-                    <a:pt x="0" y="0"/>
-                  </a:lnTo>
-                  <a:close/>
-                </a:path>
-              </a:pathLst>
-            </a:custGeom>
-            <a:solidFill>
-              <a:schemeClr val="accent1">
-                <a:lumMod val="50000"/>
-              </a:schemeClr>
-            </a:solidFill>
-            <a:ln>
-              <a:noFill/>
-            </a:ln>
-          </p:spPr>
-        </p:sp>
-        <p:sp>
-          <p:nvSpPr>
-            <p:cNvPr id="23" name="Freeform 10">
-              <a:extLst>
-                <a:ext uri="{FF2B5EF4-FFF2-40B4-BE49-F238E27FC236}">
-                  <a16:creationId xmlns:a16="http://schemas.microsoft.com/office/drawing/2014/main" id="{92C7B3DE-DB23-4AAC-B142-C803C0C0A154}"/>
-                </a:ext>
-                <a:ext uri="{C183D7F6-B498-43B3-948B-1728B52AA6E4}">
-                  <adec:decorative xmlns:adec="http://schemas.microsoft.com/office/drawing/2017/decorative" val="1"/>
-                </a:ext>
-              </a:extLst>
-            </p:cNvPr>
-            <p:cNvSpPr/>
-            <p:nvPr>
-              <p:extLst>
-                <p:ext uri="{386F3935-93C4-4BCD-93E2-E3B085C9AB24}">
-                  <p16:designElem xmlns:p16="http://schemas.microsoft.com/office/powerpoint/2015/main" val="1"/>
-                </p:ext>
-              </p:extLst>
-            </p:nvPr>
-          </p:nvSpPr>
-          <p:spPr bwMode="auto">
-            <a:xfrm>
-              <a:off x="1627188" y="5286375"/>
-              <a:ext cx="2130425" cy="1571625"/>
-            </a:xfrm>
-            <a:custGeom>
-              <a:avLst/>
-              <a:gdLst/>
-              <a:ahLst/>
-              <a:cxnLst/>
-              <a:rect l="0" t="0" r="r" b="b"/>
-              <a:pathLst>
-                <a:path w="1342" h="990">
-                  <a:moveTo>
-                    <a:pt x="0" y="3"/>
-                  </a:moveTo>
-                  <a:lnTo>
-                    <a:pt x="942" y="990"/>
-                  </a:lnTo>
-                  <a:lnTo>
-                    <a:pt x="1342" y="990"/>
-                  </a:lnTo>
-                  <a:lnTo>
-                    <a:pt x="156" y="27"/>
-                  </a:lnTo>
-                  <a:lnTo>
-                    <a:pt x="0" y="0"/>
-                  </a:lnTo>
-                  <a:lnTo>
-                    <a:pt x="0" y="3"/>
-                  </a:lnTo>
-                  <a:close/>
-                </a:path>
-              </a:pathLst>
-            </a:custGeom>
-            <a:solidFill>
-              <a:schemeClr val="accent1">
-                <a:lumMod val="75000"/>
-              </a:schemeClr>
-            </a:solidFill>
-            <a:ln>
-              <a:noFill/>
-            </a:ln>
-          </p:spPr>
-        </p:sp>
-        <p:sp>
-          <p:nvSpPr>
-            <p:cNvPr id="24" name="Freeform 11">
-              <a:extLst>
-                <a:ext uri="{FF2B5EF4-FFF2-40B4-BE49-F238E27FC236}">
-                  <a16:creationId xmlns:a16="http://schemas.microsoft.com/office/drawing/2014/main" id="{1EEF04DC-4E0D-4127-A98D-EA81C3B2DE3D}"/>
-                </a:ext>
-                <a:ext uri="{C183D7F6-B498-43B3-948B-1728B52AA6E4}">
-                  <adec:decorative xmlns:adec="http://schemas.microsoft.com/office/drawing/2017/decorative" val="1"/>
-                </a:ext>
-              </a:extLst>
-            </p:cNvPr>
-            <p:cNvSpPr/>
-            <p:nvPr>
-              <p:extLst>
-                <p:ext uri="{386F3935-93C4-4BCD-93E2-E3B085C9AB24}">
-                  <p16:designElem xmlns:p16="http://schemas.microsoft.com/office/powerpoint/2015/main" val="1"/>
-                </p:ext>
-              </p:extLst>
-            </p:nvPr>
-          </p:nvSpPr>
-          <p:spPr bwMode="auto">
-            <a:xfrm>
-              <a:off x="1320800" y="5238750"/>
-              <a:ext cx="1695450" cy="1619250"/>
-            </a:xfrm>
-            <a:custGeom>
-              <a:avLst/>
-              <a:gdLst/>
-              <a:ahLst/>
-              <a:cxnLst/>
-              <a:rect l="0" t="0" r="r" b="b"/>
-              <a:pathLst>
-                <a:path w="1068" h="1020">
-                  <a:moveTo>
-                    <a:pt x="1068" y="1020"/>
-                  </a:moveTo>
-                  <a:lnTo>
-                    <a:pt x="184" y="60"/>
-                  </a:lnTo>
-                  <a:lnTo>
-                    <a:pt x="154" y="27"/>
-                  </a:lnTo>
-                  <a:lnTo>
-                    <a:pt x="157" y="27"/>
-                  </a:lnTo>
-                  <a:lnTo>
-                    <a:pt x="157" y="24"/>
-                  </a:lnTo>
-                  <a:lnTo>
-                    <a:pt x="154" y="24"/>
-                  </a:lnTo>
-                  <a:lnTo>
-                    <a:pt x="0" y="0"/>
-                  </a:lnTo>
-                  <a:lnTo>
-                    <a:pt x="0" y="0"/>
-                  </a:lnTo>
-                  <a:lnTo>
-                    <a:pt x="774" y="1020"/>
-                  </a:lnTo>
-                  <a:lnTo>
-                    <a:pt x="1068" y="1020"/>
-                  </a:lnTo>
-                  <a:close/>
-                </a:path>
-              </a:pathLst>
-            </a:custGeom>
-            <a:solidFill>
-              <a:schemeClr val="tx1">
-                <a:lumMod val="75000"/>
-                <a:lumOff val="25000"/>
-              </a:schemeClr>
-            </a:solidFill>
-            <a:ln>
-              <a:noFill/>
-            </a:ln>
-          </p:spPr>
-        </p:sp>
-      </p:grpSp>
-      <p:sp>
-        <p:nvSpPr>
-          <p:cNvPr id="26" name="Freeform: Shape 25">
-            <a:extLst>
-              <a:ext uri="{FF2B5EF4-FFF2-40B4-BE49-F238E27FC236}">
-                <a16:creationId xmlns:a16="http://schemas.microsoft.com/office/drawing/2014/main" id="{084966D2-3C9B-4F47-8231-1DEC33D3BDFE}"/>
+                <a16:creationId xmlns:a16="http://schemas.microsoft.com/office/drawing/2014/main" id="{7E123AAE-7C5D-4EC5-B570-7141C9405CE2}"/>
               </a:ext>
               <a:ext uri="{C183D7F6-B498-43B3-948B-1728B52AA6E4}">
                 <adec:decorative xmlns:adec="http://schemas.microsoft.com/office/drawing/2017/decorative" val="1"/>
@@ -18457,98 +13039,87 @@
         </p:nvSpPr>
         <p:spPr>
           <a:xfrm>
-            <a:off x="796066" y="321734"/>
-            <a:ext cx="11074201" cy="6214533"/>
+            <a:off x="0" y="0"/>
+            <a:ext cx="12192000" cy="6858000"/>
           </a:xfrm>
-          <a:custGeom>
+          <a:prstGeom prst="rect">
             <a:avLst/>
-            <a:gdLst>
-              <a:gd name="connsiteX0" fmla="*/ 815396 w 11074201"/>
-              <a:gd name="connsiteY0" fmla="*/ 0 h 6214533"/>
-              <a:gd name="connsiteX1" fmla="*/ 11074201 w 11074201"/>
-              <a:gd name="connsiteY1" fmla="*/ 0 h 6214533"/>
-              <a:gd name="connsiteX2" fmla="*/ 11074201 w 11074201"/>
-              <a:gd name="connsiteY2" fmla="*/ 6214533 h 6214533"/>
-              <a:gd name="connsiteX3" fmla="*/ 1498193 w 11074201"/>
-              <a:gd name="connsiteY3" fmla="*/ 6214533 h 6214533"/>
-              <a:gd name="connsiteX4" fmla="*/ 0 w 11074201"/>
-              <a:gd name="connsiteY4" fmla="*/ 4992543 h 6214533"/>
-              <a:gd name="connsiteX5" fmla="*/ 433971 w 11074201"/>
-              <a:gd name="connsiteY5" fmla="*/ 2335405 h 6214533"/>
-            </a:gdLst>
-            <a:ahLst/>
-            <a:cxnLst>
-              <a:cxn ang="0">
-                <a:pos x="connsiteX0" y="connsiteY0"/>
-              </a:cxn>
-              <a:cxn ang="0">
-                <a:pos x="connsiteX1" y="connsiteY1"/>
-              </a:cxn>
-              <a:cxn ang="0">
-                <a:pos x="connsiteX2" y="connsiteY2"/>
-              </a:cxn>
-              <a:cxn ang="0">
-                <a:pos x="connsiteX3" y="connsiteY3"/>
-              </a:cxn>
-              <a:cxn ang="0">
-                <a:pos x="connsiteX4" y="connsiteY4"/>
-              </a:cxn>
-              <a:cxn ang="0">
-                <a:pos x="connsiteX5" y="connsiteY5"/>
-              </a:cxn>
-            </a:cxnLst>
-            <a:rect l="l" t="t" r="r" b="b"/>
-            <a:pathLst>
-              <a:path w="11074201" h="6214533">
-                <a:moveTo>
-                  <a:pt x="815396" y="0"/>
-                </a:moveTo>
-                <a:lnTo>
-                  <a:pt x="11074201" y="0"/>
-                </a:lnTo>
-                <a:lnTo>
-                  <a:pt x="11074201" y="6214533"/>
-                </a:lnTo>
-                <a:lnTo>
-                  <a:pt x="1498193" y="6214533"/>
-                </a:lnTo>
-                <a:lnTo>
-                  <a:pt x="0" y="4992543"/>
-                </a:lnTo>
-                <a:cubicBezTo>
-                  <a:pt x="141071" y="4106831"/>
-                  <a:pt x="287521" y="3221118"/>
-                  <a:pt x="433971" y="2335405"/>
-                </a:cubicBezTo>
-                <a:close/>
-              </a:path>
-            </a:pathLst>
-          </a:custGeom>
+          </a:prstGeom>
+          <a:solidFill>
+            <a:schemeClr val="bg2"/>
+          </a:solidFill>
+          <a:ln>
+            <a:noFill/>
+          </a:ln>
+        </p:spPr>
+        <p:style>
+          <a:lnRef idx="2">
+            <a:schemeClr val="accent1">
+              <a:shade val="50000"/>
+            </a:schemeClr>
+          </a:lnRef>
+          <a:fillRef idx="1">
+            <a:schemeClr val="accent1"/>
+          </a:fillRef>
+          <a:effectRef idx="0">
+            <a:schemeClr val="accent1"/>
+          </a:effectRef>
+          <a:fontRef idx="minor">
+            <a:schemeClr val="lt1"/>
+          </a:fontRef>
+        </p:style>
+        <p:txBody>
+          <a:bodyPr rtlCol="0" anchor="ctr"/>
+          <a:lstStyle/>
+          <a:p>
+            <a:pPr algn="ctr"/>
+            <a:endParaRPr lang="en-US"/>
+          </a:p>
+        </p:txBody>
+      </p:sp>
+      <p:sp>
+        <p:nvSpPr>
+          <p:cNvPr id="20" name="Rectangle 19">
+            <a:extLst>
+              <a:ext uri="{FF2B5EF4-FFF2-40B4-BE49-F238E27FC236}">
+                <a16:creationId xmlns:a16="http://schemas.microsoft.com/office/drawing/2014/main" id="{EBE68FE8-33EE-42EC-8894-049237550257}"/>
+              </a:ext>
+              <a:ext uri="{C183D7F6-B498-43B3-948B-1728B52AA6E4}">
+                <adec:decorative xmlns:adec="http://schemas.microsoft.com/office/drawing/2017/decorative" val="1"/>
+              </a:ext>
+            </a:extLst>
+          </p:cNvPr>
+          <p:cNvSpPr>
+            <a:spLocks noGrp="1" noRot="1" noChangeAspect="1" noMove="1" noResize="1" noEditPoints="1" noAdjustHandles="1" noChangeArrowheads="1" noChangeShapeType="1" noTextEdit="1"/>
+          </p:cNvSpPr>
+          <p:nvPr>
+            <p:extLst>
+              <p:ext uri="{386F3935-93C4-4BCD-93E2-E3B085C9AB24}">
+                <p16:designElem xmlns:p16="http://schemas.microsoft.com/office/powerpoint/2015/main" val="1"/>
+              </p:ext>
+            </p:extLst>
+          </p:nvPr>
+        </p:nvSpPr>
+        <p:spPr>
+          <a:xfrm>
+            <a:off x="477012" y="480060"/>
+            <a:ext cx="11237976" cy="5897880"/>
+          </a:xfrm>
+          <a:prstGeom prst="rect">
+            <a:avLst/>
+          </a:prstGeom>
           <a:solidFill>
             <a:srgbClr val="FFFFFF"/>
           </a:solidFill>
-          <a:ln w="38100">
-            <a:gradFill flip="none" rotWithShape="1">
-              <a:gsLst>
-                <a:gs pos="0">
-                  <a:schemeClr val="bg2"/>
-                </a:gs>
-                <a:gs pos="100000">
-                  <a:schemeClr val="bg2">
-                    <a:lumMod val="75000"/>
-                  </a:schemeClr>
-                </a:gs>
-              </a:gsLst>
-              <a:lin ang="5400000" scaled="1"/>
-              <a:tileRect/>
-            </a:gradFill>
+          <a:ln w="9525">
+            <a:noFill/>
           </a:ln>
           <a:effectLst>
-            <a:innerShdw blurRad="57150" dist="38100" dir="14460000">
+            <a:outerShdw blurRad="63500" dist="17780" dir="5400000" algn="t" rotWithShape="0">
               <a:prstClr val="black">
-                <a:alpha val="70000"/>
+                <a:alpha val="43000"/>
               </a:prstClr>
-            </a:innerShdw>
+            </a:outerShdw>
           </a:effectLst>
         </p:spPr>
         <p:style>
@@ -18578,19 +13149,17 @@
       </p:sp>
       <p:pic>
         <p:nvPicPr>
-          <p:cNvPr id="5" name="Content Placeholder 4" descr="Graphical user interface, text, application, email&#10;&#10;Description automatically generated">
+          <p:cNvPr id="5" name="Picture 4" descr="Diagram&#10;&#10;Description automatically generated">
             <a:extLst>
               <a:ext uri="{FF2B5EF4-FFF2-40B4-BE49-F238E27FC236}">
-                <a16:creationId xmlns:a16="http://schemas.microsoft.com/office/drawing/2014/main" id="{A58A97F3-3472-4DB8-8F59-AACB0DF64750}"/>
+                <a16:creationId xmlns:a16="http://schemas.microsoft.com/office/drawing/2014/main" id="{460253B5-9BBB-4832-8739-6EF3F5D410F3}"/>
               </a:ext>
             </a:extLst>
           </p:cNvPr>
           <p:cNvPicPr>
-            <a:picLocks noGrp="1" noChangeAspect="1"/>
+            <a:picLocks noChangeAspect="1"/>
           </p:cNvPicPr>
-          <p:nvPr>
-            <p:ph idx="1"/>
-          </p:nvPr>
+          <p:nvPr/>
         </p:nvPicPr>
         <p:blipFill>
           <a:blip r:embed="rId3">
@@ -18606,8 +13175,8 @@
         </p:blipFill>
         <p:spPr>
           <a:xfrm>
-            <a:off x="-18630" y="-52389"/>
-            <a:ext cx="12210630" cy="6995799"/>
+            <a:off x="643467" y="879942"/>
+            <a:ext cx="10905066" cy="5098116"/>
           </a:xfrm>
           <a:prstGeom prst="rect">
             <a:avLst/>
@@ -18617,187 +13186,7 @@
     </p:spTree>
     <p:extLst>
       <p:ext uri="{BB962C8B-B14F-4D97-AF65-F5344CB8AC3E}">
-        <p14:creationId xmlns:p14="http://schemas.microsoft.com/office/powerpoint/2010/main" val="250667467"/>
-      </p:ext>
-    </p:extLst>
-  </p:cSld>
-  <p:clrMapOvr>
-    <a:masterClrMapping/>
-  </p:clrMapOvr>
-</p:sld>
-</file>
-
-<file path=ppt/slides/slide7.xml><?xml version="1.0" encoding="utf-8"?>
-<p:sld xmlns:a="http://schemas.openxmlformats.org/drawingml/2006/main" xmlns:r="http://schemas.openxmlformats.org/officeDocument/2006/relationships" xmlns:p="http://schemas.openxmlformats.org/presentationml/2006/main">
-  <p:cSld>
-    <p:spTree>
-      <p:nvGrpSpPr>
-        <p:cNvPr id="1" name=""/>
-        <p:cNvGrpSpPr/>
-        <p:nvPr/>
-      </p:nvGrpSpPr>
-      <p:grpSpPr>
-        <a:xfrm>
-          <a:off x="0" y="0"/>
-          <a:ext cx="0" cy="0"/>
-          <a:chOff x="0" y="0"/>
-          <a:chExt cx="0" cy="0"/>
-        </a:xfrm>
-      </p:grpSpPr>
-      <p:sp>
-        <p:nvSpPr>
-          <p:cNvPr id="2" name="Title 1">
-            <a:extLst>
-              <a:ext uri="{FF2B5EF4-FFF2-40B4-BE49-F238E27FC236}">
-                <a16:creationId xmlns:a16="http://schemas.microsoft.com/office/drawing/2014/main" id="{A842822B-4093-47B1-ABD4-249F2BF7E48D}"/>
-              </a:ext>
-            </a:extLst>
-          </p:cNvPr>
-          <p:cNvSpPr>
-            <a:spLocks noGrp="1"/>
-          </p:cNvSpPr>
-          <p:nvPr>
-            <p:ph type="title"/>
-          </p:nvPr>
-        </p:nvSpPr>
-        <p:spPr/>
-        <p:txBody>
-          <a:bodyPr/>
-          <a:lstStyle/>
-          <a:p>
-            <a:endParaRPr lang="en-US"/>
-          </a:p>
-        </p:txBody>
-      </p:sp>
-      <p:pic>
-        <p:nvPicPr>
-          <p:cNvPr id="5" name="Content Placeholder 4">
-            <a:extLst>
-              <a:ext uri="{FF2B5EF4-FFF2-40B4-BE49-F238E27FC236}">
-                <a16:creationId xmlns:a16="http://schemas.microsoft.com/office/drawing/2014/main" id="{EA9E7D65-FCA2-40C9-82BA-EC7F64412C52}"/>
-              </a:ext>
-            </a:extLst>
-          </p:cNvPr>
-          <p:cNvPicPr>
-            <a:picLocks noGrp="1" noChangeAspect="1"/>
-          </p:cNvPicPr>
-          <p:nvPr>
-            <p:ph idx="1"/>
-          </p:nvPr>
-        </p:nvPicPr>
-        <p:blipFill>
-          <a:blip r:embed="rId2">
-            <a:extLst>
-              <a:ext uri="{28A0092B-C50C-407E-A947-70E740481C1C}">
-                <a14:useLocalDpi xmlns:a14="http://schemas.microsoft.com/office/drawing/2010/main" val="0"/>
-              </a:ext>
-            </a:extLst>
-          </a:blip>
-          <a:stretch>
-            <a:fillRect/>
-          </a:stretch>
-        </p:blipFill>
-        <p:spPr>
-          <a:xfrm>
-            <a:off x="0" y="-1"/>
-            <a:ext cx="12192000" cy="6799721"/>
-          </a:xfrm>
-        </p:spPr>
-      </p:pic>
-    </p:spTree>
-    <p:extLst>
-      <p:ext uri="{BB962C8B-B14F-4D97-AF65-F5344CB8AC3E}">
-        <p14:creationId xmlns:p14="http://schemas.microsoft.com/office/powerpoint/2010/main" val="3776028369"/>
-      </p:ext>
-    </p:extLst>
-  </p:cSld>
-  <p:clrMapOvr>
-    <a:masterClrMapping/>
-  </p:clrMapOvr>
-</p:sld>
-</file>
-
-<file path=ppt/slides/slide8.xml><?xml version="1.0" encoding="utf-8"?>
-<p:sld xmlns:a="http://schemas.openxmlformats.org/drawingml/2006/main" xmlns:r="http://schemas.openxmlformats.org/officeDocument/2006/relationships" xmlns:p="http://schemas.openxmlformats.org/presentationml/2006/main">
-  <p:cSld>
-    <p:spTree>
-      <p:nvGrpSpPr>
-        <p:cNvPr id="1" name=""/>
-        <p:cNvGrpSpPr/>
-        <p:nvPr/>
-      </p:nvGrpSpPr>
-      <p:grpSpPr>
-        <a:xfrm>
-          <a:off x="0" y="0"/>
-          <a:ext cx="0" cy="0"/>
-          <a:chOff x="0" y="0"/>
-          <a:chExt cx="0" cy="0"/>
-        </a:xfrm>
-      </p:grpSpPr>
-      <p:sp>
-        <p:nvSpPr>
-          <p:cNvPr id="2" name="Title 1">
-            <a:extLst>
-              <a:ext uri="{FF2B5EF4-FFF2-40B4-BE49-F238E27FC236}">
-                <a16:creationId xmlns:a16="http://schemas.microsoft.com/office/drawing/2014/main" id="{9AEF3479-9832-4488-BDE6-31EF84678B64}"/>
-              </a:ext>
-            </a:extLst>
-          </p:cNvPr>
-          <p:cNvSpPr>
-            <a:spLocks noGrp="1"/>
-          </p:cNvSpPr>
-          <p:nvPr>
-            <p:ph type="title"/>
-          </p:nvPr>
-        </p:nvSpPr>
-        <p:spPr/>
-        <p:txBody>
-          <a:bodyPr/>
-          <a:lstStyle/>
-          <a:p>
-            <a:endParaRPr lang="en-US"/>
-          </a:p>
-        </p:txBody>
-      </p:sp>
-      <p:pic>
-        <p:nvPicPr>
-          <p:cNvPr id="5" name="Content Placeholder 4">
-            <a:extLst>
-              <a:ext uri="{FF2B5EF4-FFF2-40B4-BE49-F238E27FC236}">
-                <a16:creationId xmlns:a16="http://schemas.microsoft.com/office/drawing/2014/main" id="{D4447B0F-9F6B-43BB-A8F8-884EA8F35BA3}"/>
-              </a:ext>
-            </a:extLst>
-          </p:cNvPr>
-          <p:cNvPicPr>
-            <a:picLocks noGrp="1" noChangeAspect="1"/>
-          </p:cNvPicPr>
-          <p:nvPr>
-            <p:ph idx="1"/>
-          </p:nvPr>
-        </p:nvPicPr>
-        <p:blipFill>
-          <a:blip r:embed="rId2">
-            <a:extLst>
-              <a:ext uri="{28A0092B-C50C-407E-A947-70E740481C1C}">
-                <a14:useLocalDpi xmlns:a14="http://schemas.microsoft.com/office/drawing/2010/main" val="0"/>
-              </a:ext>
-            </a:extLst>
-          </a:blip>
-          <a:stretch>
-            <a:fillRect/>
-          </a:stretch>
-        </p:blipFill>
-        <p:spPr>
-          <a:xfrm>
-            <a:off x="0" y="0"/>
-            <a:ext cx="12192000" cy="6870912"/>
-          </a:xfrm>
-        </p:spPr>
-      </p:pic>
-    </p:spTree>
-    <p:extLst>
-      <p:ext uri="{BB962C8B-B14F-4D97-AF65-F5344CB8AC3E}">
-        <p14:creationId xmlns:p14="http://schemas.microsoft.com/office/powerpoint/2010/main" val="1130677766"/>
+        <p14:creationId xmlns:p14="http://schemas.microsoft.com/office/powerpoint/2010/main" val="3729474757"/>
       </p:ext>
     </p:extLst>
   </p:cSld>
